--- a/IDT_Final_Reviewppt.pptx
+++ b/IDT_Final_Reviewppt.pptx
@@ -5,30 +5,32 @@
     <p:sldMasterId id="2147483648" r:id="rId1"/>
   </p:sldMasterIdLst>
   <p:notesMasterIdLst>
-    <p:notesMasterId r:id="rId23"/>
+    <p:notesMasterId r:id="rId25"/>
   </p:notesMasterIdLst>
   <p:sldIdLst>
     <p:sldId id="256" r:id="rId2"/>
-    <p:sldId id="257" r:id="rId3"/>
-    <p:sldId id="411" r:id="rId4"/>
+    <p:sldId id="411" r:id="rId3"/>
+    <p:sldId id="257" r:id="rId4"/>
     <p:sldId id="412" r:id="rId5"/>
-    <p:sldId id="418" r:id="rId6"/>
-    <p:sldId id="370" r:id="rId7"/>
-    <p:sldId id="372" r:id="rId8"/>
-    <p:sldId id="392" r:id="rId9"/>
-    <p:sldId id="410" r:id="rId10"/>
-    <p:sldId id="402" r:id="rId11"/>
-    <p:sldId id="403" r:id="rId12"/>
-    <p:sldId id="404" r:id="rId13"/>
-    <p:sldId id="405" r:id="rId14"/>
-    <p:sldId id="406" r:id="rId15"/>
-    <p:sldId id="419" r:id="rId16"/>
-    <p:sldId id="407" r:id="rId17"/>
-    <p:sldId id="420" r:id="rId18"/>
-    <p:sldId id="399" r:id="rId19"/>
-    <p:sldId id="417" r:id="rId20"/>
-    <p:sldId id="401" r:id="rId21"/>
-    <p:sldId id="371" r:id="rId22"/>
+    <p:sldId id="422" r:id="rId6"/>
+    <p:sldId id="418" r:id="rId7"/>
+    <p:sldId id="370" r:id="rId8"/>
+    <p:sldId id="372" r:id="rId9"/>
+    <p:sldId id="392" r:id="rId10"/>
+    <p:sldId id="421" r:id="rId11"/>
+    <p:sldId id="410" r:id="rId12"/>
+    <p:sldId id="402" r:id="rId13"/>
+    <p:sldId id="403" r:id="rId14"/>
+    <p:sldId id="404" r:id="rId15"/>
+    <p:sldId id="405" r:id="rId16"/>
+    <p:sldId id="406" r:id="rId17"/>
+    <p:sldId id="419" r:id="rId18"/>
+    <p:sldId id="407" r:id="rId19"/>
+    <p:sldId id="420" r:id="rId20"/>
+    <p:sldId id="399" r:id="rId21"/>
+    <p:sldId id="417" r:id="rId22"/>
+    <p:sldId id="401" r:id="rId23"/>
+    <p:sldId id="371" r:id="rId24"/>
   </p:sldIdLst>
   <p:sldSz cx="12192000" cy="6858000"/>
   <p:notesSz cx="9144000" cy="6858000"/>
@@ -228,7 +230,7 @@
           <a:p>
             <a:fld id="{319E05D0-A421-4EF3-8512-AD1148C82550}" type="datetimeFigureOut">
               <a:rPr lang="en-IN" smtClean="0"/>
-              <a:t>10-05-2025</a:t>
+              <a:t>12-05-2025</a:t>
             </a:fld>
             <a:endParaRPr lang="en-IN"/>
           </a:p>
@@ -556,7 +558,7 @@
           <a:p>
             <a:fld id="{8A1C5D9F-5FDD-4E04-AD07-37773298FBF3}" type="slidenum">
               <a:rPr lang="en-IN" smtClean="0"/>
-              <a:t>6</a:t>
+              <a:t>7</a:t>
             </a:fld>
             <a:endParaRPr lang="en-IN"/>
           </a:p>
@@ -635,13 +637,121 @@
           <a:p>
             <a:fld id="{8A1C5D9F-5FDD-4E04-AD07-37773298FBF3}" type="slidenum">
               <a:rPr lang="en-IN" smtClean="0"/>
-              <a:t>8</a:t>
+              <a:t>9</a:t>
             </a:fld>
             <a:endParaRPr lang="en-IN"/>
           </a:p>
         </p:txBody>
       </p:sp>
     </p:spTree>
+  </p:cSld>
+  <p:clrMapOvr>
+    <a:masterClrMapping/>
+  </p:clrMapOvr>
+</p:notes>
+</file>
+
+<file path=ppt/notesSlides/notesSlide3.xml><?xml version="1.0" encoding="utf-8"?>
+<p:notes xmlns:a="http://schemas.openxmlformats.org/drawingml/2006/main" xmlns:r="http://schemas.openxmlformats.org/officeDocument/2006/relationships" xmlns:p="http://schemas.openxmlformats.org/presentationml/2006/main">
+  <p:cSld>
+    <p:spTree>
+      <p:nvGrpSpPr>
+        <p:cNvPr id="1" name="">
+          <a:extLst>
+            <a:ext uri="{FF2B5EF4-FFF2-40B4-BE49-F238E27FC236}">
+              <a16:creationId xmlns:a16="http://schemas.microsoft.com/office/drawing/2014/main" id="{85C1224A-2DE0-87F1-8255-BA3FD5D36DE3}"/>
+            </a:ext>
+          </a:extLst>
+        </p:cNvPr>
+        <p:cNvGrpSpPr/>
+        <p:nvPr/>
+      </p:nvGrpSpPr>
+      <p:grpSpPr>
+        <a:xfrm>
+          <a:off x="0" y="0"/>
+          <a:ext cx="0" cy="0"/>
+          <a:chOff x="0" y="0"/>
+          <a:chExt cx="0" cy="0"/>
+        </a:xfrm>
+      </p:grpSpPr>
+      <p:sp>
+        <p:nvSpPr>
+          <p:cNvPr id="2" name="Slide Image Placeholder 1">
+            <a:extLst>
+              <a:ext uri="{FF2B5EF4-FFF2-40B4-BE49-F238E27FC236}">
+                <a16:creationId xmlns:a16="http://schemas.microsoft.com/office/drawing/2014/main" id="{F880A8AF-666A-B19D-03C6-CD6C6A9F60F0}"/>
+              </a:ext>
+            </a:extLst>
+          </p:cNvPr>
+          <p:cNvSpPr>
+            <a:spLocks noGrp="1" noRot="1" noChangeAspect="1"/>
+          </p:cNvSpPr>
+          <p:nvPr>
+            <p:ph type="sldImg"/>
+          </p:nvPr>
+        </p:nvSpPr>
+        <p:spPr/>
+      </p:sp>
+      <p:sp>
+        <p:nvSpPr>
+          <p:cNvPr id="3" name="Notes Placeholder 2">
+            <a:extLst>
+              <a:ext uri="{FF2B5EF4-FFF2-40B4-BE49-F238E27FC236}">
+                <a16:creationId xmlns:a16="http://schemas.microsoft.com/office/drawing/2014/main" id="{5B053542-DEA1-75B9-4051-38F9FD111B52}"/>
+              </a:ext>
+            </a:extLst>
+          </p:cNvPr>
+          <p:cNvSpPr>
+            <a:spLocks noGrp="1"/>
+          </p:cNvSpPr>
+          <p:nvPr>
+            <p:ph type="body" idx="1"/>
+          </p:nvPr>
+        </p:nvSpPr>
+        <p:spPr/>
+        <p:txBody>
+          <a:bodyPr/>
+          <a:lstStyle/>
+          <a:p>
+            <a:endParaRPr lang="en-IN"/>
+          </a:p>
+        </p:txBody>
+      </p:sp>
+      <p:sp>
+        <p:nvSpPr>
+          <p:cNvPr id="4" name="Slide Number Placeholder 3">
+            <a:extLst>
+              <a:ext uri="{FF2B5EF4-FFF2-40B4-BE49-F238E27FC236}">
+                <a16:creationId xmlns:a16="http://schemas.microsoft.com/office/drawing/2014/main" id="{0FEAB35C-1EB7-5E67-247A-55A1E6CB25D8}"/>
+              </a:ext>
+            </a:extLst>
+          </p:cNvPr>
+          <p:cNvSpPr>
+            <a:spLocks noGrp="1"/>
+          </p:cNvSpPr>
+          <p:nvPr>
+            <p:ph type="sldNum" sz="quarter" idx="10"/>
+          </p:nvPr>
+        </p:nvSpPr>
+        <p:spPr/>
+        <p:txBody>
+          <a:bodyPr/>
+          <a:lstStyle/>
+          <a:p>
+            <a:fld id="{8A1C5D9F-5FDD-4E04-AD07-37773298FBF3}" type="slidenum">
+              <a:rPr lang="en-IN" smtClean="0"/>
+              <a:t>10</a:t>
+            </a:fld>
+            <a:endParaRPr lang="en-IN"/>
+          </a:p>
+        </p:txBody>
+      </p:sp>
+    </p:spTree>
+    <p:extLst>
+      <p:ext uri="{BB962C8B-B14F-4D97-AF65-F5344CB8AC3E}">
+        <p14:creationId xmlns:p14="http://schemas.microsoft.com/office/powerpoint/2010/main" val="3698199069"/>
+      </p:ext>
+    </p:extLst>
   </p:cSld>
   <p:clrMapOvr>
     <a:masterClrMapping/>
@@ -4433,9 +4543,25 @@
 <file path=ppt/slides/slide10.xml><?xml version="1.0" encoding="utf-8"?>
 <p:sld xmlns:a="http://schemas.openxmlformats.org/drawingml/2006/main" xmlns:r="http://schemas.openxmlformats.org/officeDocument/2006/relationships" xmlns:p="http://schemas.openxmlformats.org/presentationml/2006/main">
   <p:cSld>
+    <p:bg>
+      <p:bgPr>
+        <a:blipFill dpi="0" rotWithShape="0">
+          <a:blip r:embed="rId4"/>
+          <a:srcRect/>
+          <a:tile tx="0" ty="0" sx="100000" sy="100000" flip="none" algn="tl"/>
+        </a:blipFill>
+        <a:effectLst/>
+      </p:bgPr>
+    </p:bg>
     <p:spTree>
       <p:nvGrpSpPr>
-        <p:cNvPr id="1" name=""/>
+        <p:cNvPr id="1" name="">
+          <a:extLst>
+            <a:ext uri="{FF2B5EF4-FFF2-40B4-BE49-F238E27FC236}">
+              <a16:creationId xmlns:a16="http://schemas.microsoft.com/office/drawing/2014/main" id="{083E1776-FC8D-CC76-C85D-4C6247B71E67}"/>
+            </a:ext>
+          </a:extLst>
+        </p:cNvPr>
         <p:cNvGrpSpPr/>
         <p:nvPr/>
       </p:nvGrpSpPr>
@@ -4449,7 +4575,13 @@
       </p:grpSpPr>
       <p:sp>
         <p:nvSpPr>
-          <p:cNvPr id="2" name="Title 1"/>
+          <p:cNvPr id="2" name="Title 1">
+            <a:extLst>
+              <a:ext uri="{FF2B5EF4-FFF2-40B4-BE49-F238E27FC236}">
+                <a16:creationId xmlns:a16="http://schemas.microsoft.com/office/drawing/2014/main" id="{C2EC5337-DCF0-457D-783D-092F539D6E5D}"/>
+              </a:ext>
+            </a:extLst>
+          </p:cNvPr>
           <p:cNvSpPr>
             <a:spLocks noGrp="1"/>
           </p:cNvSpPr>
@@ -4457,99 +4589,408 @@
             <p:ph type="title"/>
           </p:nvPr>
         </p:nvSpPr>
-        <p:spPr/>
-        <p:txBody>
-          <a:bodyPr/>
-          <a:lstStyle/>
-          <a:p>
-            <a:r>
-              <a:rPr lang="en-US"/>
-              <a:t>HUMIDITY SENSOR MODULE</a:t>
-            </a:r>
-          </a:p>
-        </p:txBody>
-      </p:sp>
-      <p:pic>
-        <p:nvPicPr>
-          <p:cNvPr id="7" name="Content Placeholder 6" descr="HUMIDITY SENSOR CIRCUIT DIAGRAM"/>
-          <p:cNvPicPr>
-            <a:picLocks noGrp="1" noChangeAspect="1"/>
-          </p:cNvPicPr>
-          <p:nvPr>
-            <p:ph idx="1"/>
-          </p:nvPr>
-        </p:nvPicPr>
-        <p:blipFill>
-          <a:blip r:embed="rId2"/>
-          <a:stretch>
-            <a:fillRect/>
-          </a:stretch>
-        </p:blipFill>
         <p:spPr>
           <a:xfrm>
-            <a:off x="2538730" y="2081530"/>
-            <a:ext cx="6800850" cy="2695575"/>
+            <a:off x="656949" y="304801"/>
+            <a:ext cx="11638624" cy="1216025"/>
+          </a:xfrm>
+        </p:spPr>
+        <p:txBody>
+          <a:bodyPr/>
+          <a:lstStyle/>
+          <a:p>
+            <a:r>
+              <a:rPr lang="en-IN" altLang="en-US" sz="3200" b="1" dirty="0">
+                <a:solidFill>
+                  <a:srgbClr val="FF0000"/>
+                </a:solidFill>
+              </a:rPr>
+              <a:t>Novelty </a:t>
+            </a:r>
+            <a:endParaRPr lang="en-IN" sz="2800" dirty="0"/>
+          </a:p>
+        </p:txBody>
+      </p:sp>
+      <p:sp>
+        <p:nvSpPr>
+          <p:cNvPr id="5" name="Footer Placeholder 4">
+            <a:extLst>
+              <a:ext uri="{FF2B5EF4-FFF2-40B4-BE49-F238E27FC236}">
+                <a16:creationId xmlns:a16="http://schemas.microsoft.com/office/drawing/2014/main" id="{EE51029E-181E-7FFC-BDCE-425CA2EE31C3}"/>
+              </a:ext>
+            </a:extLst>
+          </p:cNvPr>
+          <p:cNvSpPr>
+            <a:spLocks noGrp="1"/>
+          </p:cNvSpPr>
+          <p:nvPr>
+            <p:ph type="ftr" sz="quarter" idx="11"/>
+          </p:nvPr>
+        </p:nvSpPr>
+        <p:spPr/>
+        <p:txBody>
+          <a:bodyPr/>
+          <a:lstStyle/>
+          <a:p>
+            <a:r>
+              <a:rPr lang="en-US"/>
+              <a:t>Department of Artificial Intelligence and Data Science</a:t>
+            </a:r>
+            <a:endParaRPr lang="en-IN" dirty="0"/>
+          </a:p>
+        </p:txBody>
+      </p:sp>
+      <p:sp>
+        <p:nvSpPr>
+          <p:cNvPr id="6" name="Slide Number Placeholder 5">
+            <a:extLst>
+              <a:ext uri="{FF2B5EF4-FFF2-40B4-BE49-F238E27FC236}">
+                <a16:creationId xmlns:a16="http://schemas.microsoft.com/office/drawing/2014/main" id="{C4491014-1DC4-45D8-4B61-211AC1525624}"/>
+              </a:ext>
+            </a:extLst>
+          </p:cNvPr>
+          <p:cNvSpPr>
+            <a:spLocks noGrp="1"/>
+          </p:cNvSpPr>
+          <p:nvPr>
+            <p:ph type="sldNum" sz="quarter" idx="12"/>
+          </p:nvPr>
+        </p:nvSpPr>
+        <p:spPr/>
+        <p:txBody>
+          <a:bodyPr/>
+          <a:lstStyle/>
+          <a:p>
+            <a:fld id="{5AB9ECBD-B4DD-40D5-8D24-9ECCDBB1583E}" type="slidenum">
+              <a:rPr lang="en-IN" smtClean="0"/>
+              <a:t>10</a:t>
+            </a:fld>
+            <a:endParaRPr lang="en-IN"/>
+          </a:p>
+        </p:txBody>
+      </p:sp>
+      <p:sp>
+        <p:nvSpPr>
+          <p:cNvPr id="3" name="Rectangle 1">
+            <a:extLst>
+              <a:ext uri="{FF2B5EF4-FFF2-40B4-BE49-F238E27FC236}">
+                <a16:creationId xmlns:a16="http://schemas.microsoft.com/office/drawing/2014/main" id="{9A9C9B61-12F5-3432-FFAA-FB4896BEE965}"/>
+              </a:ext>
+            </a:extLst>
+          </p:cNvPr>
+          <p:cNvSpPr>
+            <a:spLocks noChangeArrowheads="1"/>
+          </p:cNvSpPr>
+          <p:nvPr/>
+        </p:nvSpPr>
+        <p:spPr bwMode="auto">
+          <a:xfrm rot="10800000" flipV="1">
+            <a:off x="753704" y="1719814"/>
+            <a:ext cx="10842171" cy="3170099"/>
           </a:xfrm>
           <a:prstGeom prst="rect">
             <a:avLst/>
           </a:prstGeom>
+          <a:noFill/>
+          <a:ln>
+            <a:noFill/>
+          </a:ln>
+          <a:effectLst/>
+          <a:extLst>
+            <a:ext uri="{909E8E84-426E-40DD-AFC4-6F175D3DCCD1}">
+              <a14:hiddenFill xmlns:a14="http://schemas.microsoft.com/office/drawing/2010/main">
+                <a:solidFill>
+                  <a:schemeClr val="accent1"/>
+                </a:solidFill>
+              </a14:hiddenFill>
+            </a:ext>
+            <a:ext uri="{91240B29-F687-4F45-9708-019B960494DF}">
+              <a14:hiddenLine xmlns:a14="http://schemas.microsoft.com/office/drawing/2010/main" w="9525">
+                <a:solidFill>
+                  <a:schemeClr val="tx1"/>
+                </a:solidFill>
+                <a:miter lim="800000"/>
+                <a:headEnd/>
+                <a:tailEnd/>
+              </a14:hiddenLine>
+            </a:ext>
+            <a:ext uri="{AF507438-7753-43E0-B8FC-AC1667EBCBE1}">
+              <a14:hiddenEffects xmlns:a14="http://schemas.microsoft.com/office/drawing/2010/main">
+                <a:effectLst>
+                  <a:outerShdw dist="35921" dir="2700000" algn="ctr" rotWithShape="0">
+                    <a:schemeClr val="bg2"/>
+                  </a:outerShdw>
+                </a:effectLst>
+              </a14:hiddenEffects>
+            </a:ext>
+          </a:extLst>
         </p:spPr>
-      </p:pic>
-      <p:sp>
-        <p:nvSpPr>
-          <p:cNvPr id="5" name="Footer Placeholder 4"/>
-          <p:cNvSpPr>
-            <a:spLocks noGrp="1"/>
-          </p:cNvSpPr>
-          <p:nvPr>
-            <p:ph type="ftr" sz="quarter" idx="11"/>
-          </p:nvPr>
-        </p:nvSpPr>
-        <p:spPr/>
-        <p:txBody>
-          <a:bodyPr/>
+        <p:txBody>
+          <a:bodyPr vert="horz" wrap="square" lIns="91440" tIns="45720" rIns="91440" bIns="45720" numCol="1" anchor="ctr" anchorCtr="0" compatLnSpc="1">
+            <a:prstTxWarp prst="textNoShape">
+              <a:avLst/>
+            </a:prstTxWarp>
+            <a:spAutoFit/>
+          </a:bodyPr>
           <a:lstStyle/>
           <a:p>
-            <a:pPr>
-              <a:defRPr/>
-            </a:pPr>
-            <a:r>
-              <a:rPr lang="en-US"/>
-              <a:t>Department of Artificial Intelligence and Data Science</a:t>
-            </a:r>
-          </a:p>
-        </p:txBody>
-      </p:sp>
-      <p:sp>
-        <p:nvSpPr>
-          <p:cNvPr id="6" name="Slide Number Placeholder 5"/>
-          <p:cNvSpPr>
-            <a:spLocks noGrp="1"/>
-          </p:cNvSpPr>
-          <p:nvPr>
-            <p:ph type="sldNum" sz="quarter" idx="12"/>
-          </p:nvPr>
-        </p:nvSpPr>
-        <p:spPr/>
-        <p:txBody>
-          <a:bodyPr/>
+            <a:pPr marL="342900" indent="-342900">
+              <a:buFont typeface="Wingdings" panose="05000000000000000000" pitchFamily="2" charset="2"/>
+              <a:buChar char="q"/>
+            </a:pPr>
+            <a:r>
+              <a:rPr lang="en-IN" sz="2000" b="1" dirty="0">
+                <a:latin typeface="Times New Roman" panose="02020603050405020304" pitchFamily="18" charset="0"/>
+                <a:cs typeface="Times New Roman" panose="02020603050405020304" pitchFamily="18" charset="0"/>
+              </a:rPr>
+              <a:t>Inclusive HCI</a:t>
+            </a:r>
+            <a:br>
+              <a:rPr lang="en-IN" sz="2000" dirty="0">
+                <a:latin typeface="Times New Roman" panose="02020603050405020304" pitchFamily="18" charset="0"/>
+                <a:cs typeface="Times New Roman" panose="02020603050405020304" pitchFamily="18" charset="0"/>
+              </a:rPr>
+            </a:br>
+            <a:r>
+              <a:rPr lang="en-IN" sz="2000" dirty="0">
+                <a:latin typeface="Times New Roman" panose="02020603050405020304" pitchFamily="18" charset="0"/>
+                <a:cs typeface="Times New Roman" panose="02020603050405020304" pitchFamily="18" charset="0"/>
+              </a:rPr>
+              <a:t>Gesture and eye-tracking enable control for differently-abled users.</a:t>
+            </a:r>
+          </a:p>
+          <a:p>
+            <a:pPr marL="342900" indent="-342900">
+              <a:buFont typeface="Wingdings" panose="05000000000000000000" pitchFamily="2" charset="2"/>
+              <a:buChar char="q"/>
+            </a:pPr>
+            <a:r>
+              <a:rPr lang="en-IN" sz="2000" b="1" dirty="0">
+                <a:latin typeface="Times New Roman" panose="02020603050405020304" pitchFamily="18" charset="0"/>
+                <a:cs typeface="Times New Roman" panose="02020603050405020304" pitchFamily="18" charset="0"/>
+              </a:rPr>
+              <a:t>Context-Aware Automation</a:t>
+            </a:r>
+            <a:br>
+              <a:rPr lang="en-IN" sz="2000" dirty="0">
+                <a:latin typeface="Times New Roman" panose="02020603050405020304" pitchFamily="18" charset="0"/>
+                <a:cs typeface="Times New Roman" panose="02020603050405020304" pitchFamily="18" charset="0"/>
+              </a:rPr>
+            </a:br>
+            <a:r>
+              <a:rPr lang="en-IN" sz="2000" dirty="0">
+                <a:latin typeface="Times New Roman" panose="02020603050405020304" pitchFamily="18" charset="0"/>
+                <a:cs typeface="Times New Roman" panose="02020603050405020304" pitchFamily="18" charset="0"/>
+              </a:rPr>
+              <a:t>Combines vision and environmental sensing for smart decision-making.</a:t>
+            </a:r>
+          </a:p>
+          <a:p>
+            <a:pPr marL="342900" indent="-342900">
+              <a:buFont typeface="Wingdings" panose="05000000000000000000" pitchFamily="2" charset="2"/>
+              <a:buChar char="q"/>
+            </a:pPr>
+            <a:r>
+              <a:rPr lang="en-IN" sz="2000" b="1" dirty="0">
+                <a:latin typeface="Times New Roman" panose="02020603050405020304" pitchFamily="18" charset="0"/>
+                <a:cs typeface="Times New Roman" panose="02020603050405020304" pitchFamily="18" charset="0"/>
+              </a:rPr>
+              <a:t>Customizable Gesture Mapping</a:t>
+            </a:r>
+            <a:br>
+              <a:rPr lang="en-IN" sz="2000" dirty="0">
+                <a:latin typeface="Times New Roman" panose="02020603050405020304" pitchFamily="18" charset="0"/>
+                <a:cs typeface="Times New Roman" panose="02020603050405020304" pitchFamily="18" charset="0"/>
+              </a:rPr>
+            </a:br>
+            <a:r>
+              <a:rPr lang="en-IN" sz="2000" dirty="0">
+                <a:latin typeface="Times New Roman" panose="02020603050405020304" pitchFamily="18" charset="0"/>
+                <a:cs typeface="Times New Roman" panose="02020603050405020304" pitchFamily="18" charset="0"/>
+              </a:rPr>
+              <a:t>High-contrast web app allows easy, no-code device configuration.</a:t>
+            </a:r>
+          </a:p>
+          <a:p>
+            <a:pPr marL="342900" indent="-342900">
+              <a:buFont typeface="Wingdings" panose="05000000000000000000" pitchFamily="2" charset="2"/>
+              <a:buChar char="q"/>
+            </a:pPr>
+            <a:r>
+              <a:rPr lang="en-IN" sz="2000" b="1" dirty="0">
+                <a:latin typeface="Times New Roman" panose="02020603050405020304" pitchFamily="18" charset="0"/>
+                <a:cs typeface="Times New Roman" panose="02020603050405020304" pitchFamily="18" charset="0"/>
+              </a:rPr>
+              <a:t>Privacy-Preserving CV</a:t>
+            </a:r>
+            <a:br>
+              <a:rPr lang="en-IN" sz="2000" dirty="0">
+                <a:latin typeface="Times New Roman" panose="02020603050405020304" pitchFamily="18" charset="0"/>
+                <a:cs typeface="Times New Roman" panose="02020603050405020304" pitchFamily="18" charset="0"/>
+              </a:rPr>
+            </a:br>
+            <a:r>
+              <a:rPr lang="en-IN" sz="2000" dirty="0">
+                <a:latin typeface="Times New Roman" panose="02020603050405020304" pitchFamily="18" charset="0"/>
+                <a:cs typeface="Times New Roman" panose="02020603050405020304" pitchFamily="18" charset="0"/>
+              </a:rPr>
+              <a:t>On-device face/gesture detection ensures data privacy and low latency.</a:t>
+            </a:r>
+          </a:p>
+          <a:p>
+            <a:pPr marL="342900" indent="-342900">
+              <a:buFont typeface="Wingdings" panose="05000000000000000000" pitchFamily="2" charset="2"/>
+              <a:buChar char="q"/>
+            </a:pPr>
+            <a:r>
+              <a:rPr lang="en-IN" sz="2000" b="1" dirty="0">
+                <a:latin typeface="Times New Roman" panose="02020603050405020304" pitchFamily="18" charset="0"/>
+                <a:cs typeface="Times New Roman" panose="02020603050405020304" pitchFamily="18" charset="0"/>
+              </a:rPr>
+              <a:t>Low-Cost &amp; Scalable Design</a:t>
+            </a:r>
+            <a:br>
+              <a:rPr lang="en-IN" sz="2000" dirty="0">
+                <a:latin typeface="Times New Roman" panose="02020603050405020304" pitchFamily="18" charset="0"/>
+                <a:cs typeface="Times New Roman" panose="02020603050405020304" pitchFamily="18" charset="0"/>
+              </a:rPr>
+            </a:br>
+            <a:r>
+              <a:rPr lang="en-IN" sz="2000" dirty="0">
+                <a:latin typeface="Times New Roman" panose="02020603050405020304" pitchFamily="18" charset="0"/>
+                <a:cs typeface="Times New Roman" panose="02020603050405020304" pitchFamily="18" charset="0"/>
+              </a:rPr>
+              <a:t>Built using affordable, modular components suitable for wide adoption.</a:t>
+            </a:r>
+          </a:p>
+        </p:txBody>
+      </p:sp>
+      <p:sp>
+        <p:nvSpPr>
+          <p:cNvPr id="4" name="TextBox 3">
+            <a:extLst>
+              <a:ext uri="{FF2B5EF4-FFF2-40B4-BE49-F238E27FC236}">
+                <a16:creationId xmlns:a16="http://schemas.microsoft.com/office/drawing/2014/main" id="{97CFD039-E6A8-B652-2B3F-A7D30EAC13DE}"/>
+              </a:ext>
+            </a:extLst>
+          </p:cNvPr>
+          <p:cNvSpPr txBox="1"/>
+          <p:nvPr/>
+        </p:nvSpPr>
+        <p:spPr>
+          <a:xfrm>
+            <a:off x="1499117" y="5073933"/>
+            <a:ext cx="9743233" cy="923330"/>
+          </a:xfrm>
+          <a:prstGeom prst="rect">
+            <a:avLst/>
+          </a:prstGeom>
+          <a:noFill/>
+        </p:spPr>
+        <p:txBody>
+          <a:bodyPr wrap="square" rtlCol="0">
+            <a:spAutoFit/>
+          </a:bodyPr>
           <a:lstStyle/>
           <a:p>
-            <a:pPr>
-              <a:defRPr/>
-            </a:pPr>
-            <a:fld id="{BDC2143B-610F-499C-A392-DFFBE135A7B2}" type="slidenum">
-              <a:rPr lang="en-US" altLang="en-US"/>
-              <a:t>10</a:t>
-            </a:fld>
-            <a:endParaRPr lang="en-US" altLang="en-US"/>
+            <a:pPr algn="just"/>
+            <a:r>
+              <a:rPr lang="en-US" dirty="0">
+                <a:latin typeface="Cascadia Code" panose="020B0609020000020004" pitchFamily="49" charset="0"/>
+                <a:ea typeface="Cascadia Code" panose="020B0609020000020004" pitchFamily="49" charset="0"/>
+                <a:cs typeface="Cascadia Code" panose="020B0609020000020004" pitchFamily="49" charset="0"/>
+              </a:rPr>
+              <a:t>“A wheelchair-bound user enters a room, the microwave sensor detects presence and turns on lights. The user waves two fingers toward the camera to start the fan. All without touching a switch.”</a:t>
+            </a:r>
+            <a:endParaRPr lang="en-IN" dirty="0">
+              <a:latin typeface="Cascadia Code" panose="020B0609020000020004" pitchFamily="49" charset="0"/>
+              <a:ea typeface="Cascadia Code" panose="020B0609020000020004" pitchFamily="49" charset="0"/>
+              <a:cs typeface="Cascadia Code" panose="020B0609020000020004" pitchFamily="49" charset="0"/>
+            </a:endParaRPr>
+          </a:p>
+        </p:txBody>
+      </p:sp>
+      <p:sp>
+        <p:nvSpPr>
+          <p:cNvPr id="7" name="Rectangle 6">
+            <a:extLst>
+              <a:ext uri="{FF2B5EF4-FFF2-40B4-BE49-F238E27FC236}">
+                <a16:creationId xmlns:a16="http://schemas.microsoft.com/office/drawing/2014/main" id="{2B6A78A9-EC9B-EA58-F445-9D3D93E0673D}"/>
+              </a:ext>
+            </a:extLst>
+          </p:cNvPr>
+          <p:cNvSpPr/>
+          <p:nvPr/>
+        </p:nvSpPr>
+        <p:spPr bwMode="auto">
+          <a:xfrm>
+            <a:off x="1368488" y="5104980"/>
+            <a:ext cx="10016931" cy="861235"/>
+          </a:xfrm>
+          <a:prstGeom prst="rect">
+            <a:avLst/>
+          </a:prstGeom>
+          <a:noFill/>
+          <a:ln>
+            <a:headEnd type="none" w="med" len="med"/>
+            <a:tailEnd type="none" w="med" len="med"/>
+          </a:ln>
+        </p:spPr>
+        <p:style>
+          <a:lnRef idx="2">
+            <a:schemeClr val="accent2"/>
+          </a:lnRef>
+          <a:fillRef idx="1">
+            <a:schemeClr val="lt1"/>
+          </a:fillRef>
+          <a:effectRef idx="0">
+            <a:schemeClr val="accent2"/>
+          </a:effectRef>
+          <a:fontRef idx="minor">
+            <a:schemeClr val="dk1"/>
+          </a:fontRef>
+        </p:style>
+        <p:txBody>
+          <a:bodyPr vert="horz" wrap="square" lIns="91440" tIns="45720" rIns="91440" bIns="45720" numCol="1" rtlCol="0" anchor="t" anchorCtr="0" compatLnSpc="1"/>
+          <a:lstStyle/>
+          <a:p>
+            <a:pPr marL="0" marR="0" indent="0" algn="l" defTabSz="914400" rtl="0" eaLnBrk="0" fontAlgn="base" latinLnBrk="0" hangingPunct="0">
+              <a:lnSpc>
+                <a:spcPct val="100000"/>
+              </a:lnSpc>
+              <a:spcBef>
+                <a:spcPct val="0"/>
+              </a:spcBef>
+              <a:spcAft>
+                <a:spcPct val="0"/>
+              </a:spcAft>
+              <a:buClrTx/>
+              <a:buSzTx/>
+              <a:buFontTx/>
+              <a:buNone/>
+            </a:pPr>
+            <a:endParaRPr kumimoji="0" lang="en-IN" sz="1800" b="0" i="0" u="none" strike="noStrike" cap="none" normalizeH="0" baseline="0">
+              <a:ln>
+                <a:noFill/>
+              </a:ln>
+              <a:solidFill>
+                <a:schemeClr val="tx1"/>
+              </a:solidFill>
+              <a:effectLst/>
+              <a:latin typeface="Verdana" panose="020B0604030504040204" pitchFamily="34" charset="0"/>
+            </a:endParaRPr>
           </a:p>
         </p:txBody>
       </p:sp>
     </p:spTree>
+    <p:extLst>
+      <p:ext uri="{BB962C8B-B14F-4D97-AF65-F5344CB8AC3E}">
+        <p14:creationId xmlns:p14="http://schemas.microsoft.com/office/powerpoint/2010/main" val="1864179649"/>
+      </p:ext>
+    </p:extLst>
   </p:cSld>
   <p:clrMapOvr>
-    <a:masterClrMapping/>
+    <a:overrideClrMapping bg1="lt1" tx1="dk1" bg2="lt2" tx2="dk2" accent1="accent1" accent2="accent2" accent3="accent3" accent4="accent4" accent5="accent5" accent6="accent6" hlink="hlink" folHlink="folHlink"/>
   </p:clrMapOvr>
 </p:sld>
 </file>
@@ -4587,103 +5028,38 @@
           <a:lstStyle/>
           <a:p>
             <a:r>
-              <a:rPr lang="en-US">
-                <a:sym typeface="+mn-ea"/>
-              </a:rPr>
-              <a:t>HUMIDITY SENSOR MODULE</a:t>
-            </a:r>
-            <a:endParaRPr lang="en-US"/>
-          </a:p>
-        </p:txBody>
-      </p:sp>
-      <p:sp>
-        <p:nvSpPr>
-          <p:cNvPr id="3" name="Content Placeholder 2"/>
-          <p:cNvSpPr>
-            <a:spLocks noGrp="1"/>
-          </p:cNvSpPr>
+              <a:rPr lang="en-US"/>
+              <a:t>ARCHITECTURE DIAGRAM</a:t>
+            </a:r>
+          </a:p>
+        </p:txBody>
+      </p:sp>
+      <p:pic>
+        <p:nvPicPr>
+          <p:cNvPr id="7" name="Content Placeholder 6" descr="Screenshot 2024-11-09 at 7.04.42 AM"/>
+          <p:cNvPicPr>
+            <a:picLocks noGrp="1" noChangeAspect="1"/>
+          </p:cNvPicPr>
           <p:nvPr>
             <p:ph idx="1"/>
           </p:nvPr>
-        </p:nvSpPr>
+        </p:nvPicPr>
+        <p:blipFill>
+          <a:blip r:embed="rId2"/>
+          <a:stretch>
+            <a:fillRect/>
+          </a:stretch>
+        </p:blipFill>
         <p:spPr>
           <a:xfrm>
-            <a:off x="766233" y="1668624"/>
-            <a:ext cx="10668000" cy="4267200"/>
+            <a:off x="2703195" y="1752600"/>
+            <a:ext cx="6035040" cy="4398645"/>
           </a:xfrm>
+          <a:prstGeom prst="rect">
+            <a:avLst/>
+          </a:prstGeom>
         </p:spPr>
-        <p:txBody>
-          <a:bodyPr/>
-          <a:lstStyle/>
-          <a:p>
-            <a:pPr marL="0" indent="0">
-              <a:buNone/>
-            </a:pPr>
-            <a:r>
-              <a:rPr lang="en-US" sz="1800" dirty="0"/>
-              <a:t>The humidity sensor shown in this circuit is the HIH-4000-001, a popular sensor that outputs an analog voltage directly proportional to the relative humidity. This sensor requires a 5V DC supply and provides a linear output voltage that represents the humidity level in the environment.</a:t>
-            </a:r>
-          </a:p>
-          <a:p>
-            <a:pPr marL="0" indent="0">
-              <a:buNone/>
-            </a:pPr>
-            <a:r>
-              <a:rPr lang="en-US" sz="1800" b="1" dirty="0">
-                <a:latin typeface="Verdana Bold" panose="020B0604030504040204" charset="0"/>
-                <a:cs typeface="Verdana Bold" panose="020B0604030504040204" charset="0"/>
-              </a:rPr>
-              <a:t>Circuit Explanation:</a:t>
-            </a:r>
-          </a:p>
-          <a:p>
-            <a:r>
-              <a:rPr lang="en-US" sz="1800" dirty="0"/>
-              <a:t>The HIH-4000-001 sensor outputs a small analog signal proportional to the relative humidity.</a:t>
-            </a:r>
-          </a:p>
-          <a:p>
-            <a:r>
-              <a:rPr lang="en-US" sz="1800" dirty="0"/>
-              <a:t>RL (82 </a:t>
-            </a:r>
-            <a:r>
-              <a:rPr lang="en-US" sz="1800" dirty="0" err="1"/>
-              <a:t>kΩ</a:t>
-            </a:r>
-            <a:r>
-              <a:rPr lang="en-US" sz="1800" dirty="0"/>
-              <a:t>) acts as a pull-down resistor, grounding the output signal.</a:t>
-            </a:r>
-          </a:p>
-          <a:p>
-            <a:r>
-              <a:rPr lang="en-US" sz="1800" dirty="0"/>
-              <a:t>The output from the sensor is fed into an operational amplifier (op-amp) configured as a non-inverting amplifier, amplifying the sensor’s output to a level suitable for the PIC ADC (Analog-to-Digital Converter).</a:t>
-            </a:r>
-          </a:p>
-          <a:p>
-            <a:r>
-              <a:rPr lang="en-US" sz="1800" dirty="0"/>
-              <a:t>R4 (1 </a:t>
-            </a:r>
-            <a:r>
-              <a:rPr lang="en-US" sz="1800" dirty="0" err="1"/>
-              <a:t>kΩ</a:t>
-            </a:r>
-            <a:r>
-              <a:rPr lang="en-US" sz="1800" dirty="0"/>
-              <a:t>) and R5 (317 Ω) set the gain of the op-amp, increasing the signal to a readable range for the ADC.</a:t>
-            </a:r>
-          </a:p>
-          <a:p>
-            <a:r>
-              <a:rPr lang="en-US" sz="1800" dirty="0"/>
-              <a:t>The op-amp is powered by a dual supply (+5V and -5V) to handle the small signals and ensure better accuracy in the amplified output.</a:t>
-            </a:r>
-          </a:p>
-        </p:txBody>
-      </p:sp>
+      </p:pic>
       <p:sp>
         <p:nvSpPr>
           <p:cNvPr id="5" name="Footer Placeholder 4"/>
@@ -4777,37 +5153,11 @@
           <a:p>
             <a:r>
               <a:rPr lang="en-US"/>
-              <a:t>MICROWAVE SENSOR MODULE</a:t>
-            </a:r>
-          </a:p>
-        </p:txBody>
-      </p:sp>
-      <p:pic>
-        <p:nvPicPr>
-          <p:cNvPr id="7" name="Content Placeholder 6" descr="microwave sensor diagram"/>
-          <p:cNvPicPr>
-            <a:picLocks noGrp="1" noChangeAspect="1"/>
-          </p:cNvPicPr>
-          <p:nvPr>
-            <p:ph idx="1"/>
-          </p:nvPr>
-        </p:nvPicPr>
-        <p:blipFill>
-          <a:blip r:embed="rId2"/>
-          <a:stretch>
-            <a:fillRect/>
-          </a:stretch>
-        </p:blipFill>
-        <p:spPr>
-          <a:xfrm>
-            <a:off x="1619885" y="1752600"/>
-            <a:ext cx="8938895" cy="4267200"/>
-          </a:xfrm>
-          <a:prstGeom prst="rect">
-            <a:avLst/>
-          </a:prstGeom>
-        </p:spPr>
-      </p:pic>
+              <a:t>HUMIDITY SENSOR MODULE</a:t>
+            </a:r>
+          </a:p>
+        </p:txBody>
+      </p:sp>
       <p:sp>
         <p:nvSpPr>
           <p:cNvPr id="5" name="Footer Placeholder 4"/>
@@ -4859,6 +5209,78 @@
           </a:p>
         </p:txBody>
       </p:sp>
+      <p:sp>
+        <p:nvSpPr>
+          <p:cNvPr id="3" name="Content Placeholder 2">
+            <a:extLst>
+              <a:ext uri="{FF2B5EF4-FFF2-40B4-BE49-F238E27FC236}">
+                <a16:creationId xmlns:a16="http://schemas.microsoft.com/office/drawing/2014/main" id="{7A804CF5-A85C-4FA6-5ACE-2AF84EE5B685}"/>
+              </a:ext>
+            </a:extLst>
+          </p:cNvPr>
+          <p:cNvSpPr>
+            <a:spLocks noGrp="1"/>
+          </p:cNvSpPr>
+          <p:nvPr>
+            <p:ph idx="1"/>
+          </p:nvPr>
+        </p:nvSpPr>
+        <p:spPr/>
+        <p:txBody>
+          <a:bodyPr/>
+          <a:lstStyle/>
+          <a:p>
+            <a:endParaRPr lang="en-IN" dirty="0"/>
+          </a:p>
+        </p:txBody>
+      </p:sp>
+      <p:pic>
+        <p:nvPicPr>
+          <p:cNvPr id="3078" name="Picture 6" descr="Probots DHT11 Humidity and Temperature Sensor Module for Arduino Buy ...">
+            <a:extLst>
+              <a:ext uri="{FF2B5EF4-FFF2-40B4-BE49-F238E27FC236}">
+                <a16:creationId xmlns:a16="http://schemas.microsoft.com/office/drawing/2014/main" id="{F74FA4CD-F8AD-9C6F-3B6F-2F3A5CE62378}"/>
+              </a:ext>
+            </a:extLst>
+          </p:cNvPr>
+          <p:cNvPicPr>
+            <a:picLocks noChangeAspect="1" noChangeArrowheads="1"/>
+          </p:cNvPicPr>
+          <p:nvPr/>
+        </p:nvPicPr>
+        <p:blipFill>
+          <a:blip r:embed="rId2">
+            <a:extLst>
+              <a:ext uri="{28A0092B-C50C-407E-A947-70E740481C1C}">
+                <a14:useLocalDpi xmlns:a14="http://schemas.microsoft.com/office/drawing/2010/main" val="0"/>
+              </a:ext>
+            </a:extLst>
+          </a:blip>
+          <a:srcRect/>
+          <a:stretch>
+            <a:fillRect/>
+          </a:stretch>
+        </p:blipFill>
+        <p:spPr bwMode="auto">
+          <a:xfrm>
+            <a:off x="2491273" y="2260341"/>
+            <a:ext cx="7425251" cy="3251718"/>
+          </a:xfrm>
+          <a:prstGeom prst="rect">
+            <a:avLst/>
+          </a:prstGeom>
+          <a:noFill/>
+          <a:extLst>
+            <a:ext uri="{909E8E84-426E-40DD-AFC4-6F175D3DCCD1}">
+              <a14:hiddenFill xmlns:a14="http://schemas.microsoft.com/office/drawing/2010/main">
+                <a:solidFill>
+                  <a:srgbClr val="FFFFFF"/>
+                </a:solidFill>
+              </a14:hiddenFill>
+            </a:ext>
+          </a:extLst>
+        </p:spPr>
+      </p:pic>
     </p:spTree>
   </p:cSld>
   <p:clrMapOvr>
@@ -4903,7 +5325,7 @@
               <a:rPr lang="en-US">
                 <a:sym typeface="+mn-ea"/>
               </a:rPr>
-              <a:t>MICROWAVE SENSOR MODULE</a:t>
+              <a:t>HUMIDITY SENSOR MODULE</a:t>
             </a:r>
             <a:endParaRPr lang="en-US"/>
           </a:p>
@@ -4919,60 +5341,211 @@
             <p:ph idx="1"/>
           </p:nvPr>
         </p:nvSpPr>
-        <p:spPr/>
+        <p:spPr>
+          <a:xfrm>
+            <a:off x="878200" y="1749425"/>
+            <a:ext cx="10668000" cy="4267200"/>
+          </a:xfrm>
+        </p:spPr>
         <p:txBody>
           <a:bodyPr/>
           <a:lstStyle/>
+          <a:p>
+            <a:pPr>
+              <a:buNone/>
+            </a:pPr>
+            <a:r>
+              <a:rPr lang="en-US" sz="1900" b="1" dirty="0">
+                <a:latin typeface="Times New Roman" panose="02020603050405020304" pitchFamily="18" charset="0"/>
+                <a:cs typeface="Times New Roman" panose="02020603050405020304" pitchFamily="18" charset="0"/>
+              </a:rPr>
+              <a:t>Pin Description (Left to Right in Image):</a:t>
+            </a:r>
+          </a:p>
+          <a:p>
+            <a:pPr>
+              <a:buFont typeface="Wingdings" panose="05000000000000000000" pitchFamily="2" charset="2"/>
+              <a:buChar char="q"/>
+            </a:pPr>
+            <a:r>
+              <a:rPr lang="en-US" sz="1900" b="1" dirty="0">
+                <a:latin typeface="Times New Roman" panose="02020603050405020304" pitchFamily="18" charset="0"/>
+                <a:cs typeface="Times New Roman" panose="02020603050405020304" pitchFamily="18" charset="0"/>
+              </a:rPr>
+              <a:t>VCC</a:t>
+            </a:r>
+            <a:r>
+              <a:rPr lang="en-US" sz="1900" dirty="0">
+                <a:latin typeface="Times New Roman" panose="02020603050405020304" pitchFamily="18" charset="0"/>
+                <a:cs typeface="Times New Roman" panose="02020603050405020304" pitchFamily="18" charset="0"/>
+              </a:rPr>
+              <a:t> – Connects to 3.3V or 5V power supply</a:t>
+            </a:r>
+          </a:p>
+          <a:p>
+            <a:pPr>
+              <a:buFont typeface="Wingdings" panose="05000000000000000000" pitchFamily="2" charset="2"/>
+              <a:buChar char="q"/>
+            </a:pPr>
+            <a:r>
+              <a:rPr lang="en-US" sz="1900" b="1" dirty="0">
+                <a:latin typeface="Times New Roman" panose="02020603050405020304" pitchFamily="18" charset="0"/>
+                <a:cs typeface="Times New Roman" panose="02020603050405020304" pitchFamily="18" charset="0"/>
+              </a:rPr>
+              <a:t>DATA</a:t>
+            </a:r>
+            <a:r>
+              <a:rPr lang="en-US" sz="1900" dirty="0">
+                <a:latin typeface="Times New Roman" panose="02020603050405020304" pitchFamily="18" charset="0"/>
+                <a:cs typeface="Times New Roman" panose="02020603050405020304" pitchFamily="18" charset="0"/>
+              </a:rPr>
+              <a:t> – Digital output pin (connects to GPIO of microcontroller/Raspberry Pi)</a:t>
+            </a:r>
+          </a:p>
+          <a:p>
+            <a:pPr>
+              <a:buFont typeface="Wingdings" panose="05000000000000000000" pitchFamily="2" charset="2"/>
+              <a:buChar char="q"/>
+            </a:pPr>
+            <a:r>
+              <a:rPr lang="en-US" sz="1900" b="1" dirty="0">
+                <a:latin typeface="Times New Roman" panose="02020603050405020304" pitchFamily="18" charset="0"/>
+                <a:cs typeface="Times New Roman" panose="02020603050405020304" pitchFamily="18" charset="0"/>
+              </a:rPr>
+              <a:t>GND</a:t>
+            </a:r>
+            <a:r>
+              <a:rPr lang="en-US" sz="1900" dirty="0">
+                <a:latin typeface="Times New Roman" panose="02020603050405020304" pitchFamily="18" charset="0"/>
+                <a:cs typeface="Times New Roman" panose="02020603050405020304" pitchFamily="18" charset="0"/>
+              </a:rPr>
+              <a:t> – Ground</a:t>
+            </a:r>
+          </a:p>
+          <a:p>
+            <a:pPr>
+              <a:buNone/>
+            </a:pPr>
+            <a:endParaRPr lang="en-US" sz="1900" dirty="0">
+              <a:latin typeface="Times New Roman" panose="02020603050405020304" pitchFamily="18" charset="0"/>
+              <a:cs typeface="Times New Roman" panose="02020603050405020304" pitchFamily="18" charset="0"/>
+            </a:endParaRPr>
+          </a:p>
+          <a:p>
+            <a:pPr>
+              <a:buNone/>
+            </a:pPr>
+            <a:r>
+              <a:rPr lang="en-US" sz="1900" b="1" dirty="0">
+                <a:latin typeface="Times New Roman" panose="02020603050405020304" pitchFamily="18" charset="0"/>
+                <a:cs typeface="Times New Roman" panose="02020603050405020304" pitchFamily="18" charset="0"/>
+              </a:rPr>
+              <a:t> Working Principle:</a:t>
+            </a:r>
+          </a:p>
+          <a:p>
+            <a:pPr>
+              <a:buFont typeface="Wingdings" panose="05000000000000000000" pitchFamily="2" charset="2"/>
+              <a:buChar char="q"/>
+            </a:pPr>
+            <a:r>
+              <a:rPr lang="en-US" sz="1900" dirty="0">
+                <a:latin typeface="Times New Roman" panose="02020603050405020304" pitchFamily="18" charset="0"/>
+                <a:cs typeface="Times New Roman" panose="02020603050405020304" pitchFamily="18" charset="0"/>
+              </a:rPr>
+              <a:t>The DHT22 uses a </a:t>
+            </a:r>
+            <a:r>
+              <a:rPr lang="en-US" sz="1900" b="1" dirty="0">
+                <a:latin typeface="Times New Roman" panose="02020603050405020304" pitchFamily="18" charset="0"/>
+                <a:cs typeface="Times New Roman" panose="02020603050405020304" pitchFamily="18" charset="0"/>
+              </a:rPr>
+              <a:t>capacitive humidity sensor</a:t>
+            </a:r>
+            <a:r>
+              <a:rPr lang="en-US" sz="1900" dirty="0">
+                <a:latin typeface="Times New Roman" panose="02020603050405020304" pitchFamily="18" charset="0"/>
+                <a:cs typeface="Times New Roman" panose="02020603050405020304" pitchFamily="18" charset="0"/>
+              </a:rPr>
+              <a:t> and a </a:t>
+            </a:r>
+            <a:r>
+              <a:rPr lang="en-US" sz="1900" b="1" dirty="0">
+                <a:latin typeface="Times New Roman" panose="02020603050405020304" pitchFamily="18" charset="0"/>
+                <a:cs typeface="Times New Roman" panose="02020603050405020304" pitchFamily="18" charset="0"/>
+              </a:rPr>
+              <a:t>thermistor</a:t>
+            </a:r>
+            <a:r>
+              <a:rPr lang="en-US" sz="1900" dirty="0">
+                <a:latin typeface="Times New Roman" panose="02020603050405020304" pitchFamily="18" charset="0"/>
+                <a:cs typeface="Times New Roman" panose="02020603050405020304" pitchFamily="18" charset="0"/>
+              </a:rPr>
+              <a:t> to measure humidity and temperature.</a:t>
+            </a:r>
+          </a:p>
+          <a:p>
+            <a:pPr>
+              <a:buFont typeface="Wingdings" panose="05000000000000000000" pitchFamily="2" charset="2"/>
+              <a:buChar char="q"/>
+            </a:pPr>
+            <a:r>
+              <a:rPr lang="en-US" sz="1900" dirty="0">
+                <a:latin typeface="Times New Roman" panose="02020603050405020304" pitchFamily="18" charset="0"/>
+                <a:cs typeface="Times New Roman" panose="02020603050405020304" pitchFamily="18" charset="0"/>
+              </a:rPr>
+              <a:t>It sends </a:t>
+            </a:r>
+            <a:r>
+              <a:rPr lang="en-US" sz="1900" b="1" dirty="0">
+                <a:latin typeface="Times New Roman" panose="02020603050405020304" pitchFamily="18" charset="0"/>
+                <a:cs typeface="Times New Roman" panose="02020603050405020304" pitchFamily="18" charset="0"/>
+              </a:rPr>
+              <a:t>digital signals</a:t>
+            </a:r>
+            <a:r>
+              <a:rPr lang="en-US" sz="1900" dirty="0">
+                <a:latin typeface="Times New Roman" panose="02020603050405020304" pitchFamily="18" charset="0"/>
+                <a:cs typeface="Times New Roman" panose="02020603050405020304" pitchFamily="18" charset="0"/>
+              </a:rPr>
+              <a:t> directly, eliminating the need for analog-to-digital conversion.</a:t>
+            </a:r>
+          </a:p>
+          <a:p>
+            <a:pPr>
+              <a:buFont typeface="Wingdings" panose="05000000000000000000" pitchFamily="2" charset="2"/>
+              <a:buChar char="q"/>
+            </a:pPr>
+            <a:r>
+              <a:rPr lang="en-US" sz="1900" dirty="0">
+                <a:latin typeface="Times New Roman" panose="02020603050405020304" pitchFamily="18" charset="0"/>
+                <a:cs typeface="Times New Roman" panose="02020603050405020304" pitchFamily="18" charset="0"/>
+              </a:rPr>
+              <a:t>Communication follows a </a:t>
+            </a:r>
+            <a:r>
+              <a:rPr lang="en-US" sz="1900" b="1" dirty="0">
+                <a:latin typeface="Times New Roman" panose="02020603050405020304" pitchFamily="18" charset="0"/>
+                <a:cs typeface="Times New Roman" panose="02020603050405020304" pitchFamily="18" charset="0"/>
+              </a:rPr>
+              <a:t>single-wire protocol</a:t>
+            </a:r>
+            <a:r>
+              <a:rPr lang="en-US" sz="1900" dirty="0">
+                <a:latin typeface="Times New Roman" panose="02020603050405020304" pitchFamily="18" charset="0"/>
+                <a:cs typeface="Times New Roman" panose="02020603050405020304" pitchFamily="18" charset="0"/>
+              </a:rPr>
+              <a:t>, making it resource-friendly for microcontrollers.</a:t>
+            </a:r>
+          </a:p>
           <a:p>
             <a:pPr marL="0" indent="0">
               <a:buNone/>
             </a:pPr>
-            <a:r>
-              <a:rPr lang="en-US" sz="1800" dirty="0"/>
-              <a:t>The RCWL-0516 Microwave Sensor is a motion detection sensor that uses Doppler radar technology to detect movement within its range. It can sense through various materials (like glass or thin walls), making it ideal for applications where PIR sensors may not work as well. This sensor outputs a high signal when motion is detected.</a:t>
-            </a:r>
-          </a:p>
-          <a:p>
-            <a:pPr marL="0" indent="0">
-              <a:buNone/>
-            </a:pPr>
-            <a:r>
-              <a:rPr lang="en-US" sz="1800" b="1" dirty="0">
-                <a:latin typeface="Verdana Bold" panose="020B0604030504040204" charset="0"/>
-                <a:cs typeface="Verdana Bold" panose="020B0604030504040204" charset="0"/>
-              </a:rPr>
-              <a:t>Circuit Explanation:</a:t>
-            </a:r>
-          </a:p>
-          <a:p>
-            <a:r>
-              <a:rPr lang="en-US" sz="1800" dirty="0"/>
-              <a:t>The RCWL-0516 sensor detects motion and outputs a signal to the base of a BC547 NPN transistor through a 1kΩ resistor.</a:t>
-            </a:r>
-          </a:p>
-          <a:p>
-            <a:r>
-              <a:rPr lang="en-US" sz="1800" dirty="0"/>
-              <a:t>When motion is detected, the transistor is activated, allowing current to flow from the collector to the emitter.</a:t>
-            </a:r>
-          </a:p>
-          <a:p>
-            <a:r>
-              <a:rPr lang="en-US" sz="1800" dirty="0"/>
-              <a:t>The transistor controls a 5V relay, which can switch higher-voltage appliances. In this case, it switches a 220V AC lamp on or off.</a:t>
-            </a:r>
-          </a:p>
-          <a:p>
-            <a:r>
-              <a:rPr lang="en-US" sz="1800" dirty="0"/>
-              <a:t>LEDs are added with 1kΩ resistors to visually indicate the relay's status: one LED lights up to show motion detection, and the other to indicate the relay's operation.</a:t>
-            </a:r>
-          </a:p>
-          <a:p>
-            <a:r>
-              <a:rPr lang="en-US" sz="1800" dirty="0"/>
-              <a:t>A 1N4007 diode protects the circuit from voltage spikes caused by the relay.</a:t>
-            </a:r>
+            <a:endParaRPr lang="en-US" sz="1900" dirty="0">
+              <a:latin typeface="Times New Roman" panose="02020603050405020304" pitchFamily="18" charset="0"/>
+              <a:cs typeface="Times New Roman" panose="02020603050405020304" pitchFamily="18" charset="0"/>
+            </a:endParaRPr>
           </a:p>
         </p:txBody>
       </p:sp>
@@ -5069,14 +5642,14 @@
           <a:p>
             <a:r>
               <a:rPr lang="en-US"/>
-              <a:t>LDR MOTION SENSOR MODULE</a:t>
+              <a:t>MICROWAVE SENSOR MODULE</a:t>
             </a:r>
           </a:p>
         </p:txBody>
       </p:sp>
       <p:pic>
         <p:nvPicPr>
-          <p:cNvPr id="7" name="Content Placeholder 6" descr="LDR-circuit-improved-"/>
+          <p:cNvPr id="7" name="Content Placeholder 6" descr="microwave sensor diagram"/>
           <p:cNvPicPr>
             <a:picLocks noGrp="1" noChangeAspect="1"/>
           </p:cNvPicPr>
@@ -5092,8 +5665,8 @@
         </p:blipFill>
         <p:spPr>
           <a:xfrm>
-            <a:off x="3092450" y="1752600"/>
-            <a:ext cx="5993765" cy="4267200"/>
+            <a:off x="1619885" y="1752600"/>
+            <a:ext cx="8938895" cy="4267200"/>
           </a:xfrm>
           <a:prstGeom prst="rect">
             <a:avLst/>
@@ -5164,13 +5737,7 @@
   <p:cSld>
     <p:spTree>
       <p:nvGrpSpPr>
-        <p:cNvPr id="1" name="">
-          <a:extLst>
-            <a:ext uri="{FF2B5EF4-FFF2-40B4-BE49-F238E27FC236}">
-              <a16:creationId xmlns:a16="http://schemas.microsoft.com/office/drawing/2014/main" id="{FE76D1F3-8BFB-0A1D-8A15-0C9B38BB9D0F}"/>
-            </a:ext>
-          </a:extLst>
-        </p:cNvPr>
+        <p:cNvPr id="1" name=""/>
         <p:cNvGrpSpPr/>
         <p:nvPr/>
       </p:nvGrpSpPr>
@@ -5184,13 +5751,7 @@
       </p:grpSpPr>
       <p:sp>
         <p:nvSpPr>
-          <p:cNvPr id="2" name="Title 1">
-            <a:extLst>
-              <a:ext uri="{FF2B5EF4-FFF2-40B4-BE49-F238E27FC236}">
-                <a16:creationId xmlns:a16="http://schemas.microsoft.com/office/drawing/2014/main" id="{82755C46-1FA0-845C-3490-A4FDDE3113D7}"/>
-              </a:ext>
-            </a:extLst>
-          </p:cNvPr>
+          <p:cNvPr id="2" name="Title 1"/>
           <p:cNvSpPr>
             <a:spLocks noGrp="1"/>
           </p:cNvSpPr>
@@ -5207,7 +5768,7 @@
               <a:rPr lang="en-US">
                 <a:sym typeface="+mn-ea"/>
               </a:rPr>
-              <a:t>LDR MOTION SENSOR</a:t>
+              <a:t>MICROWAVE SENSOR MODULE</a:t>
             </a:r>
             <a:endParaRPr lang="en-US"/>
           </a:p>
@@ -5215,13 +5776,7 @@
       </p:sp>
       <p:sp>
         <p:nvSpPr>
-          <p:cNvPr id="3" name="Content Placeholder 2">
-            <a:extLst>
-              <a:ext uri="{FF2B5EF4-FFF2-40B4-BE49-F238E27FC236}">
-                <a16:creationId xmlns:a16="http://schemas.microsoft.com/office/drawing/2014/main" id="{E0AE7CFB-6AC1-D619-51DF-6D6E2BEBBF9C}"/>
-              </a:ext>
-            </a:extLst>
-          </p:cNvPr>
+          <p:cNvPr id="3" name="Content Placeholder 2"/>
           <p:cNvSpPr>
             <a:spLocks noGrp="1"/>
           </p:cNvSpPr>
@@ -5234,67 +5789,233 @@
           <a:bodyPr/>
           <a:lstStyle/>
           <a:p>
-            <a:pPr marL="0" indent="0">
+            <a:pPr algn="just">
               <a:buNone/>
             </a:pPr>
             <a:r>
-              <a:rPr lang="en-US" sz="1900"/>
-              <a:t>The Light Dependent Resistor (LDR) sensor in this circuit is used to detect light levels. An LDR's resistance decreases when exposed to light and increases in darkness, making it suitable for light-sensing applications.</a:t>
-            </a:r>
-          </a:p>
-          <a:p>
-            <a:pPr marL="0" indent="0">
+              <a:rPr lang="en-US" sz="2000" b="1" dirty="0">
+                <a:latin typeface="Times New Roman" panose="02020603050405020304" pitchFamily="18" charset="0"/>
+                <a:cs typeface="Times New Roman" panose="02020603050405020304" pitchFamily="18" charset="0"/>
+              </a:rPr>
+              <a:t>Pin Description (Left to Right on the Module):</a:t>
+            </a:r>
+          </a:p>
+          <a:p>
+            <a:pPr algn="just">
+              <a:buFont typeface="Wingdings" panose="05000000000000000000" pitchFamily="2" charset="2"/>
+              <a:buChar char="q"/>
+            </a:pPr>
+            <a:r>
+              <a:rPr lang="en-US" sz="2000" b="1" dirty="0">
+                <a:latin typeface="Times New Roman" panose="02020603050405020304" pitchFamily="18" charset="0"/>
+                <a:cs typeface="Times New Roman" panose="02020603050405020304" pitchFamily="18" charset="0"/>
+              </a:rPr>
+              <a:t>3V3 / VIN</a:t>
+            </a:r>
+            <a:r>
+              <a:rPr lang="en-US" sz="2000" dirty="0">
+                <a:latin typeface="Times New Roman" panose="02020603050405020304" pitchFamily="18" charset="0"/>
+                <a:cs typeface="Times New Roman" panose="02020603050405020304" pitchFamily="18" charset="0"/>
+              </a:rPr>
+              <a:t> – Power supply (typically 4–28V DC)</a:t>
+            </a:r>
+          </a:p>
+          <a:p>
+            <a:pPr algn="just">
+              <a:buFont typeface="Wingdings" panose="05000000000000000000" pitchFamily="2" charset="2"/>
+              <a:buChar char="q"/>
+            </a:pPr>
+            <a:r>
+              <a:rPr lang="en-US" sz="2000" b="1" dirty="0">
+                <a:latin typeface="Times New Roman" panose="02020603050405020304" pitchFamily="18" charset="0"/>
+                <a:cs typeface="Times New Roman" panose="02020603050405020304" pitchFamily="18" charset="0"/>
+              </a:rPr>
+              <a:t>GND</a:t>
+            </a:r>
+            <a:r>
+              <a:rPr lang="en-US" sz="2000" dirty="0">
+                <a:latin typeface="Times New Roman" panose="02020603050405020304" pitchFamily="18" charset="0"/>
+                <a:cs typeface="Times New Roman" panose="02020603050405020304" pitchFamily="18" charset="0"/>
+              </a:rPr>
+              <a:t> – Ground</a:t>
+            </a:r>
+          </a:p>
+          <a:p>
+            <a:pPr algn="just">
+              <a:buFont typeface="Wingdings" panose="05000000000000000000" pitchFamily="2" charset="2"/>
+              <a:buChar char="q"/>
+            </a:pPr>
+            <a:r>
+              <a:rPr lang="en-US" sz="2000" b="1" dirty="0">
+                <a:latin typeface="Times New Roman" panose="02020603050405020304" pitchFamily="18" charset="0"/>
+                <a:cs typeface="Times New Roman" panose="02020603050405020304" pitchFamily="18" charset="0"/>
+              </a:rPr>
+              <a:t>OUT</a:t>
+            </a:r>
+            <a:r>
+              <a:rPr lang="en-US" sz="2000" dirty="0">
+                <a:latin typeface="Times New Roman" panose="02020603050405020304" pitchFamily="18" charset="0"/>
+                <a:cs typeface="Times New Roman" panose="02020603050405020304" pitchFamily="18" charset="0"/>
+              </a:rPr>
+              <a:t> – Digital output (HIGH when motion is detected)</a:t>
+            </a:r>
+          </a:p>
+          <a:p>
+            <a:pPr algn="just">
+              <a:buFont typeface="Wingdings" panose="05000000000000000000" pitchFamily="2" charset="2"/>
+              <a:buChar char="q"/>
+            </a:pPr>
+            <a:r>
+              <a:rPr lang="en-US" sz="2000" b="1" dirty="0">
+                <a:latin typeface="Times New Roman" panose="02020603050405020304" pitchFamily="18" charset="0"/>
+                <a:cs typeface="Times New Roman" panose="02020603050405020304" pitchFamily="18" charset="0"/>
+              </a:rPr>
+              <a:t>CDS</a:t>
+            </a:r>
+            <a:r>
+              <a:rPr lang="en-US" sz="2000" dirty="0">
+                <a:latin typeface="Times New Roman" panose="02020603050405020304" pitchFamily="18" charset="0"/>
+                <a:cs typeface="Times New Roman" panose="02020603050405020304" pitchFamily="18" charset="0"/>
+              </a:rPr>
+              <a:t> – Optional LDR connection to disable detection in light</a:t>
+            </a:r>
+          </a:p>
+          <a:p>
+            <a:pPr algn="just">
+              <a:buFont typeface="Wingdings" panose="05000000000000000000" pitchFamily="2" charset="2"/>
+              <a:buChar char="q"/>
+            </a:pPr>
+            <a:r>
+              <a:rPr lang="en-US" sz="2000" b="1" dirty="0">
+                <a:latin typeface="Times New Roman" panose="02020603050405020304" pitchFamily="18" charset="0"/>
+                <a:cs typeface="Times New Roman" panose="02020603050405020304" pitchFamily="18" charset="0"/>
+              </a:rPr>
+              <a:t>VIN</a:t>
+            </a:r>
+            <a:r>
+              <a:rPr lang="en-US" sz="2000" dirty="0">
+                <a:latin typeface="Times New Roman" panose="02020603050405020304" pitchFamily="18" charset="0"/>
+                <a:cs typeface="Times New Roman" panose="02020603050405020304" pitchFamily="18" charset="0"/>
+              </a:rPr>
+              <a:t> – Alternate power input</a:t>
+            </a:r>
+          </a:p>
+          <a:p>
+            <a:pPr marL="0" indent="0" algn="just">
               <a:buNone/>
             </a:pPr>
-            <a:r>
-              <a:rPr lang="en-US" sz="1900" b="1">
-                <a:latin typeface="Verdana Bold" panose="020B0604030504040204" charset="0"/>
-                <a:cs typeface="Verdana Bold" panose="020B0604030504040204" charset="0"/>
-              </a:rPr>
-              <a:t>Circuit Explanation:</a:t>
-            </a:r>
-          </a:p>
-          <a:p>
-            <a:r>
-              <a:rPr lang="en-US" sz="1900"/>
-              <a:t>The circuit is powered by a 9V battery.</a:t>
-            </a:r>
-          </a:p>
-          <a:p>
-            <a:r>
-              <a:rPr lang="en-US" sz="1900"/>
-              <a:t>The LDR is connected in series with a variable resistor (R2, 100kΩ), creating a voltage divider. This allows adjusting the sensitivity of the circuit to different light levels.</a:t>
-            </a:r>
-          </a:p>
-          <a:p>
-            <a:r>
-              <a:rPr lang="en-US" sz="1900"/>
-              <a:t>When there is low light (dark conditions), the LDR’s resistance is high, increasing the voltage across the base of the NPN transistor (Q1, BC547).</a:t>
-            </a:r>
-          </a:p>
-          <a:p>
-            <a:r>
-              <a:rPr lang="en-US" sz="1900"/>
-              <a:t>The base voltage turns on Q1, allowing current to flow from the collector to the emitter, lighting up the LED.</a:t>
-            </a:r>
-          </a:p>
-          <a:p>
-            <a:r>
-              <a:rPr lang="en-US" sz="1900"/>
-              <a:t>R1 (390Ω) limits the current through the LED to protect it from excess current.</a:t>
-            </a:r>
-          </a:p>
-        </p:txBody>
-      </p:sp>
-      <p:sp>
-        <p:nvSpPr>
-          <p:cNvPr id="5" name="Footer Placeholder 4">
-            <a:extLst>
-              <a:ext uri="{FF2B5EF4-FFF2-40B4-BE49-F238E27FC236}">
-                <a16:creationId xmlns:a16="http://schemas.microsoft.com/office/drawing/2014/main" id="{034A87CC-5EC1-E29A-B11F-615FD074D1CB}"/>
-              </a:ext>
-            </a:extLst>
-          </p:cNvPr>
+            <a:endParaRPr lang="en-US" sz="2000" dirty="0">
+              <a:latin typeface="Times New Roman" panose="02020603050405020304" pitchFamily="18" charset="0"/>
+              <a:cs typeface="Times New Roman" panose="02020603050405020304" pitchFamily="18" charset="0"/>
+            </a:endParaRPr>
+          </a:p>
+          <a:p>
+            <a:pPr algn="just">
+              <a:buNone/>
+            </a:pPr>
+            <a:r>
+              <a:rPr lang="en-US" sz="2000" b="1" dirty="0">
+                <a:latin typeface="Times New Roman" panose="02020603050405020304" pitchFamily="18" charset="0"/>
+                <a:cs typeface="Times New Roman" panose="02020603050405020304" pitchFamily="18" charset="0"/>
+              </a:rPr>
+              <a:t>Working Principle:</a:t>
+            </a:r>
+          </a:p>
+          <a:p>
+            <a:pPr algn="just">
+              <a:buFont typeface="Wingdings" panose="05000000000000000000" pitchFamily="2" charset="2"/>
+              <a:buChar char="q"/>
+            </a:pPr>
+            <a:r>
+              <a:rPr lang="en-US" sz="2000" dirty="0">
+                <a:latin typeface="Times New Roman" panose="02020603050405020304" pitchFamily="18" charset="0"/>
+                <a:cs typeface="Times New Roman" panose="02020603050405020304" pitchFamily="18" charset="0"/>
+              </a:rPr>
+              <a:t>Operates using </a:t>
+            </a:r>
+            <a:r>
+              <a:rPr lang="en-US" sz="2000" b="1" dirty="0">
+                <a:latin typeface="Times New Roman" panose="02020603050405020304" pitchFamily="18" charset="0"/>
+                <a:cs typeface="Times New Roman" panose="02020603050405020304" pitchFamily="18" charset="0"/>
+              </a:rPr>
+              <a:t>Doppler shift</a:t>
+            </a:r>
+            <a:r>
+              <a:rPr lang="en-US" sz="2000" dirty="0">
+                <a:latin typeface="Times New Roman" panose="02020603050405020304" pitchFamily="18" charset="0"/>
+                <a:cs typeface="Times New Roman" panose="02020603050405020304" pitchFamily="18" charset="0"/>
+              </a:rPr>
+              <a:t> by transmitting and receiving microwave signals (~3.2 GHz).</a:t>
+            </a:r>
+          </a:p>
+          <a:p>
+            <a:pPr algn="just">
+              <a:buFont typeface="Wingdings" panose="05000000000000000000" pitchFamily="2" charset="2"/>
+              <a:buChar char="q"/>
+            </a:pPr>
+            <a:r>
+              <a:rPr lang="en-US" sz="2000" dirty="0">
+                <a:latin typeface="Times New Roman" panose="02020603050405020304" pitchFamily="18" charset="0"/>
+                <a:cs typeface="Times New Roman" panose="02020603050405020304" pitchFamily="18" charset="0"/>
+              </a:rPr>
+              <a:t>Detects motion </a:t>
+            </a:r>
+            <a:r>
+              <a:rPr lang="en-US" sz="2000" b="1" dirty="0">
+                <a:latin typeface="Times New Roman" panose="02020603050405020304" pitchFamily="18" charset="0"/>
+                <a:cs typeface="Times New Roman" panose="02020603050405020304" pitchFamily="18" charset="0"/>
+              </a:rPr>
+              <a:t>through walls, glass, plastic</a:t>
+            </a:r>
+            <a:r>
+              <a:rPr lang="en-US" sz="2000" dirty="0">
+                <a:latin typeface="Times New Roman" panose="02020603050405020304" pitchFamily="18" charset="0"/>
+                <a:cs typeface="Times New Roman" panose="02020603050405020304" pitchFamily="18" charset="0"/>
+              </a:rPr>
+              <a:t>, etc., unlike PIR.</a:t>
+            </a:r>
+          </a:p>
+          <a:p>
+            <a:pPr algn="just">
+              <a:buFont typeface="Wingdings" panose="05000000000000000000" pitchFamily="2" charset="2"/>
+              <a:buChar char="q"/>
+            </a:pPr>
+            <a:r>
+              <a:rPr lang="en-US" sz="2000" dirty="0">
+                <a:latin typeface="Times New Roman" panose="02020603050405020304" pitchFamily="18" charset="0"/>
+                <a:cs typeface="Times New Roman" panose="02020603050405020304" pitchFamily="18" charset="0"/>
+              </a:rPr>
+              <a:t>Ideal for real-time detection in environments with </a:t>
+            </a:r>
+            <a:r>
+              <a:rPr lang="en-US" sz="2000" b="1" dirty="0">
+                <a:latin typeface="Times New Roman" panose="02020603050405020304" pitchFamily="18" charset="0"/>
+                <a:cs typeface="Times New Roman" panose="02020603050405020304" pitchFamily="18" charset="0"/>
+              </a:rPr>
+              <a:t>low visibility or obstructions</a:t>
+            </a:r>
+            <a:r>
+              <a:rPr lang="en-US" sz="2000" dirty="0">
+                <a:latin typeface="Times New Roman" panose="02020603050405020304" pitchFamily="18" charset="0"/>
+                <a:cs typeface="Times New Roman" panose="02020603050405020304" pitchFamily="18" charset="0"/>
+              </a:rPr>
+              <a:t>.</a:t>
+            </a:r>
+          </a:p>
+          <a:p>
+            <a:pPr marL="0" indent="0" algn="just">
+              <a:buNone/>
+            </a:pPr>
+            <a:endParaRPr lang="en-US" sz="2000" dirty="0">
+              <a:latin typeface="Times New Roman" panose="02020603050405020304" pitchFamily="18" charset="0"/>
+              <a:cs typeface="Times New Roman" panose="02020603050405020304" pitchFamily="18" charset="0"/>
+            </a:endParaRPr>
+          </a:p>
+        </p:txBody>
+      </p:sp>
+      <p:sp>
+        <p:nvSpPr>
+          <p:cNvPr id="5" name="Footer Placeholder 4"/>
           <p:cNvSpPr>
             <a:spLocks noGrp="1"/>
           </p:cNvSpPr>
@@ -5319,13 +6040,7 @@
       </p:sp>
       <p:sp>
         <p:nvSpPr>
-          <p:cNvPr id="6" name="Slide Number Placeholder 5">
-            <a:extLst>
-              <a:ext uri="{FF2B5EF4-FFF2-40B4-BE49-F238E27FC236}">
-                <a16:creationId xmlns:a16="http://schemas.microsoft.com/office/drawing/2014/main" id="{E3C32E09-5774-C7DC-5A8F-038E1126F75D}"/>
-              </a:ext>
-            </a:extLst>
-          </p:cNvPr>
+          <p:cNvPr id="6" name="Slide Number Placeholder 5"/>
           <p:cNvSpPr>
             <a:spLocks noGrp="1"/>
           </p:cNvSpPr>
@@ -5350,11 +6065,6 @@
         </p:txBody>
       </p:sp>
     </p:spTree>
-    <p:extLst>
-      <p:ext uri="{BB962C8B-B14F-4D97-AF65-F5344CB8AC3E}">
-        <p14:creationId xmlns:p14="http://schemas.microsoft.com/office/powerpoint/2010/main" val="3444789191"/>
-      </p:ext>
-    </p:extLst>
   </p:cSld>
   <p:clrMapOvr>
     <a:masterClrMapping/>
@@ -5395,13 +6105,38 @@
           <a:lstStyle/>
           <a:p>
             <a:r>
-              <a:rPr lang="en-IN" dirty="0"/>
-              <a:t>APDS-9960 Gesture</a:t>
-            </a:r>
-            <a:endParaRPr lang="en-US" dirty="0"/>
-          </a:p>
-        </p:txBody>
-      </p:sp>
+              <a:rPr lang="en-US"/>
+              <a:t>LDR MOTION SENSOR MODULE</a:t>
+            </a:r>
+          </a:p>
+        </p:txBody>
+      </p:sp>
+      <p:pic>
+        <p:nvPicPr>
+          <p:cNvPr id="7" name="Content Placeholder 6" descr="LDR-circuit-improved-"/>
+          <p:cNvPicPr>
+            <a:picLocks noGrp="1" noChangeAspect="1"/>
+          </p:cNvPicPr>
+          <p:nvPr>
+            <p:ph idx="1"/>
+          </p:nvPr>
+        </p:nvPicPr>
+        <p:blipFill>
+          <a:blip r:embed="rId2"/>
+          <a:stretch>
+            <a:fillRect/>
+          </a:stretch>
+        </p:blipFill>
+        <p:spPr>
+          <a:xfrm>
+            <a:off x="3092450" y="1752600"/>
+            <a:ext cx="5993765" cy="4267200"/>
+          </a:xfrm>
+          <a:prstGeom prst="rect">
+            <a:avLst/>
+          </a:prstGeom>
+        </p:spPr>
+      </p:pic>
       <p:sp>
         <p:nvSpPr>
           <p:cNvPr id="5" name="Footer Placeholder 4"/>
@@ -5448,6 +6183,308 @@
             <a:fld id="{BDC2143B-610F-499C-A392-DFFBE135A7B2}" type="slidenum">
               <a:rPr lang="en-US" altLang="en-US"/>
               <a:t>16</a:t>
+            </a:fld>
+            <a:endParaRPr lang="en-US" altLang="en-US"/>
+          </a:p>
+        </p:txBody>
+      </p:sp>
+    </p:spTree>
+  </p:cSld>
+  <p:clrMapOvr>
+    <a:masterClrMapping/>
+  </p:clrMapOvr>
+</p:sld>
+</file>
+
+<file path=ppt/slides/slide17.xml><?xml version="1.0" encoding="utf-8"?>
+<p:sld xmlns:a="http://schemas.openxmlformats.org/drawingml/2006/main" xmlns:r="http://schemas.openxmlformats.org/officeDocument/2006/relationships" xmlns:p="http://schemas.openxmlformats.org/presentationml/2006/main">
+  <p:cSld>
+    <p:spTree>
+      <p:nvGrpSpPr>
+        <p:cNvPr id="1" name="">
+          <a:extLst>
+            <a:ext uri="{FF2B5EF4-FFF2-40B4-BE49-F238E27FC236}">
+              <a16:creationId xmlns:a16="http://schemas.microsoft.com/office/drawing/2014/main" id="{FE76D1F3-8BFB-0A1D-8A15-0C9B38BB9D0F}"/>
+            </a:ext>
+          </a:extLst>
+        </p:cNvPr>
+        <p:cNvGrpSpPr/>
+        <p:nvPr/>
+      </p:nvGrpSpPr>
+      <p:grpSpPr>
+        <a:xfrm>
+          <a:off x="0" y="0"/>
+          <a:ext cx="0" cy="0"/>
+          <a:chOff x="0" y="0"/>
+          <a:chExt cx="0" cy="0"/>
+        </a:xfrm>
+      </p:grpSpPr>
+      <p:sp>
+        <p:nvSpPr>
+          <p:cNvPr id="2" name="Title 1">
+            <a:extLst>
+              <a:ext uri="{FF2B5EF4-FFF2-40B4-BE49-F238E27FC236}">
+                <a16:creationId xmlns:a16="http://schemas.microsoft.com/office/drawing/2014/main" id="{82755C46-1FA0-845C-3490-A4FDDE3113D7}"/>
+              </a:ext>
+            </a:extLst>
+          </p:cNvPr>
+          <p:cNvSpPr>
+            <a:spLocks noGrp="1"/>
+          </p:cNvSpPr>
+          <p:nvPr>
+            <p:ph type="title"/>
+          </p:nvPr>
+        </p:nvSpPr>
+        <p:spPr/>
+        <p:txBody>
+          <a:bodyPr/>
+          <a:lstStyle/>
+          <a:p>
+            <a:r>
+              <a:rPr lang="en-US">
+                <a:sym typeface="+mn-ea"/>
+              </a:rPr>
+              <a:t>LDR MOTION SENSOR</a:t>
+            </a:r>
+            <a:endParaRPr lang="en-US"/>
+          </a:p>
+        </p:txBody>
+      </p:sp>
+      <p:sp>
+        <p:nvSpPr>
+          <p:cNvPr id="3" name="Content Placeholder 2">
+            <a:extLst>
+              <a:ext uri="{FF2B5EF4-FFF2-40B4-BE49-F238E27FC236}">
+                <a16:creationId xmlns:a16="http://schemas.microsoft.com/office/drawing/2014/main" id="{E0AE7CFB-6AC1-D619-51DF-6D6E2BEBBF9C}"/>
+              </a:ext>
+            </a:extLst>
+          </p:cNvPr>
+          <p:cNvSpPr>
+            <a:spLocks noGrp="1"/>
+          </p:cNvSpPr>
+          <p:nvPr>
+            <p:ph idx="1"/>
+          </p:nvPr>
+        </p:nvSpPr>
+        <p:spPr/>
+        <p:txBody>
+          <a:bodyPr/>
+          <a:lstStyle/>
+          <a:p>
+            <a:pPr marL="0" indent="0">
+              <a:buNone/>
+            </a:pPr>
+            <a:r>
+              <a:rPr lang="en-US" sz="1900"/>
+              <a:t>The Light Dependent Resistor (LDR) sensor in this circuit is used to detect light levels. An LDR's resistance decreases when exposed to light and increases in darkness, making it suitable for light-sensing applications.</a:t>
+            </a:r>
+          </a:p>
+          <a:p>
+            <a:pPr marL="0" indent="0">
+              <a:buNone/>
+            </a:pPr>
+            <a:r>
+              <a:rPr lang="en-US" sz="1900" b="1">
+                <a:latin typeface="Verdana Bold" panose="020B0604030504040204" charset="0"/>
+                <a:cs typeface="Verdana Bold" panose="020B0604030504040204" charset="0"/>
+              </a:rPr>
+              <a:t>Circuit Explanation:</a:t>
+            </a:r>
+          </a:p>
+          <a:p>
+            <a:r>
+              <a:rPr lang="en-US" sz="1900"/>
+              <a:t>The circuit is powered by a 9V battery.</a:t>
+            </a:r>
+          </a:p>
+          <a:p>
+            <a:r>
+              <a:rPr lang="en-US" sz="1900"/>
+              <a:t>The LDR is connected in series with a variable resistor (R2, 100kΩ), creating a voltage divider. This allows adjusting the sensitivity of the circuit to different light levels.</a:t>
+            </a:r>
+          </a:p>
+          <a:p>
+            <a:r>
+              <a:rPr lang="en-US" sz="1900"/>
+              <a:t>When there is low light (dark conditions), the LDR’s resistance is high, increasing the voltage across the base of the NPN transistor (Q1, BC547).</a:t>
+            </a:r>
+          </a:p>
+          <a:p>
+            <a:r>
+              <a:rPr lang="en-US" sz="1900"/>
+              <a:t>The base voltage turns on Q1, allowing current to flow from the collector to the emitter, lighting up the LED.</a:t>
+            </a:r>
+          </a:p>
+          <a:p>
+            <a:r>
+              <a:rPr lang="en-US" sz="1900"/>
+              <a:t>R1 (390Ω) limits the current through the LED to protect it from excess current.</a:t>
+            </a:r>
+          </a:p>
+        </p:txBody>
+      </p:sp>
+      <p:sp>
+        <p:nvSpPr>
+          <p:cNvPr id="5" name="Footer Placeholder 4">
+            <a:extLst>
+              <a:ext uri="{FF2B5EF4-FFF2-40B4-BE49-F238E27FC236}">
+                <a16:creationId xmlns:a16="http://schemas.microsoft.com/office/drawing/2014/main" id="{034A87CC-5EC1-E29A-B11F-615FD074D1CB}"/>
+              </a:ext>
+            </a:extLst>
+          </p:cNvPr>
+          <p:cNvSpPr>
+            <a:spLocks noGrp="1"/>
+          </p:cNvSpPr>
+          <p:nvPr>
+            <p:ph type="ftr" sz="quarter" idx="11"/>
+          </p:nvPr>
+        </p:nvSpPr>
+        <p:spPr/>
+        <p:txBody>
+          <a:bodyPr/>
+          <a:lstStyle/>
+          <a:p>
+            <a:pPr>
+              <a:defRPr/>
+            </a:pPr>
+            <a:r>
+              <a:rPr lang="en-US"/>
+              <a:t>Department of Artificial Intelligence and Data Science</a:t>
+            </a:r>
+          </a:p>
+        </p:txBody>
+      </p:sp>
+      <p:sp>
+        <p:nvSpPr>
+          <p:cNvPr id="6" name="Slide Number Placeholder 5">
+            <a:extLst>
+              <a:ext uri="{FF2B5EF4-FFF2-40B4-BE49-F238E27FC236}">
+                <a16:creationId xmlns:a16="http://schemas.microsoft.com/office/drawing/2014/main" id="{E3C32E09-5774-C7DC-5A8F-038E1126F75D}"/>
+              </a:ext>
+            </a:extLst>
+          </p:cNvPr>
+          <p:cNvSpPr>
+            <a:spLocks noGrp="1"/>
+          </p:cNvSpPr>
+          <p:nvPr>
+            <p:ph type="sldNum" sz="quarter" idx="12"/>
+          </p:nvPr>
+        </p:nvSpPr>
+        <p:spPr/>
+        <p:txBody>
+          <a:bodyPr/>
+          <a:lstStyle/>
+          <a:p>
+            <a:pPr>
+              <a:defRPr/>
+            </a:pPr>
+            <a:fld id="{BDC2143B-610F-499C-A392-DFFBE135A7B2}" type="slidenum">
+              <a:rPr lang="en-US" altLang="en-US"/>
+              <a:t>17</a:t>
+            </a:fld>
+            <a:endParaRPr lang="en-US" altLang="en-US"/>
+          </a:p>
+        </p:txBody>
+      </p:sp>
+    </p:spTree>
+    <p:extLst>
+      <p:ext uri="{BB962C8B-B14F-4D97-AF65-F5344CB8AC3E}">
+        <p14:creationId xmlns:p14="http://schemas.microsoft.com/office/powerpoint/2010/main" val="3444789191"/>
+      </p:ext>
+    </p:extLst>
+  </p:cSld>
+  <p:clrMapOvr>
+    <a:masterClrMapping/>
+  </p:clrMapOvr>
+</p:sld>
+</file>
+
+<file path=ppt/slides/slide18.xml><?xml version="1.0" encoding="utf-8"?>
+<p:sld xmlns:a="http://schemas.openxmlformats.org/drawingml/2006/main" xmlns:r="http://schemas.openxmlformats.org/officeDocument/2006/relationships" xmlns:p="http://schemas.openxmlformats.org/presentationml/2006/main">
+  <p:cSld>
+    <p:spTree>
+      <p:nvGrpSpPr>
+        <p:cNvPr id="1" name=""/>
+        <p:cNvGrpSpPr/>
+        <p:nvPr/>
+      </p:nvGrpSpPr>
+      <p:grpSpPr>
+        <a:xfrm>
+          <a:off x="0" y="0"/>
+          <a:ext cx="0" cy="0"/>
+          <a:chOff x="0" y="0"/>
+          <a:chExt cx="0" cy="0"/>
+        </a:xfrm>
+      </p:grpSpPr>
+      <p:sp>
+        <p:nvSpPr>
+          <p:cNvPr id="2" name="Title 1"/>
+          <p:cNvSpPr>
+            <a:spLocks noGrp="1"/>
+          </p:cNvSpPr>
+          <p:nvPr>
+            <p:ph type="title"/>
+          </p:nvPr>
+        </p:nvSpPr>
+        <p:spPr/>
+        <p:txBody>
+          <a:bodyPr/>
+          <a:lstStyle/>
+          <a:p>
+            <a:r>
+              <a:rPr lang="en-IN" dirty="0"/>
+              <a:t>APDS-9960 Gesture</a:t>
+            </a:r>
+            <a:endParaRPr lang="en-US" dirty="0"/>
+          </a:p>
+        </p:txBody>
+      </p:sp>
+      <p:sp>
+        <p:nvSpPr>
+          <p:cNvPr id="5" name="Footer Placeholder 4"/>
+          <p:cNvSpPr>
+            <a:spLocks noGrp="1"/>
+          </p:cNvSpPr>
+          <p:nvPr>
+            <p:ph type="ftr" sz="quarter" idx="11"/>
+          </p:nvPr>
+        </p:nvSpPr>
+        <p:spPr/>
+        <p:txBody>
+          <a:bodyPr/>
+          <a:lstStyle/>
+          <a:p>
+            <a:pPr>
+              <a:defRPr/>
+            </a:pPr>
+            <a:r>
+              <a:rPr lang="en-US"/>
+              <a:t>Department of Artificial Intelligence and Data Science</a:t>
+            </a:r>
+          </a:p>
+        </p:txBody>
+      </p:sp>
+      <p:sp>
+        <p:nvSpPr>
+          <p:cNvPr id="6" name="Slide Number Placeholder 5"/>
+          <p:cNvSpPr>
+            <a:spLocks noGrp="1"/>
+          </p:cNvSpPr>
+          <p:nvPr>
+            <p:ph type="sldNum" sz="quarter" idx="12"/>
+          </p:nvPr>
+        </p:nvSpPr>
+        <p:spPr/>
+        <p:txBody>
+          <a:bodyPr/>
+          <a:lstStyle/>
+          <a:p>
+            <a:pPr>
+              <a:defRPr/>
+            </a:pPr>
+            <a:fld id="{BDC2143B-610F-499C-A392-DFFBE135A7B2}" type="slidenum">
+              <a:rPr lang="en-US" altLang="en-US"/>
+              <a:t>18</a:t>
             </a:fld>
             <a:endParaRPr lang="en-US" altLang="en-US"/>
           </a:p>
@@ -5510,7 +6547,7 @@
 </p:sld>
 </file>
 
-<file path=ppt/slides/slide17.xml><?xml version="1.0" encoding="utf-8"?>
+<file path=ppt/slides/slide19.xml><?xml version="1.0" encoding="utf-8"?>
 <p:sld xmlns:a="http://schemas.openxmlformats.org/drawingml/2006/main" xmlns:r="http://schemas.openxmlformats.org/officeDocument/2006/relationships" xmlns:p="http://schemas.openxmlformats.org/presentationml/2006/main">
   <p:cSld>
     <p:spTree>
@@ -5721,7 +6758,7 @@
             </a:pPr>
             <a:fld id="{BDC2143B-610F-499C-A392-DFFBE135A7B2}" type="slidenum">
               <a:rPr lang="en-US" altLang="en-US"/>
-              <a:t>17</a:t>
+              <a:t>19</a:t>
             </a:fld>
             <a:endParaRPr lang="en-US" altLang="en-US"/>
           </a:p>
@@ -5740,7 +6777,7 @@
 </p:sld>
 </file>
 
-<file path=ppt/slides/slide18.xml><?xml version="1.0" encoding="utf-8"?>
+<file path=ppt/slides/slide2.xml><?xml version="1.0" encoding="utf-8"?>
 <p:sld xmlns:a="http://schemas.openxmlformats.org/drawingml/2006/main" xmlns:r="http://schemas.openxmlformats.org/officeDocument/2006/relationships" xmlns:p="http://schemas.openxmlformats.org/presentationml/2006/main">
   <p:cSld>
     <p:spTree>
@@ -5773,19 +6810,24 @@
           <a:lstStyle/>
           <a:p>
             <a:r>
-              <a:rPr>
+              <a:rPr lang="en-IN" altLang="en-US" sz="4000" b="1" dirty="0">
                 <a:solidFill>
                   <a:srgbClr val="FF0000"/>
                 </a:solidFill>
-                <a:sym typeface="+mn-ea"/>
-              </a:rPr>
-              <a:t>Challenges and Solutions</a:t>
-            </a:r>
-            <a:endParaRPr lang="en-US">
+              </a:rPr>
+              <a:t>Problem Statement</a:t>
+            </a:r>
+            <a:endParaRPr lang="en-US" dirty="0">
+              <a:ln w="22225">
+                <a:solidFill>
+                  <a:schemeClr val="accent2"/>
+                </a:solidFill>
+                <a:prstDash val="solid"/>
+              </a:ln>
               <a:solidFill>
                 <a:srgbClr val="FF0000"/>
               </a:solidFill>
-              <a:sym typeface="+mn-ea"/>
+              <a:effectLst/>
             </a:endParaRPr>
           </a:p>
         </p:txBody>
@@ -5805,83 +6847,16 @@
           <a:bodyPr/>
           <a:lstStyle/>
           <a:p>
-            <a:pPr marL="0" indent="0">
+            <a:pPr marL="0" indent="0" algn="just">
               <a:buNone/>
-              <a:defRPr sz="2400">
-                <a:solidFill>
-                  <a:srgbClr val="282828"/>
-                </a:solidFill>
-              </a:defRPr>
-            </a:pPr>
-            <a:r>
-              <a:rPr sz="3000" b="1">
-                <a:sym typeface="+mn-ea"/>
-              </a:rPr>
-              <a:t>Challenges:</a:t>
-            </a:r>
-            <a:endParaRPr sz="3000" b="1"/>
-          </a:p>
-          <a:p>
-            <a:r>
-              <a:rPr sz="3000">
-                <a:sym typeface="+mn-ea"/>
-              </a:rPr>
-              <a:t>Hardware-software integration</a:t>
-            </a:r>
-            <a:endParaRPr sz="3000"/>
-          </a:p>
-          <a:p>
-            <a:r>
-              <a:rPr sz="3000">
-                <a:sym typeface="+mn-ea"/>
-              </a:rPr>
-              <a:t>Ensuring real-time response</a:t>
-            </a:r>
-            <a:endParaRPr sz="3000"/>
-          </a:p>
-          <a:p>
-            <a:r>
-              <a:rPr sz="3000">
-                <a:sym typeface="+mn-ea"/>
-              </a:rPr>
-              <a:t>Managing energy efficiency</a:t>
-            </a:r>
-            <a:endParaRPr sz="3000"/>
-          </a:p>
-          <a:p>
-            <a:endParaRPr sz="3000"/>
-          </a:p>
-          <a:p>
-            <a:pPr marL="0" indent="0">
-              <a:buNone/>
-            </a:pPr>
-            <a:r>
-              <a:rPr sz="3000" b="1">
-                <a:sym typeface="+mn-ea"/>
-              </a:rPr>
-              <a:t>Solutions:</a:t>
-            </a:r>
-            <a:endParaRPr sz="3000" b="1"/>
-          </a:p>
-          <a:p>
-            <a:r>
-              <a:rPr sz="3000">
-                <a:sym typeface="+mn-ea"/>
-              </a:rPr>
-              <a:t>Effective sensor calibration</a:t>
-            </a:r>
-            <a:endParaRPr sz="3000"/>
-          </a:p>
-          <a:p>
-            <a:r>
-              <a:rPr sz="3000">
-                <a:sym typeface="+mn-ea"/>
-              </a:rPr>
-              <a:t>Real-time testing tools.</a:t>
-            </a:r>
-          </a:p>
-          <a:p>
-            <a:endParaRPr lang="en-US"/>
+            </a:pPr>
+            <a:r>
+              <a:rPr lang="en-US" sz="2000" dirty="0">
+                <a:latin typeface="Times New Roman" panose="02020603050405020304" pitchFamily="18" charset="0"/>
+                <a:cs typeface="Times New Roman" panose="02020603050405020304" pitchFamily="18" charset="0"/>
+              </a:rPr>
+              <a:t>Traditional smart home automation systems rely heavily on Passive Infrared (PIR) sensors, which detect motion through thermal changes. However, these sensors often fail to detect stationary individuals and are vulnerable to false triggers from non-human heat sources, reducing reliability. While computer vision (CV)-based gesture recognition offers intuitive control, its continuous operation is energy-intensive and unsuitable for low-power devices like Raspberry Pi. Moreover, current systems often overlook accessibility, offering limited support for users with disabilities or visual impairments. The lack of customizable and inclusive interfaces further hampers user engagement. Hence, there is a pressing need for a smart home solution that is energy-efficient, accurate, and user-centric. This drives the development of a hybrid CV and sensor-based system that ensures reliable detection, intuitive gesture control, and inclusive access for all users.</a:t>
+            </a:r>
           </a:p>
         </p:txBody>
       </p:sp>
@@ -5930,7 +6905,7 @@
             </a:pPr>
             <a:fld id="{BDC2143B-610F-499C-A392-DFFBE135A7B2}" type="slidenum">
               <a:rPr lang="en-US" altLang="en-US"/>
-              <a:t>18</a:t>
+              <a:t>2</a:t>
             </a:fld>
             <a:endParaRPr lang="en-US" altLang="en-US"/>
           </a:p>
@@ -5944,7 +6919,7 @@
 </p:sld>
 </file>
 
-<file path=ppt/slides/slide19.xml><?xml version="1.0" encoding="utf-8"?>
+<file path=ppt/slides/slide20.xml><?xml version="1.0" encoding="utf-8"?>
 <p:sld xmlns:a="http://schemas.openxmlformats.org/drawingml/2006/main" xmlns:r="http://schemas.openxmlformats.org/officeDocument/2006/relationships" xmlns:p="http://schemas.openxmlformats.org/presentationml/2006/main">
   <p:cSld>
     <p:spTree>
@@ -5977,6 +6952,210 @@
           <a:lstStyle/>
           <a:p>
             <a:r>
+              <a:rPr>
+                <a:solidFill>
+                  <a:srgbClr val="FF0000"/>
+                </a:solidFill>
+                <a:sym typeface="+mn-ea"/>
+              </a:rPr>
+              <a:t>Challenges and Solutions</a:t>
+            </a:r>
+            <a:endParaRPr lang="en-US">
+              <a:solidFill>
+                <a:srgbClr val="FF0000"/>
+              </a:solidFill>
+              <a:sym typeface="+mn-ea"/>
+            </a:endParaRPr>
+          </a:p>
+        </p:txBody>
+      </p:sp>
+      <p:sp>
+        <p:nvSpPr>
+          <p:cNvPr id="3" name="Content Placeholder 2"/>
+          <p:cNvSpPr>
+            <a:spLocks noGrp="1"/>
+          </p:cNvSpPr>
+          <p:nvPr>
+            <p:ph idx="1"/>
+          </p:nvPr>
+        </p:nvSpPr>
+        <p:spPr/>
+        <p:txBody>
+          <a:bodyPr/>
+          <a:lstStyle/>
+          <a:p>
+            <a:pPr marL="0" indent="0">
+              <a:buNone/>
+              <a:defRPr sz="2400">
+                <a:solidFill>
+                  <a:srgbClr val="282828"/>
+                </a:solidFill>
+              </a:defRPr>
+            </a:pPr>
+            <a:r>
+              <a:rPr sz="3000" b="1">
+                <a:sym typeface="+mn-ea"/>
+              </a:rPr>
+              <a:t>Challenges:</a:t>
+            </a:r>
+            <a:endParaRPr sz="3000" b="1"/>
+          </a:p>
+          <a:p>
+            <a:r>
+              <a:rPr sz="3000">
+                <a:sym typeface="+mn-ea"/>
+              </a:rPr>
+              <a:t>Hardware-software integration</a:t>
+            </a:r>
+            <a:endParaRPr sz="3000"/>
+          </a:p>
+          <a:p>
+            <a:r>
+              <a:rPr sz="3000">
+                <a:sym typeface="+mn-ea"/>
+              </a:rPr>
+              <a:t>Ensuring real-time response</a:t>
+            </a:r>
+            <a:endParaRPr sz="3000"/>
+          </a:p>
+          <a:p>
+            <a:r>
+              <a:rPr sz="3000">
+                <a:sym typeface="+mn-ea"/>
+              </a:rPr>
+              <a:t>Managing energy efficiency</a:t>
+            </a:r>
+            <a:endParaRPr sz="3000"/>
+          </a:p>
+          <a:p>
+            <a:endParaRPr sz="3000"/>
+          </a:p>
+          <a:p>
+            <a:pPr marL="0" indent="0">
+              <a:buNone/>
+            </a:pPr>
+            <a:r>
+              <a:rPr sz="3000" b="1">
+                <a:sym typeface="+mn-ea"/>
+              </a:rPr>
+              <a:t>Solutions:</a:t>
+            </a:r>
+            <a:endParaRPr sz="3000" b="1"/>
+          </a:p>
+          <a:p>
+            <a:r>
+              <a:rPr sz="3000">
+                <a:sym typeface="+mn-ea"/>
+              </a:rPr>
+              <a:t>Effective sensor calibration</a:t>
+            </a:r>
+            <a:endParaRPr sz="3000"/>
+          </a:p>
+          <a:p>
+            <a:r>
+              <a:rPr sz="3000">
+                <a:sym typeface="+mn-ea"/>
+              </a:rPr>
+              <a:t>Real-time testing tools.</a:t>
+            </a:r>
+          </a:p>
+          <a:p>
+            <a:endParaRPr lang="en-US"/>
+          </a:p>
+        </p:txBody>
+      </p:sp>
+      <p:sp>
+        <p:nvSpPr>
+          <p:cNvPr id="5" name="Footer Placeholder 4"/>
+          <p:cNvSpPr>
+            <a:spLocks noGrp="1"/>
+          </p:cNvSpPr>
+          <p:nvPr>
+            <p:ph type="ftr" sz="quarter" idx="11"/>
+          </p:nvPr>
+        </p:nvSpPr>
+        <p:spPr/>
+        <p:txBody>
+          <a:bodyPr/>
+          <a:lstStyle/>
+          <a:p>
+            <a:pPr>
+              <a:defRPr/>
+            </a:pPr>
+            <a:r>
+              <a:rPr lang="en-US"/>
+              <a:t>Department of Artificial Intelligence and Data Science</a:t>
+            </a:r>
+          </a:p>
+        </p:txBody>
+      </p:sp>
+      <p:sp>
+        <p:nvSpPr>
+          <p:cNvPr id="6" name="Slide Number Placeholder 5"/>
+          <p:cNvSpPr>
+            <a:spLocks noGrp="1"/>
+          </p:cNvSpPr>
+          <p:nvPr>
+            <p:ph type="sldNum" sz="quarter" idx="12"/>
+          </p:nvPr>
+        </p:nvSpPr>
+        <p:spPr/>
+        <p:txBody>
+          <a:bodyPr/>
+          <a:lstStyle/>
+          <a:p>
+            <a:pPr>
+              <a:defRPr/>
+            </a:pPr>
+            <a:fld id="{BDC2143B-610F-499C-A392-DFFBE135A7B2}" type="slidenum">
+              <a:rPr lang="en-US" altLang="en-US"/>
+              <a:t>20</a:t>
+            </a:fld>
+            <a:endParaRPr lang="en-US" altLang="en-US"/>
+          </a:p>
+        </p:txBody>
+      </p:sp>
+    </p:spTree>
+  </p:cSld>
+  <p:clrMapOvr>
+    <a:masterClrMapping/>
+  </p:clrMapOvr>
+</p:sld>
+</file>
+
+<file path=ppt/slides/slide21.xml><?xml version="1.0" encoding="utf-8"?>
+<p:sld xmlns:a="http://schemas.openxmlformats.org/drawingml/2006/main" xmlns:r="http://schemas.openxmlformats.org/officeDocument/2006/relationships" xmlns:p="http://schemas.openxmlformats.org/presentationml/2006/main">
+  <p:cSld>
+    <p:spTree>
+      <p:nvGrpSpPr>
+        <p:cNvPr id="1" name=""/>
+        <p:cNvGrpSpPr/>
+        <p:nvPr/>
+      </p:nvGrpSpPr>
+      <p:grpSpPr>
+        <a:xfrm>
+          <a:off x="0" y="0"/>
+          <a:ext cx="0" cy="0"/>
+          <a:chOff x="0" y="0"/>
+          <a:chExt cx="0" cy="0"/>
+        </a:xfrm>
+      </p:grpSpPr>
+      <p:sp>
+        <p:nvSpPr>
+          <p:cNvPr id="2" name="Title 1"/>
+          <p:cNvSpPr>
+            <a:spLocks noGrp="1"/>
+          </p:cNvSpPr>
+          <p:nvPr>
+            <p:ph type="title"/>
+          </p:nvPr>
+        </p:nvSpPr>
+        <p:spPr/>
+        <p:txBody>
+          <a:bodyPr/>
+          <a:lstStyle/>
+          <a:p>
+            <a:r>
               <a:rPr lang="en-US"/>
               <a:t>PROGRAM OUTPUT</a:t>
             </a:r>
@@ -6047,7 +7226,7 @@
             </a:pPr>
             <a:fld id="{BDC2143B-610F-499C-A392-DFFBE135A7B2}" type="slidenum">
               <a:rPr lang="en-US" altLang="en-US"/>
-              <a:t>19</a:t>
+              <a:t>21</a:t>
             </a:fld>
             <a:endParaRPr lang="en-US" altLang="en-US"/>
           </a:p>
@@ -6096,7 +7275,592 @@
 </p:sld>
 </file>
 
-<file path=ppt/slides/slide2.xml><?xml version="1.0" encoding="utf-8"?>
+<file path=ppt/slides/slide22.xml><?xml version="1.0" encoding="utf-8"?>
+<p:sld xmlns:a="http://schemas.openxmlformats.org/drawingml/2006/main" xmlns:r="http://schemas.openxmlformats.org/officeDocument/2006/relationships" xmlns:p="http://schemas.openxmlformats.org/presentationml/2006/main">
+  <p:cSld>
+    <p:spTree>
+      <p:nvGrpSpPr>
+        <p:cNvPr id="1" name=""/>
+        <p:cNvGrpSpPr/>
+        <p:nvPr/>
+      </p:nvGrpSpPr>
+      <p:grpSpPr>
+        <a:xfrm>
+          <a:off x="0" y="0"/>
+          <a:ext cx="0" cy="0"/>
+          <a:chOff x="0" y="0"/>
+          <a:chExt cx="0" cy="0"/>
+        </a:xfrm>
+      </p:grpSpPr>
+      <p:sp>
+        <p:nvSpPr>
+          <p:cNvPr id="2" name="Title 1"/>
+          <p:cNvSpPr>
+            <a:spLocks noGrp="1"/>
+          </p:cNvSpPr>
+          <p:nvPr>
+            <p:ph type="title"/>
+          </p:nvPr>
+        </p:nvSpPr>
+        <p:spPr/>
+        <p:txBody>
+          <a:bodyPr/>
+          <a:lstStyle/>
+          <a:p>
+            <a:r>
+              <a:rPr lang="en-US" dirty="0"/>
+              <a:t>References</a:t>
+            </a:r>
+          </a:p>
+        </p:txBody>
+      </p:sp>
+      <p:sp>
+        <p:nvSpPr>
+          <p:cNvPr id="3" name="Content Placeholder 2"/>
+          <p:cNvSpPr>
+            <a:spLocks noGrp="1"/>
+          </p:cNvSpPr>
+          <p:nvPr>
+            <p:ph idx="1"/>
+          </p:nvPr>
+        </p:nvSpPr>
+        <p:spPr/>
+        <p:txBody>
+          <a:bodyPr/>
+          <a:lstStyle/>
+          <a:p>
+            <a:pPr marL="0" indent="0">
+              <a:buNone/>
+            </a:pPr>
+            <a:r>
+              <a:rPr lang="en-US" sz="1250" dirty="0">
+                <a:latin typeface="Times New Roman" panose="02020603050405020304" pitchFamily="18" charset="0"/>
+                <a:cs typeface="Times New Roman" panose="02020603050405020304" pitchFamily="18" charset="0"/>
+              </a:rPr>
+              <a:t>[1] </a:t>
+            </a:r>
+            <a:r>
+              <a:rPr lang="en-US" sz="1250" dirty="0" err="1">
+                <a:latin typeface="Times New Roman" panose="02020603050405020304" pitchFamily="18" charset="0"/>
+                <a:cs typeface="Times New Roman" panose="02020603050405020304" pitchFamily="18" charset="0"/>
+              </a:rPr>
+              <a:t>Abergel</a:t>
+            </a:r>
+            <a:r>
+              <a:rPr lang="en-US" sz="1250" dirty="0">
+                <a:latin typeface="Times New Roman" panose="02020603050405020304" pitchFamily="18" charset="0"/>
+                <a:cs typeface="Times New Roman" panose="02020603050405020304" pitchFamily="18" charset="0"/>
+              </a:rPr>
+              <a:t> T, Dean B, </a:t>
+            </a:r>
+            <a:r>
+              <a:rPr lang="en-US" sz="1250" dirty="0" err="1">
+                <a:latin typeface="Times New Roman" panose="02020603050405020304" pitchFamily="18" charset="0"/>
+                <a:cs typeface="Times New Roman" panose="02020603050405020304" pitchFamily="18" charset="0"/>
+              </a:rPr>
+              <a:t>Dulac</a:t>
+            </a:r>
+            <a:r>
+              <a:rPr lang="en-US" sz="1250" dirty="0">
+                <a:latin typeface="Times New Roman" panose="02020603050405020304" pitchFamily="18" charset="0"/>
+                <a:cs typeface="Times New Roman" panose="02020603050405020304" pitchFamily="18" charset="0"/>
+              </a:rPr>
+              <a:t> J. Towards a zero-emission, efficient,  and  resilient  buildings  and  construction sector:  Global  Status Report  2017. UN  Environment and International Energy Agency: Paris, France. 2017. </a:t>
+            </a:r>
+            <a:br>
+              <a:rPr lang="en-US" sz="1250" dirty="0">
+                <a:latin typeface="Times New Roman" panose="02020603050405020304" pitchFamily="18" charset="0"/>
+                <a:cs typeface="Times New Roman" panose="02020603050405020304" pitchFamily="18" charset="0"/>
+              </a:rPr>
+            </a:br>
+            <a:r>
+              <a:rPr lang="en-US" sz="1250" dirty="0">
+                <a:latin typeface="Times New Roman" panose="02020603050405020304" pitchFamily="18" charset="0"/>
+                <a:cs typeface="Times New Roman" panose="02020603050405020304" pitchFamily="18" charset="0"/>
+              </a:rPr>
+              <a:t>[2] https://www.iea.org/reports/global-energy-review-2020/global-energy-and-CO2-emissions-in-2020.  Accessed 9 July 2020. </a:t>
+            </a:r>
+            <a:br>
+              <a:rPr lang="en-US" sz="1250" dirty="0">
+                <a:latin typeface="Times New Roman" panose="02020603050405020304" pitchFamily="18" charset="0"/>
+                <a:cs typeface="Times New Roman" panose="02020603050405020304" pitchFamily="18" charset="0"/>
+              </a:rPr>
+            </a:br>
+            <a:r>
+              <a:rPr lang="en-US" sz="1250" dirty="0">
+                <a:latin typeface="Times New Roman" panose="02020603050405020304" pitchFamily="18" charset="0"/>
+                <a:cs typeface="Times New Roman" panose="02020603050405020304" pitchFamily="18" charset="0"/>
+              </a:rPr>
+              <a:t>[3] Ahmad  AS, Hassan  MY, Abdullah  H,  Rahman  HA, Majid MS, </a:t>
+            </a:r>
+            <a:r>
+              <a:rPr lang="en-US" sz="1250" dirty="0" err="1">
+                <a:latin typeface="Times New Roman" panose="02020603050405020304" pitchFamily="18" charset="0"/>
+                <a:cs typeface="Times New Roman" panose="02020603050405020304" pitchFamily="18" charset="0"/>
+              </a:rPr>
+              <a:t>Bandi</a:t>
+            </a:r>
+            <a:r>
+              <a:rPr lang="en-US" sz="1250" dirty="0">
+                <a:latin typeface="Times New Roman" panose="02020603050405020304" pitchFamily="18" charset="0"/>
+                <a:cs typeface="Times New Roman" panose="02020603050405020304" pitchFamily="18" charset="0"/>
+              </a:rPr>
+              <a:t> M. Energy efficiency measurements in  a  Malaysian  public  university.  In International Conference on  power  and energy  2012  (pp.  582-7). IEEE.</a:t>
+            </a:r>
+            <a:br>
+              <a:rPr lang="en-US" sz="1250" dirty="0">
+                <a:latin typeface="Times New Roman" panose="02020603050405020304" pitchFamily="18" charset="0"/>
+                <a:cs typeface="Times New Roman" panose="02020603050405020304" pitchFamily="18" charset="0"/>
+              </a:rPr>
+            </a:br>
+            <a:r>
+              <a:rPr lang="en-US" sz="1250" dirty="0">
+                <a:latin typeface="Times New Roman" panose="02020603050405020304" pitchFamily="18" charset="0"/>
+                <a:cs typeface="Times New Roman" panose="02020603050405020304" pitchFamily="18" charset="0"/>
+              </a:rPr>
+              <a:t>[4] Hassan  JS,  Zin  RM,  Abd  Majid  MZ,  </a:t>
+            </a:r>
+            <a:r>
+              <a:rPr lang="en-US" sz="1250" dirty="0" err="1">
+                <a:latin typeface="Times New Roman" panose="02020603050405020304" pitchFamily="18" charset="0"/>
+                <a:cs typeface="Times New Roman" panose="02020603050405020304" pitchFamily="18" charset="0"/>
+              </a:rPr>
+              <a:t>Balubaid</a:t>
+            </a:r>
+            <a:r>
+              <a:rPr lang="en-US" sz="1250" dirty="0">
+                <a:latin typeface="Times New Roman" panose="02020603050405020304" pitchFamily="18" charset="0"/>
+                <a:cs typeface="Times New Roman" panose="02020603050405020304" pitchFamily="18" charset="0"/>
+              </a:rPr>
+              <a:t>  S, </a:t>
+            </a:r>
+            <a:r>
+              <a:rPr lang="en-US" sz="1250" dirty="0" err="1">
+                <a:latin typeface="Times New Roman" panose="02020603050405020304" pitchFamily="18" charset="0"/>
+                <a:cs typeface="Times New Roman" panose="02020603050405020304" pitchFamily="18" charset="0"/>
+              </a:rPr>
+              <a:t>Hainin</a:t>
+            </a:r>
+            <a:r>
+              <a:rPr lang="en-US" sz="1250" dirty="0">
+                <a:latin typeface="Times New Roman" panose="02020603050405020304" pitchFamily="18" charset="0"/>
+                <a:cs typeface="Times New Roman" panose="02020603050405020304" pitchFamily="18" charset="0"/>
+              </a:rPr>
+              <a:t>  MR.  Building  energy  consumption  in Malaysia: an overview. </a:t>
+            </a:r>
+            <a:r>
+              <a:rPr lang="en-US" sz="1250" dirty="0" err="1">
+                <a:latin typeface="Times New Roman" panose="02020603050405020304" pitchFamily="18" charset="0"/>
+                <a:cs typeface="Times New Roman" panose="02020603050405020304" pitchFamily="18" charset="0"/>
+              </a:rPr>
+              <a:t>Jurnal</a:t>
+            </a:r>
+            <a:r>
+              <a:rPr lang="en-US" sz="1250" dirty="0">
+                <a:latin typeface="Times New Roman" panose="02020603050405020304" pitchFamily="18" charset="0"/>
+                <a:cs typeface="Times New Roman" panose="02020603050405020304" pitchFamily="18" charset="0"/>
+              </a:rPr>
+              <a:t> </a:t>
+            </a:r>
+            <a:r>
+              <a:rPr lang="en-US" sz="1250" dirty="0" err="1">
+                <a:latin typeface="Times New Roman" panose="02020603050405020304" pitchFamily="18" charset="0"/>
+                <a:cs typeface="Times New Roman" panose="02020603050405020304" pitchFamily="18" charset="0"/>
+              </a:rPr>
+              <a:t>Teknologi</a:t>
+            </a:r>
+            <a:r>
+              <a:rPr lang="en-US" sz="1250" dirty="0">
+                <a:latin typeface="Times New Roman" panose="02020603050405020304" pitchFamily="18" charset="0"/>
+                <a:cs typeface="Times New Roman" panose="02020603050405020304" pitchFamily="18" charset="0"/>
+              </a:rPr>
+              <a:t>. 2014; 70(7): 33-8. </a:t>
+            </a:r>
+            <a:br>
+              <a:rPr lang="en-US" sz="1250" dirty="0">
+                <a:latin typeface="Times New Roman" panose="02020603050405020304" pitchFamily="18" charset="0"/>
+                <a:cs typeface="Times New Roman" panose="02020603050405020304" pitchFamily="18" charset="0"/>
+              </a:rPr>
+            </a:br>
+            <a:r>
+              <a:rPr lang="en-US" sz="1250" dirty="0">
+                <a:latin typeface="Times New Roman" panose="02020603050405020304" pitchFamily="18" charset="0"/>
+                <a:cs typeface="Times New Roman" panose="02020603050405020304" pitchFamily="18" charset="0"/>
+              </a:rPr>
+              <a:t>[5] Dudley B. BP  statistical review of world  energy. BP Statistical Review, London, UK.2016. </a:t>
+            </a:r>
+            <a:br>
+              <a:rPr lang="en-US" sz="1250" dirty="0">
+                <a:latin typeface="Times New Roman" panose="02020603050405020304" pitchFamily="18" charset="0"/>
+                <a:cs typeface="Times New Roman" panose="02020603050405020304" pitchFamily="18" charset="0"/>
+              </a:rPr>
+            </a:br>
+            <a:r>
+              <a:rPr lang="en-US" sz="1250" dirty="0">
+                <a:latin typeface="Times New Roman" panose="02020603050405020304" pitchFamily="18" charset="0"/>
+                <a:cs typeface="Times New Roman" panose="02020603050405020304" pitchFamily="18" charset="0"/>
+              </a:rPr>
+              <a:t>[6] https://www.mgtc.gov.my/annualreport2019/. Accessed 9 July 2020. </a:t>
+            </a:r>
+            <a:br>
+              <a:rPr lang="en-US" sz="1250" dirty="0">
+                <a:latin typeface="Times New Roman" panose="02020603050405020304" pitchFamily="18" charset="0"/>
+                <a:cs typeface="Times New Roman" panose="02020603050405020304" pitchFamily="18" charset="0"/>
+              </a:rPr>
+            </a:br>
+            <a:r>
+              <a:rPr lang="en-US" sz="1250" dirty="0">
+                <a:latin typeface="Times New Roman" panose="02020603050405020304" pitchFamily="18" charset="0"/>
+                <a:cs typeface="Times New Roman" panose="02020603050405020304" pitchFamily="18" charset="0"/>
+              </a:rPr>
+              <a:t>[7] Ministry  of  Energy,  Green  technology  and  water Malaysia.  Green  technology  master  plan  Malaysia (2017-30). </a:t>
+            </a:r>
+            <a:br>
+              <a:rPr lang="en-US" sz="1250" dirty="0">
+                <a:latin typeface="Times New Roman" panose="02020603050405020304" pitchFamily="18" charset="0"/>
+                <a:cs typeface="Times New Roman" panose="02020603050405020304" pitchFamily="18" charset="0"/>
+              </a:rPr>
+            </a:br>
+            <a:r>
+              <a:rPr lang="en-US" sz="1250" dirty="0">
+                <a:latin typeface="Times New Roman" panose="02020603050405020304" pitchFamily="18" charset="0"/>
+                <a:cs typeface="Times New Roman" panose="02020603050405020304" pitchFamily="18" charset="0"/>
+              </a:rPr>
+              <a:t>[8] Mansur TM, </a:t>
+            </a:r>
+            <a:r>
+              <a:rPr lang="en-US" sz="1250" dirty="0" err="1">
+                <a:latin typeface="Times New Roman" panose="02020603050405020304" pitchFamily="18" charset="0"/>
+                <a:cs typeface="Times New Roman" panose="02020603050405020304" pitchFamily="18" charset="0"/>
+              </a:rPr>
+              <a:t>Baharudin</a:t>
+            </a:r>
+            <a:r>
+              <a:rPr lang="en-US" sz="1250" dirty="0">
+                <a:latin typeface="Times New Roman" panose="02020603050405020304" pitchFamily="18" charset="0"/>
+                <a:cs typeface="Times New Roman" panose="02020603050405020304" pitchFamily="18" charset="0"/>
+              </a:rPr>
+              <a:t> NH, Ali R. Optimal sizing and economic analysis of self-consumed solar PV  system for  a  fully  DC  residential  house.  In  international conference  on  smart  instrumentation,  measurement and application 2017 (pp. 1-5). IEEE. </a:t>
+            </a:r>
+            <a:br>
+              <a:rPr lang="en-US" sz="1250" dirty="0">
+                <a:latin typeface="Times New Roman" panose="02020603050405020304" pitchFamily="18" charset="0"/>
+                <a:cs typeface="Times New Roman" panose="02020603050405020304" pitchFamily="18" charset="0"/>
+              </a:rPr>
+            </a:br>
+            <a:r>
+              <a:rPr lang="en-US" sz="1250" dirty="0">
+                <a:latin typeface="Times New Roman" panose="02020603050405020304" pitchFamily="18" charset="0"/>
+                <a:cs typeface="Times New Roman" panose="02020603050405020304" pitchFamily="18" charset="0"/>
+              </a:rPr>
+              <a:t>[9] Ananda-Rao  K, Ali  R, </a:t>
+            </a:r>
+            <a:r>
+              <a:rPr lang="en-US" sz="1250" dirty="0" err="1">
+                <a:latin typeface="Times New Roman" panose="02020603050405020304" pitchFamily="18" charset="0"/>
+                <a:cs typeface="Times New Roman" panose="02020603050405020304" pitchFamily="18" charset="0"/>
+              </a:rPr>
+              <a:t>Taniselass</a:t>
+            </a:r>
+            <a:r>
+              <a:rPr lang="en-US" sz="1250" dirty="0">
+                <a:latin typeface="Times New Roman" panose="02020603050405020304" pitchFamily="18" charset="0"/>
+                <a:cs typeface="Times New Roman" panose="02020603050405020304" pitchFamily="18" charset="0"/>
+              </a:rPr>
+              <a:t> S,  </a:t>
+            </a:r>
+            <a:r>
+              <a:rPr lang="en-US" sz="1250" dirty="0" err="1">
+                <a:latin typeface="Times New Roman" panose="02020603050405020304" pitchFamily="18" charset="0"/>
+                <a:cs typeface="Times New Roman" panose="02020603050405020304" pitchFamily="18" charset="0"/>
+              </a:rPr>
+              <a:t>Baharudin</a:t>
+            </a:r>
+            <a:r>
+              <a:rPr lang="en-US" sz="1250" dirty="0">
+                <a:latin typeface="Times New Roman" panose="02020603050405020304" pitchFamily="18" charset="0"/>
+                <a:cs typeface="Times New Roman" panose="02020603050405020304" pitchFamily="18" charset="0"/>
+              </a:rPr>
+              <a:t>  NH. Microcontroller  based  battery  controller  for  peak shaving  integrated  with  solar  photovoltaic.  4th  IET clean energy and technology conference 2017. </a:t>
+            </a:r>
+            <a:br>
+              <a:rPr lang="en-US" sz="1250" dirty="0">
+                <a:latin typeface="Times New Roman" panose="02020603050405020304" pitchFamily="18" charset="0"/>
+                <a:cs typeface="Times New Roman" panose="02020603050405020304" pitchFamily="18" charset="0"/>
+              </a:rPr>
+            </a:br>
+            <a:r>
+              <a:rPr lang="en-US" sz="1250" dirty="0">
+                <a:latin typeface="Times New Roman" panose="02020603050405020304" pitchFamily="18" charset="0"/>
+                <a:cs typeface="Times New Roman" panose="02020603050405020304" pitchFamily="18" charset="0"/>
+              </a:rPr>
+              <a:t>[10] https://www.iea.org/policies/124-national-energy-efficiency-action-plan-4-2017-2020.  Accessed  9  July 2020. </a:t>
+            </a:r>
+            <a:br>
+              <a:rPr lang="en-US" sz="1250" dirty="0">
+                <a:latin typeface="Times New Roman" panose="02020603050405020304" pitchFamily="18" charset="0"/>
+                <a:cs typeface="Times New Roman" panose="02020603050405020304" pitchFamily="18" charset="0"/>
+              </a:rPr>
+            </a:br>
+            <a:r>
+              <a:rPr lang="en-US" sz="1250" dirty="0">
+                <a:latin typeface="Times New Roman" panose="02020603050405020304" pitchFamily="18" charset="0"/>
+                <a:cs typeface="Times New Roman" panose="02020603050405020304" pitchFamily="18" charset="0"/>
+              </a:rPr>
+              <a:t>[11] Tenaga  S.  Guidelines  on  no-cost  and  low-cost measures for  efficient use  of electricity in  buildings. Suruhanjaya Tenaga (Energy Commission). 2014. </a:t>
+            </a:r>
+            <a:br>
+              <a:rPr lang="en-US" sz="1250" dirty="0">
+                <a:latin typeface="Times New Roman" panose="02020603050405020304" pitchFamily="18" charset="0"/>
+                <a:cs typeface="Times New Roman" panose="02020603050405020304" pitchFamily="18" charset="0"/>
+              </a:rPr>
+            </a:br>
+            <a:r>
+              <a:rPr lang="en-US" sz="1250" dirty="0">
+                <a:latin typeface="Times New Roman" panose="02020603050405020304" pitchFamily="18" charset="0"/>
+                <a:cs typeface="Times New Roman" panose="02020603050405020304" pitchFamily="18" charset="0"/>
+              </a:rPr>
+              <a:t>[12] File  M.  Commercial  buildings  energy  consumption survey  (CBECS).  US  Department  of  Energy: Washington, DC, USA. 2015. </a:t>
+            </a:r>
+            <a:br>
+              <a:rPr lang="en-US" sz="1250" dirty="0">
+                <a:latin typeface="Times New Roman" panose="02020603050405020304" pitchFamily="18" charset="0"/>
+                <a:cs typeface="Times New Roman" panose="02020603050405020304" pitchFamily="18" charset="0"/>
+              </a:rPr>
+            </a:br>
+            <a:r>
+              <a:rPr lang="en-US" sz="1250" dirty="0">
+                <a:latin typeface="Times New Roman" panose="02020603050405020304" pitchFamily="18" charset="0"/>
+                <a:cs typeface="Times New Roman" panose="02020603050405020304" pitchFamily="18" charset="0"/>
+              </a:rPr>
+              <a:t>[13] Wagiman KR, Abdullah MN, Hassan MY, </a:t>
+            </a:r>
+            <a:r>
+              <a:rPr lang="en-US" sz="1250" dirty="0" err="1">
+                <a:latin typeface="Times New Roman" panose="02020603050405020304" pitchFamily="18" charset="0"/>
+                <a:cs typeface="Times New Roman" panose="02020603050405020304" pitchFamily="18" charset="0"/>
+              </a:rPr>
+              <a:t>Radzi</a:t>
+            </a:r>
+            <a:r>
+              <a:rPr lang="en-US" sz="1250" dirty="0">
+                <a:latin typeface="Times New Roman" panose="02020603050405020304" pitchFamily="18" charset="0"/>
+                <a:cs typeface="Times New Roman" panose="02020603050405020304" pitchFamily="18" charset="0"/>
+              </a:rPr>
+              <a:t> NH. A  review  on  sensing-based  strategies  of  interior lighting  control  system  and  their  performance  in commercial buildings. Indonesian Journal of Electrical Engineering and Computer Science. 2019; 16(1):208-15. </a:t>
+            </a:r>
+            <a:br>
+              <a:rPr lang="en-US" sz="1250" dirty="0">
+                <a:latin typeface="Times New Roman" panose="02020603050405020304" pitchFamily="18" charset="0"/>
+                <a:cs typeface="Times New Roman" panose="02020603050405020304" pitchFamily="18" charset="0"/>
+              </a:rPr>
+            </a:br>
+            <a:r>
+              <a:rPr lang="en-US" sz="1250" dirty="0">
+                <a:latin typeface="Times New Roman" panose="02020603050405020304" pitchFamily="18" charset="0"/>
+                <a:cs typeface="Times New Roman" panose="02020603050405020304" pitchFamily="18" charset="0"/>
+              </a:rPr>
+              <a:t>[14] Imam MT, </a:t>
+            </a:r>
+            <a:r>
+              <a:rPr lang="en-US" sz="1250" dirty="0" err="1">
+                <a:latin typeface="Times New Roman" panose="02020603050405020304" pitchFamily="18" charset="0"/>
+                <a:cs typeface="Times New Roman" panose="02020603050405020304" pitchFamily="18" charset="0"/>
+              </a:rPr>
+              <a:t>Afshari</a:t>
+            </a:r>
+            <a:r>
+              <a:rPr lang="en-US" sz="1250" dirty="0">
+                <a:latin typeface="Times New Roman" panose="02020603050405020304" pitchFamily="18" charset="0"/>
+                <a:cs typeface="Times New Roman" panose="02020603050405020304" pitchFamily="18" charset="0"/>
+              </a:rPr>
+              <a:t> S, Mishra S. Smart lighting control systems. In  intelligent building control  systems 2018 (pp. 221-51). Springer, Cham. </a:t>
+            </a:r>
+            <a:br>
+              <a:rPr lang="en-US" sz="1250" dirty="0">
+                <a:latin typeface="Times New Roman" panose="02020603050405020304" pitchFamily="18" charset="0"/>
+                <a:cs typeface="Times New Roman" panose="02020603050405020304" pitchFamily="18" charset="0"/>
+              </a:rPr>
+            </a:br>
+            <a:r>
+              <a:rPr lang="en-US" sz="1250" dirty="0">
+                <a:latin typeface="Times New Roman" panose="02020603050405020304" pitchFamily="18" charset="0"/>
+                <a:cs typeface="Times New Roman" panose="02020603050405020304" pitchFamily="18" charset="0"/>
+              </a:rPr>
+              <a:t>[15] Firdaus R, Mulyana E. Smart building lighting system. In  IOP  conference  series:  materials  science  and engineering 2018 (pp. 1-7). IOP Publishing. </a:t>
+            </a:r>
+          </a:p>
+        </p:txBody>
+      </p:sp>
+      <p:sp>
+        <p:nvSpPr>
+          <p:cNvPr id="5" name="Footer Placeholder 4"/>
+          <p:cNvSpPr>
+            <a:spLocks noGrp="1"/>
+          </p:cNvSpPr>
+          <p:nvPr>
+            <p:ph type="ftr" sz="quarter" idx="11"/>
+          </p:nvPr>
+        </p:nvSpPr>
+        <p:spPr/>
+        <p:txBody>
+          <a:bodyPr/>
+          <a:lstStyle/>
+          <a:p>
+            <a:pPr>
+              <a:defRPr/>
+            </a:pPr>
+            <a:r>
+              <a:rPr lang="en-US"/>
+              <a:t>Department of Artificial Intelligence and Data Science</a:t>
+            </a:r>
+          </a:p>
+        </p:txBody>
+      </p:sp>
+      <p:sp>
+        <p:nvSpPr>
+          <p:cNvPr id="6" name="Slide Number Placeholder 5"/>
+          <p:cNvSpPr>
+            <a:spLocks noGrp="1"/>
+          </p:cNvSpPr>
+          <p:nvPr>
+            <p:ph type="sldNum" sz="quarter" idx="12"/>
+          </p:nvPr>
+        </p:nvSpPr>
+        <p:spPr/>
+        <p:txBody>
+          <a:bodyPr/>
+          <a:lstStyle/>
+          <a:p>
+            <a:pPr>
+              <a:defRPr/>
+            </a:pPr>
+            <a:fld id="{BDC2143B-610F-499C-A392-DFFBE135A7B2}" type="slidenum">
+              <a:rPr lang="en-US" altLang="en-US"/>
+              <a:t>22</a:t>
+            </a:fld>
+            <a:endParaRPr lang="en-US" altLang="en-US"/>
+          </a:p>
+        </p:txBody>
+      </p:sp>
+    </p:spTree>
+  </p:cSld>
+  <p:clrMapOvr>
+    <a:masterClrMapping/>
+  </p:clrMapOvr>
+</p:sld>
+</file>
+
+<file path=ppt/slides/slide23.xml><?xml version="1.0" encoding="utf-8"?>
+<p:sld xmlns:a="http://schemas.openxmlformats.org/drawingml/2006/main" xmlns:r="http://schemas.openxmlformats.org/officeDocument/2006/relationships" xmlns:p="http://schemas.openxmlformats.org/presentationml/2006/main">
+  <p:cSld>
+    <p:spTree>
+      <p:nvGrpSpPr>
+        <p:cNvPr id="1" name=""/>
+        <p:cNvGrpSpPr/>
+        <p:nvPr/>
+      </p:nvGrpSpPr>
+      <p:grpSpPr>
+        <a:xfrm>
+          <a:off x="0" y="0"/>
+          <a:ext cx="0" cy="0"/>
+          <a:chOff x="0" y="0"/>
+          <a:chExt cx="0" cy="0"/>
+        </a:xfrm>
+      </p:grpSpPr>
+      <p:sp>
+        <p:nvSpPr>
+          <p:cNvPr id="2" name="Title 1"/>
+          <p:cNvSpPr>
+            <a:spLocks noGrp="1"/>
+          </p:cNvSpPr>
+          <p:nvPr>
+            <p:ph type="title"/>
+          </p:nvPr>
+        </p:nvSpPr>
+        <p:spPr>
+          <a:xfrm>
+            <a:off x="711200" y="3168074"/>
+            <a:ext cx="10668000" cy="1216025"/>
+          </a:xfrm>
+        </p:spPr>
+        <p:txBody>
+          <a:bodyPr anchor="ctr"/>
+          <a:lstStyle/>
+          <a:p>
+            <a:pPr algn="ctr"/>
+            <a:r>
+              <a:rPr lang="en-IN" altLang="en-US" sz="4000" b="1" dirty="0">
+                <a:solidFill>
+                  <a:srgbClr val="FF0000"/>
+                </a:solidFill>
+              </a:rPr>
+              <a:t>Thank You</a:t>
+            </a:r>
+            <a:endParaRPr lang="en-IN" dirty="0"/>
+          </a:p>
+        </p:txBody>
+      </p:sp>
+      <p:sp>
+        <p:nvSpPr>
+          <p:cNvPr id="3" name="Footer Placeholder 2"/>
+          <p:cNvSpPr>
+            <a:spLocks noGrp="1"/>
+          </p:cNvSpPr>
+          <p:nvPr>
+            <p:ph type="ftr" sz="quarter" idx="11"/>
+          </p:nvPr>
+        </p:nvSpPr>
+        <p:spPr/>
+        <p:txBody>
+          <a:bodyPr/>
+          <a:lstStyle/>
+          <a:p>
+            <a:pPr>
+              <a:defRPr/>
+            </a:pPr>
+            <a:r>
+              <a:rPr lang="en-US"/>
+              <a:t>Department of Artificial Intelligence and Data Science</a:t>
+            </a:r>
+          </a:p>
+        </p:txBody>
+      </p:sp>
+      <p:sp>
+        <p:nvSpPr>
+          <p:cNvPr id="4" name="Slide Number Placeholder 3"/>
+          <p:cNvSpPr>
+            <a:spLocks noGrp="1"/>
+          </p:cNvSpPr>
+          <p:nvPr>
+            <p:ph type="sldNum" sz="quarter" idx="12"/>
+          </p:nvPr>
+        </p:nvSpPr>
+        <p:spPr/>
+        <p:txBody>
+          <a:bodyPr/>
+          <a:lstStyle/>
+          <a:p>
+            <a:pPr>
+              <a:defRPr/>
+            </a:pPr>
+            <a:fld id="{F583B680-F650-469F-A231-392F163461F6}" type="slidenum">
+              <a:rPr lang="en-US" altLang="en-US" smtClean="0"/>
+              <a:t>23</a:t>
+            </a:fld>
+            <a:endParaRPr lang="en-US" altLang="en-US" dirty="0"/>
+          </a:p>
+        </p:txBody>
+      </p:sp>
+    </p:spTree>
+  </p:cSld>
+  <p:clrMapOvr>
+    <a:masterClrMapping/>
+  </p:clrMapOvr>
+</p:sld>
+</file>
+
+<file path=ppt/slides/slide3.xml><?xml version="1.0" encoding="utf-8"?>
 <p:sld xmlns:a="http://schemas.openxmlformats.org/drawingml/2006/main" xmlns:r="http://schemas.openxmlformats.org/officeDocument/2006/relationships" xmlns:p="http://schemas.openxmlformats.org/presentationml/2006/main">
   <p:cSld>
     <p:bg>
@@ -6218,7 +7982,7 @@
           <a:p>
             <a:fld id="{5AB9ECBD-B4DD-40D5-8D24-9ECCDBB1583E}" type="slidenum">
               <a:rPr lang="en-IN" smtClean="0"/>
-              <a:t>2</a:t>
+              <a:t>3</a:t>
             </a:fld>
             <a:endParaRPr lang="en-IN"/>
           </a:p>
@@ -6228,733 +7992,6 @@
   </p:cSld>
   <p:clrMapOvr>
     <a:overrideClrMapping bg1="lt1" tx1="dk1" bg2="lt2" tx2="dk2" accent1="accent1" accent2="accent2" accent3="accent3" accent4="accent4" accent5="accent5" accent6="accent6" hlink="hlink" folHlink="folHlink"/>
-  </p:clrMapOvr>
-</p:sld>
-</file>
-
-<file path=ppt/slides/slide20.xml><?xml version="1.0" encoding="utf-8"?>
-<p:sld xmlns:a="http://schemas.openxmlformats.org/drawingml/2006/main" xmlns:r="http://schemas.openxmlformats.org/officeDocument/2006/relationships" xmlns:p="http://schemas.openxmlformats.org/presentationml/2006/main">
-  <p:cSld>
-    <p:spTree>
-      <p:nvGrpSpPr>
-        <p:cNvPr id="1" name=""/>
-        <p:cNvGrpSpPr/>
-        <p:nvPr/>
-      </p:nvGrpSpPr>
-      <p:grpSpPr>
-        <a:xfrm>
-          <a:off x="0" y="0"/>
-          <a:ext cx="0" cy="0"/>
-          <a:chOff x="0" y="0"/>
-          <a:chExt cx="0" cy="0"/>
-        </a:xfrm>
-      </p:grpSpPr>
-      <p:sp>
-        <p:nvSpPr>
-          <p:cNvPr id="2" name="Title 1"/>
-          <p:cNvSpPr>
-            <a:spLocks noGrp="1"/>
-          </p:cNvSpPr>
-          <p:nvPr>
-            <p:ph type="title"/>
-          </p:nvPr>
-        </p:nvSpPr>
-        <p:spPr/>
-        <p:txBody>
-          <a:bodyPr/>
-          <a:lstStyle/>
-          <a:p>
-            <a:r>
-              <a:rPr lang="en-US" dirty="0"/>
-              <a:t>References</a:t>
-            </a:r>
-          </a:p>
-        </p:txBody>
-      </p:sp>
-      <p:sp>
-        <p:nvSpPr>
-          <p:cNvPr id="3" name="Content Placeholder 2"/>
-          <p:cNvSpPr>
-            <a:spLocks noGrp="1"/>
-          </p:cNvSpPr>
-          <p:nvPr>
-            <p:ph idx="1"/>
-          </p:nvPr>
-        </p:nvSpPr>
-        <p:spPr/>
-        <p:txBody>
-          <a:bodyPr/>
-          <a:lstStyle/>
-          <a:p>
-            <a:pPr marL="0" indent="0">
-              <a:buNone/>
-            </a:pPr>
-            <a:r>
-              <a:rPr lang="en-US" sz="1250" dirty="0">
-                <a:latin typeface="Times New Roman" panose="02020603050405020304" pitchFamily="18" charset="0"/>
-                <a:cs typeface="Times New Roman" panose="02020603050405020304" pitchFamily="18" charset="0"/>
-              </a:rPr>
-              <a:t>[1] </a:t>
-            </a:r>
-            <a:r>
-              <a:rPr lang="en-US" sz="1250" dirty="0" err="1">
-                <a:latin typeface="Times New Roman" panose="02020603050405020304" pitchFamily="18" charset="0"/>
-                <a:cs typeface="Times New Roman" panose="02020603050405020304" pitchFamily="18" charset="0"/>
-              </a:rPr>
-              <a:t>Abergel</a:t>
-            </a:r>
-            <a:r>
-              <a:rPr lang="en-US" sz="1250" dirty="0">
-                <a:latin typeface="Times New Roman" panose="02020603050405020304" pitchFamily="18" charset="0"/>
-                <a:cs typeface="Times New Roman" panose="02020603050405020304" pitchFamily="18" charset="0"/>
-              </a:rPr>
-              <a:t> T, Dean B, </a:t>
-            </a:r>
-            <a:r>
-              <a:rPr lang="en-US" sz="1250" dirty="0" err="1">
-                <a:latin typeface="Times New Roman" panose="02020603050405020304" pitchFamily="18" charset="0"/>
-                <a:cs typeface="Times New Roman" panose="02020603050405020304" pitchFamily="18" charset="0"/>
-              </a:rPr>
-              <a:t>Dulac</a:t>
-            </a:r>
-            <a:r>
-              <a:rPr lang="en-US" sz="1250" dirty="0">
-                <a:latin typeface="Times New Roman" panose="02020603050405020304" pitchFamily="18" charset="0"/>
-                <a:cs typeface="Times New Roman" panose="02020603050405020304" pitchFamily="18" charset="0"/>
-              </a:rPr>
-              <a:t> J. Towards a zero-emission, efficient,  and  resilient  buildings  and  construction sector:  Global  Status Report  2017. UN  Environment and International Energy Agency: Paris, France. 2017. </a:t>
-            </a:r>
-            <a:br>
-              <a:rPr lang="en-US" sz="1250" dirty="0">
-                <a:latin typeface="Times New Roman" panose="02020603050405020304" pitchFamily="18" charset="0"/>
-                <a:cs typeface="Times New Roman" panose="02020603050405020304" pitchFamily="18" charset="0"/>
-              </a:rPr>
-            </a:br>
-            <a:r>
-              <a:rPr lang="en-US" sz="1250" dirty="0">
-                <a:latin typeface="Times New Roman" panose="02020603050405020304" pitchFamily="18" charset="0"/>
-                <a:cs typeface="Times New Roman" panose="02020603050405020304" pitchFamily="18" charset="0"/>
-              </a:rPr>
-              <a:t>[2] https://www.iea.org/reports/global-energy-review-2020/global-energy-and-CO2-emissions-in-2020.  Accessed 9 July 2020. </a:t>
-            </a:r>
-            <a:br>
-              <a:rPr lang="en-US" sz="1250" dirty="0">
-                <a:latin typeface="Times New Roman" panose="02020603050405020304" pitchFamily="18" charset="0"/>
-                <a:cs typeface="Times New Roman" panose="02020603050405020304" pitchFamily="18" charset="0"/>
-              </a:rPr>
-            </a:br>
-            <a:r>
-              <a:rPr lang="en-US" sz="1250" dirty="0">
-                <a:latin typeface="Times New Roman" panose="02020603050405020304" pitchFamily="18" charset="0"/>
-                <a:cs typeface="Times New Roman" panose="02020603050405020304" pitchFamily="18" charset="0"/>
-              </a:rPr>
-              <a:t>[3] Ahmad  AS, Hassan  MY, Abdullah  H,  Rahman  HA, Majid MS, </a:t>
-            </a:r>
-            <a:r>
-              <a:rPr lang="en-US" sz="1250" dirty="0" err="1">
-                <a:latin typeface="Times New Roman" panose="02020603050405020304" pitchFamily="18" charset="0"/>
-                <a:cs typeface="Times New Roman" panose="02020603050405020304" pitchFamily="18" charset="0"/>
-              </a:rPr>
-              <a:t>Bandi</a:t>
-            </a:r>
-            <a:r>
-              <a:rPr lang="en-US" sz="1250" dirty="0">
-                <a:latin typeface="Times New Roman" panose="02020603050405020304" pitchFamily="18" charset="0"/>
-                <a:cs typeface="Times New Roman" panose="02020603050405020304" pitchFamily="18" charset="0"/>
-              </a:rPr>
-              <a:t> M. Energy efficiency measurements in  a  Malaysian  public  university.  In International Conference on  power  and energy  2012  (pp.  582-7). IEEE.</a:t>
-            </a:r>
-            <a:br>
-              <a:rPr lang="en-US" sz="1250" dirty="0">
-                <a:latin typeface="Times New Roman" panose="02020603050405020304" pitchFamily="18" charset="0"/>
-                <a:cs typeface="Times New Roman" panose="02020603050405020304" pitchFamily="18" charset="0"/>
-              </a:rPr>
-            </a:br>
-            <a:r>
-              <a:rPr lang="en-US" sz="1250" dirty="0">
-                <a:latin typeface="Times New Roman" panose="02020603050405020304" pitchFamily="18" charset="0"/>
-                <a:cs typeface="Times New Roman" panose="02020603050405020304" pitchFamily="18" charset="0"/>
-              </a:rPr>
-              <a:t>[4] Hassan  JS,  Zin  RM,  Abd  Majid  MZ,  </a:t>
-            </a:r>
-            <a:r>
-              <a:rPr lang="en-US" sz="1250" dirty="0" err="1">
-                <a:latin typeface="Times New Roman" panose="02020603050405020304" pitchFamily="18" charset="0"/>
-                <a:cs typeface="Times New Roman" panose="02020603050405020304" pitchFamily="18" charset="0"/>
-              </a:rPr>
-              <a:t>Balubaid</a:t>
-            </a:r>
-            <a:r>
-              <a:rPr lang="en-US" sz="1250" dirty="0">
-                <a:latin typeface="Times New Roman" panose="02020603050405020304" pitchFamily="18" charset="0"/>
-                <a:cs typeface="Times New Roman" panose="02020603050405020304" pitchFamily="18" charset="0"/>
-              </a:rPr>
-              <a:t>  S, </a:t>
-            </a:r>
-            <a:r>
-              <a:rPr lang="en-US" sz="1250" dirty="0" err="1">
-                <a:latin typeface="Times New Roman" panose="02020603050405020304" pitchFamily="18" charset="0"/>
-                <a:cs typeface="Times New Roman" panose="02020603050405020304" pitchFamily="18" charset="0"/>
-              </a:rPr>
-              <a:t>Hainin</a:t>
-            </a:r>
-            <a:r>
-              <a:rPr lang="en-US" sz="1250" dirty="0">
-                <a:latin typeface="Times New Roman" panose="02020603050405020304" pitchFamily="18" charset="0"/>
-                <a:cs typeface="Times New Roman" panose="02020603050405020304" pitchFamily="18" charset="0"/>
-              </a:rPr>
-              <a:t>  MR.  Building  energy  consumption  in Malaysia: an overview. </a:t>
-            </a:r>
-            <a:r>
-              <a:rPr lang="en-US" sz="1250" dirty="0" err="1">
-                <a:latin typeface="Times New Roman" panose="02020603050405020304" pitchFamily="18" charset="0"/>
-                <a:cs typeface="Times New Roman" panose="02020603050405020304" pitchFamily="18" charset="0"/>
-              </a:rPr>
-              <a:t>Jurnal</a:t>
-            </a:r>
-            <a:r>
-              <a:rPr lang="en-US" sz="1250" dirty="0">
-                <a:latin typeface="Times New Roman" panose="02020603050405020304" pitchFamily="18" charset="0"/>
-                <a:cs typeface="Times New Roman" panose="02020603050405020304" pitchFamily="18" charset="0"/>
-              </a:rPr>
-              <a:t> </a:t>
-            </a:r>
-            <a:r>
-              <a:rPr lang="en-US" sz="1250" dirty="0" err="1">
-                <a:latin typeface="Times New Roman" panose="02020603050405020304" pitchFamily="18" charset="0"/>
-                <a:cs typeface="Times New Roman" panose="02020603050405020304" pitchFamily="18" charset="0"/>
-              </a:rPr>
-              <a:t>Teknologi</a:t>
-            </a:r>
-            <a:r>
-              <a:rPr lang="en-US" sz="1250" dirty="0">
-                <a:latin typeface="Times New Roman" panose="02020603050405020304" pitchFamily="18" charset="0"/>
-                <a:cs typeface="Times New Roman" panose="02020603050405020304" pitchFamily="18" charset="0"/>
-              </a:rPr>
-              <a:t>. 2014; 70(7): 33-8. </a:t>
-            </a:r>
-            <a:br>
-              <a:rPr lang="en-US" sz="1250" dirty="0">
-                <a:latin typeface="Times New Roman" panose="02020603050405020304" pitchFamily="18" charset="0"/>
-                <a:cs typeface="Times New Roman" panose="02020603050405020304" pitchFamily="18" charset="0"/>
-              </a:rPr>
-            </a:br>
-            <a:r>
-              <a:rPr lang="en-US" sz="1250" dirty="0">
-                <a:latin typeface="Times New Roman" panose="02020603050405020304" pitchFamily="18" charset="0"/>
-                <a:cs typeface="Times New Roman" panose="02020603050405020304" pitchFamily="18" charset="0"/>
-              </a:rPr>
-              <a:t>[5] Dudley B. BP  statistical review of world  energy. BP Statistical Review, London, UK.2016. </a:t>
-            </a:r>
-            <a:br>
-              <a:rPr lang="en-US" sz="1250" dirty="0">
-                <a:latin typeface="Times New Roman" panose="02020603050405020304" pitchFamily="18" charset="0"/>
-                <a:cs typeface="Times New Roman" panose="02020603050405020304" pitchFamily="18" charset="0"/>
-              </a:rPr>
-            </a:br>
-            <a:r>
-              <a:rPr lang="en-US" sz="1250" dirty="0">
-                <a:latin typeface="Times New Roman" panose="02020603050405020304" pitchFamily="18" charset="0"/>
-                <a:cs typeface="Times New Roman" panose="02020603050405020304" pitchFamily="18" charset="0"/>
-              </a:rPr>
-              <a:t>[6] https://www.mgtc.gov.my/annualreport2019/. Accessed 9 July 2020. </a:t>
-            </a:r>
-            <a:br>
-              <a:rPr lang="en-US" sz="1250" dirty="0">
-                <a:latin typeface="Times New Roman" panose="02020603050405020304" pitchFamily="18" charset="0"/>
-                <a:cs typeface="Times New Roman" panose="02020603050405020304" pitchFamily="18" charset="0"/>
-              </a:rPr>
-            </a:br>
-            <a:r>
-              <a:rPr lang="en-US" sz="1250" dirty="0">
-                <a:latin typeface="Times New Roman" panose="02020603050405020304" pitchFamily="18" charset="0"/>
-                <a:cs typeface="Times New Roman" panose="02020603050405020304" pitchFamily="18" charset="0"/>
-              </a:rPr>
-              <a:t>[7] Ministry  of  Energy,  Green  technology  and  water Malaysia.  Green  technology  master  plan  Malaysia (2017-30). </a:t>
-            </a:r>
-            <a:br>
-              <a:rPr lang="en-US" sz="1250" dirty="0">
-                <a:latin typeface="Times New Roman" panose="02020603050405020304" pitchFamily="18" charset="0"/>
-                <a:cs typeface="Times New Roman" panose="02020603050405020304" pitchFamily="18" charset="0"/>
-              </a:rPr>
-            </a:br>
-            <a:r>
-              <a:rPr lang="en-US" sz="1250" dirty="0">
-                <a:latin typeface="Times New Roman" panose="02020603050405020304" pitchFamily="18" charset="0"/>
-                <a:cs typeface="Times New Roman" panose="02020603050405020304" pitchFamily="18" charset="0"/>
-              </a:rPr>
-              <a:t>[8] Mansur TM, </a:t>
-            </a:r>
-            <a:r>
-              <a:rPr lang="en-US" sz="1250" dirty="0" err="1">
-                <a:latin typeface="Times New Roman" panose="02020603050405020304" pitchFamily="18" charset="0"/>
-                <a:cs typeface="Times New Roman" panose="02020603050405020304" pitchFamily="18" charset="0"/>
-              </a:rPr>
-              <a:t>Baharudin</a:t>
-            </a:r>
-            <a:r>
-              <a:rPr lang="en-US" sz="1250" dirty="0">
-                <a:latin typeface="Times New Roman" panose="02020603050405020304" pitchFamily="18" charset="0"/>
-                <a:cs typeface="Times New Roman" panose="02020603050405020304" pitchFamily="18" charset="0"/>
-              </a:rPr>
-              <a:t> NH, Ali R. Optimal sizing and economic analysis of self-consumed solar PV  system for  a  fully  DC  residential  house.  In  international conference  on  smart  instrumentation,  measurement and application 2017 (pp. 1-5). IEEE. </a:t>
-            </a:r>
-            <a:br>
-              <a:rPr lang="en-US" sz="1250" dirty="0">
-                <a:latin typeface="Times New Roman" panose="02020603050405020304" pitchFamily="18" charset="0"/>
-                <a:cs typeface="Times New Roman" panose="02020603050405020304" pitchFamily="18" charset="0"/>
-              </a:rPr>
-            </a:br>
-            <a:r>
-              <a:rPr lang="en-US" sz="1250" dirty="0">
-                <a:latin typeface="Times New Roman" panose="02020603050405020304" pitchFamily="18" charset="0"/>
-                <a:cs typeface="Times New Roman" panose="02020603050405020304" pitchFamily="18" charset="0"/>
-              </a:rPr>
-              <a:t>[9] Ananda-Rao  K, Ali  R, </a:t>
-            </a:r>
-            <a:r>
-              <a:rPr lang="en-US" sz="1250" dirty="0" err="1">
-                <a:latin typeface="Times New Roman" panose="02020603050405020304" pitchFamily="18" charset="0"/>
-                <a:cs typeface="Times New Roman" panose="02020603050405020304" pitchFamily="18" charset="0"/>
-              </a:rPr>
-              <a:t>Taniselass</a:t>
-            </a:r>
-            <a:r>
-              <a:rPr lang="en-US" sz="1250" dirty="0">
-                <a:latin typeface="Times New Roman" panose="02020603050405020304" pitchFamily="18" charset="0"/>
-                <a:cs typeface="Times New Roman" panose="02020603050405020304" pitchFamily="18" charset="0"/>
-              </a:rPr>
-              <a:t> S,  </a:t>
-            </a:r>
-            <a:r>
-              <a:rPr lang="en-US" sz="1250" dirty="0" err="1">
-                <a:latin typeface="Times New Roman" panose="02020603050405020304" pitchFamily="18" charset="0"/>
-                <a:cs typeface="Times New Roman" panose="02020603050405020304" pitchFamily="18" charset="0"/>
-              </a:rPr>
-              <a:t>Baharudin</a:t>
-            </a:r>
-            <a:r>
-              <a:rPr lang="en-US" sz="1250" dirty="0">
-                <a:latin typeface="Times New Roman" panose="02020603050405020304" pitchFamily="18" charset="0"/>
-                <a:cs typeface="Times New Roman" panose="02020603050405020304" pitchFamily="18" charset="0"/>
-              </a:rPr>
-              <a:t>  NH. Microcontroller  based  battery  controller  for  peak shaving  integrated  with  solar  photovoltaic.  4th  IET clean energy and technology conference 2017. </a:t>
-            </a:r>
-            <a:br>
-              <a:rPr lang="en-US" sz="1250" dirty="0">
-                <a:latin typeface="Times New Roman" panose="02020603050405020304" pitchFamily="18" charset="0"/>
-                <a:cs typeface="Times New Roman" panose="02020603050405020304" pitchFamily="18" charset="0"/>
-              </a:rPr>
-            </a:br>
-            <a:r>
-              <a:rPr lang="en-US" sz="1250" dirty="0">
-                <a:latin typeface="Times New Roman" panose="02020603050405020304" pitchFamily="18" charset="0"/>
-                <a:cs typeface="Times New Roman" panose="02020603050405020304" pitchFamily="18" charset="0"/>
-              </a:rPr>
-              <a:t>[10] https://www.iea.org/policies/124-national-energy-efficiency-action-plan-4-2017-2020.  Accessed  9  July 2020. </a:t>
-            </a:r>
-            <a:br>
-              <a:rPr lang="en-US" sz="1250" dirty="0">
-                <a:latin typeface="Times New Roman" panose="02020603050405020304" pitchFamily="18" charset="0"/>
-                <a:cs typeface="Times New Roman" panose="02020603050405020304" pitchFamily="18" charset="0"/>
-              </a:rPr>
-            </a:br>
-            <a:r>
-              <a:rPr lang="en-US" sz="1250" dirty="0">
-                <a:latin typeface="Times New Roman" panose="02020603050405020304" pitchFamily="18" charset="0"/>
-                <a:cs typeface="Times New Roman" panose="02020603050405020304" pitchFamily="18" charset="0"/>
-              </a:rPr>
-              <a:t>[11] Tenaga  S.  Guidelines  on  no-cost  and  low-cost measures for  efficient use  of electricity in  buildings. Suruhanjaya Tenaga (Energy Commission). 2014. </a:t>
-            </a:r>
-            <a:br>
-              <a:rPr lang="en-US" sz="1250" dirty="0">
-                <a:latin typeface="Times New Roman" panose="02020603050405020304" pitchFamily="18" charset="0"/>
-                <a:cs typeface="Times New Roman" panose="02020603050405020304" pitchFamily="18" charset="0"/>
-              </a:rPr>
-            </a:br>
-            <a:r>
-              <a:rPr lang="en-US" sz="1250" dirty="0">
-                <a:latin typeface="Times New Roman" panose="02020603050405020304" pitchFamily="18" charset="0"/>
-                <a:cs typeface="Times New Roman" panose="02020603050405020304" pitchFamily="18" charset="0"/>
-              </a:rPr>
-              <a:t>[12] File  M.  Commercial  buildings  energy  consumption survey  (CBECS).  US  Department  of  Energy: Washington, DC, USA. 2015. </a:t>
-            </a:r>
-            <a:br>
-              <a:rPr lang="en-US" sz="1250" dirty="0">
-                <a:latin typeface="Times New Roman" panose="02020603050405020304" pitchFamily="18" charset="0"/>
-                <a:cs typeface="Times New Roman" panose="02020603050405020304" pitchFamily="18" charset="0"/>
-              </a:rPr>
-            </a:br>
-            <a:r>
-              <a:rPr lang="en-US" sz="1250" dirty="0">
-                <a:latin typeface="Times New Roman" panose="02020603050405020304" pitchFamily="18" charset="0"/>
-                <a:cs typeface="Times New Roman" panose="02020603050405020304" pitchFamily="18" charset="0"/>
-              </a:rPr>
-              <a:t>[13] Wagiman KR, Abdullah MN, Hassan MY, </a:t>
-            </a:r>
-            <a:r>
-              <a:rPr lang="en-US" sz="1250" dirty="0" err="1">
-                <a:latin typeface="Times New Roman" panose="02020603050405020304" pitchFamily="18" charset="0"/>
-                <a:cs typeface="Times New Roman" panose="02020603050405020304" pitchFamily="18" charset="0"/>
-              </a:rPr>
-              <a:t>Radzi</a:t>
-            </a:r>
-            <a:r>
-              <a:rPr lang="en-US" sz="1250" dirty="0">
-                <a:latin typeface="Times New Roman" panose="02020603050405020304" pitchFamily="18" charset="0"/>
-                <a:cs typeface="Times New Roman" panose="02020603050405020304" pitchFamily="18" charset="0"/>
-              </a:rPr>
-              <a:t> NH. A  review  on  sensing-based  strategies  of  interior lighting  control  system  and  their  performance  in commercial buildings. Indonesian Journal of Electrical Engineering and Computer Science. 2019; 16(1):208-15. </a:t>
-            </a:r>
-            <a:br>
-              <a:rPr lang="en-US" sz="1250" dirty="0">
-                <a:latin typeface="Times New Roman" panose="02020603050405020304" pitchFamily="18" charset="0"/>
-                <a:cs typeface="Times New Roman" panose="02020603050405020304" pitchFamily="18" charset="0"/>
-              </a:rPr>
-            </a:br>
-            <a:r>
-              <a:rPr lang="en-US" sz="1250" dirty="0">
-                <a:latin typeface="Times New Roman" panose="02020603050405020304" pitchFamily="18" charset="0"/>
-                <a:cs typeface="Times New Roman" panose="02020603050405020304" pitchFamily="18" charset="0"/>
-              </a:rPr>
-              <a:t>[14] Imam MT, </a:t>
-            </a:r>
-            <a:r>
-              <a:rPr lang="en-US" sz="1250" dirty="0" err="1">
-                <a:latin typeface="Times New Roman" panose="02020603050405020304" pitchFamily="18" charset="0"/>
-                <a:cs typeface="Times New Roman" panose="02020603050405020304" pitchFamily="18" charset="0"/>
-              </a:rPr>
-              <a:t>Afshari</a:t>
-            </a:r>
-            <a:r>
-              <a:rPr lang="en-US" sz="1250" dirty="0">
-                <a:latin typeface="Times New Roman" panose="02020603050405020304" pitchFamily="18" charset="0"/>
-                <a:cs typeface="Times New Roman" panose="02020603050405020304" pitchFamily="18" charset="0"/>
-              </a:rPr>
-              <a:t> S, Mishra S. Smart lighting control systems. In  intelligent building control  systems 2018 (pp. 221-51). Springer, Cham. </a:t>
-            </a:r>
-            <a:br>
-              <a:rPr lang="en-US" sz="1250" dirty="0">
-                <a:latin typeface="Times New Roman" panose="02020603050405020304" pitchFamily="18" charset="0"/>
-                <a:cs typeface="Times New Roman" panose="02020603050405020304" pitchFamily="18" charset="0"/>
-              </a:rPr>
-            </a:br>
-            <a:r>
-              <a:rPr lang="en-US" sz="1250" dirty="0">
-                <a:latin typeface="Times New Roman" panose="02020603050405020304" pitchFamily="18" charset="0"/>
-                <a:cs typeface="Times New Roman" panose="02020603050405020304" pitchFamily="18" charset="0"/>
-              </a:rPr>
-              <a:t>[15] Firdaus R, Mulyana E. Smart building lighting system. In  IOP  conference  series:  materials  science  and engineering 2018 (pp. 1-7). IOP Publishing. </a:t>
-            </a:r>
-          </a:p>
-        </p:txBody>
-      </p:sp>
-      <p:sp>
-        <p:nvSpPr>
-          <p:cNvPr id="5" name="Footer Placeholder 4"/>
-          <p:cNvSpPr>
-            <a:spLocks noGrp="1"/>
-          </p:cNvSpPr>
-          <p:nvPr>
-            <p:ph type="ftr" sz="quarter" idx="11"/>
-          </p:nvPr>
-        </p:nvSpPr>
-        <p:spPr/>
-        <p:txBody>
-          <a:bodyPr/>
-          <a:lstStyle/>
-          <a:p>
-            <a:pPr>
-              <a:defRPr/>
-            </a:pPr>
-            <a:r>
-              <a:rPr lang="en-US"/>
-              <a:t>Department of Artificial Intelligence and Data Science</a:t>
-            </a:r>
-          </a:p>
-        </p:txBody>
-      </p:sp>
-      <p:sp>
-        <p:nvSpPr>
-          <p:cNvPr id="6" name="Slide Number Placeholder 5"/>
-          <p:cNvSpPr>
-            <a:spLocks noGrp="1"/>
-          </p:cNvSpPr>
-          <p:nvPr>
-            <p:ph type="sldNum" sz="quarter" idx="12"/>
-          </p:nvPr>
-        </p:nvSpPr>
-        <p:spPr/>
-        <p:txBody>
-          <a:bodyPr/>
-          <a:lstStyle/>
-          <a:p>
-            <a:pPr>
-              <a:defRPr/>
-            </a:pPr>
-            <a:fld id="{BDC2143B-610F-499C-A392-DFFBE135A7B2}" type="slidenum">
-              <a:rPr lang="en-US" altLang="en-US"/>
-              <a:t>20</a:t>
-            </a:fld>
-            <a:endParaRPr lang="en-US" altLang="en-US"/>
-          </a:p>
-        </p:txBody>
-      </p:sp>
-    </p:spTree>
-  </p:cSld>
-  <p:clrMapOvr>
-    <a:masterClrMapping/>
-  </p:clrMapOvr>
-</p:sld>
-</file>
-
-<file path=ppt/slides/slide21.xml><?xml version="1.0" encoding="utf-8"?>
-<p:sld xmlns:a="http://schemas.openxmlformats.org/drawingml/2006/main" xmlns:r="http://schemas.openxmlformats.org/officeDocument/2006/relationships" xmlns:p="http://schemas.openxmlformats.org/presentationml/2006/main">
-  <p:cSld>
-    <p:spTree>
-      <p:nvGrpSpPr>
-        <p:cNvPr id="1" name=""/>
-        <p:cNvGrpSpPr/>
-        <p:nvPr/>
-      </p:nvGrpSpPr>
-      <p:grpSpPr>
-        <a:xfrm>
-          <a:off x="0" y="0"/>
-          <a:ext cx="0" cy="0"/>
-          <a:chOff x="0" y="0"/>
-          <a:chExt cx="0" cy="0"/>
-        </a:xfrm>
-      </p:grpSpPr>
-      <p:sp>
-        <p:nvSpPr>
-          <p:cNvPr id="2" name="Title 1"/>
-          <p:cNvSpPr>
-            <a:spLocks noGrp="1"/>
-          </p:cNvSpPr>
-          <p:nvPr>
-            <p:ph type="title"/>
-          </p:nvPr>
-        </p:nvSpPr>
-        <p:spPr>
-          <a:xfrm>
-            <a:off x="711200" y="3168074"/>
-            <a:ext cx="10668000" cy="1216025"/>
-          </a:xfrm>
-        </p:spPr>
-        <p:txBody>
-          <a:bodyPr anchor="ctr"/>
-          <a:lstStyle/>
-          <a:p>
-            <a:pPr algn="ctr"/>
-            <a:r>
-              <a:rPr lang="en-IN" altLang="en-US" sz="4000" b="1" dirty="0">
-                <a:solidFill>
-                  <a:srgbClr val="FF0000"/>
-                </a:solidFill>
-              </a:rPr>
-              <a:t>Thank You</a:t>
-            </a:r>
-            <a:endParaRPr lang="en-IN" dirty="0"/>
-          </a:p>
-        </p:txBody>
-      </p:sp>
-      <p:sp>
-        <p:nvSpPr>
-          <p:cNvPr id="3" name="Footer Placeholder 2"/>
-          <p:cNvSpPr>
-            <a:spLocks noGrp="1"/>
-          </p:cNvSpPr>
-          <p:nvPr>
-            <p:ph type="ftr" sz="quarter" idx="11"/>
-          </p:nvPr>
-        </p:nvSpPr>
-        <p:spPr/>
-        <p:txBody>
-          <a:bodyPr/>
-          <a:lstStyle/>
-          <a:p>
-            <a:pPr>
-              <a:defRPr/>
-            </a:pPr>
-            <a:r>
-              <a:rPr lang="en-US"/>
-              <a:t>Department of Artificial Intelligence and Data Science</a:t>
-            </a:r>
-          </a:p>
-        </p:txBody>
-      </p:sp>
-      <p:sp>
-        <p:nvSpPr>
-          <p:cNvPr id="4" name="Slide Number Placeholder 3"/>
-          <p:cNvSpPr>
-            <a:spLocks noGrp="1"/>
-          </p:cNvSpPr>
-          <p:nvPr>
-            <p:ph type="sldNum" sz="quarter" idx="12"/>
-          </p:nvPr>
-        </p:nvSpPr>
-        <p:spPr/>
-        <p:txBody>
-          <a:bodyPr/>
-          <a:lstStyle/>
-          <a:p>
-            <a:pPr>
-              <a:defRPr/>
-            </a:pPr>
-            <a:fld id="{F583B680-F650-469F-A231-392F163461F6}" type="slidenum">
-              <a:rPr lang="en-US" altLang="en-US" smtClean="0"/>
-              <a:t>21</a:t>
-            </a:fld>
-            <a:endParaRPr lang="en-US" altLang="en-US" dirty="0"/>
-          </a:p>
-        </p:txBody>
-      </p:sp>
-    </p:spTree>
-  </p:cSld>
-  <p:clrMapOvr>
-    <a:masterClrMapping/>
-  </p:clrMapOvr>
-</p:sld>
-</file>
-
-<file path=ppt/slides/slide3.xml><?xml version="1.0" encoding="utf-8"?>
-<p:sld xmlns:a="http://schemas.openxmlformats.org/drawingml/2006/main" xmlns:r="http://schemas.openxmlformats.org/officeDocument/2006/relationships" xmlns:p="http://schemas.openxmlformats.org/presentationml/2006/main">
-  <p:cSld>
-    <p:spTree>
-      <p:nvGrpSpPr>
-        <p:cNvPr id="1" name=""/>
-        <p:cNvGrpSpPr/>
-        <p:nvPr/>
-      </p:nvGrpSpPr>
-      <p:grpSpPr>
-        <a:xfrm>
-          <a:off x="0" y="0"/>
-          <a:ext cx="0" cy="0"/>
-          <a:chOff x="0" y="0"/>
-          <a:chExt cx="0" cy="0"/>
-        </a:xfrm>
-      </p:grpSpPr>
-      <p:sp>
-        <p:nvSpPr>
-          <p:cNvPr id="2" name="Title 1"/>
-          <p:cNvSpPr>
-            <a:spLocks noGrp="1"/>
-          </p:cNvSpPr>
-          <p:nvPr>
-            <p:ph type="title"/>
-          </p:nvPr>
-        </p:nvSpPr>
-        <p:spPr/>
-        <p:txBody>
-          <a:bodyPr/>
-          <a:lstStyle/>
-          <a:p>
-            <a:r>
-              <a:rPr lang="en-IN" altLang="en-US" sz="4000" b="1" dirty="0">
-                <a:solidFill>
-                  <a:srgbClr val="FF0000"/>
-                </a:solidFill>
-              </a:rPr>
-              <a:t>Problem Statement</a:t>
-            </a:r>
-            <a:endParaRPr lang="en-US" dirty="0">
-              <a:ln w="22225">
-                <a:solidFill>
-                  <a:schemeClr val="accent2"/>
-                </a:solidFill>
-                <a:prstDash val="solid"/>
-              </a:ln>
-              <a:solidFill>
-                <a:srgbClr val="FF0000"/>
-              </a:solidFill>
-              <a:effectLst/>
-            </a:endParaRPr>
-          </a:p>
-        </p:txBody>
-      </p:sp>
-      <p:sp>
-        <p:nvSpPr>
-          <p:cNvPr id="3" name="Content Placeholder 2"/>
-          <p:cNvSpPr>
-            <a:spLocks noGrp="1"/>
-          </p:cNvSpPr>
-          <p:nvPr>
-            <p:ph idx="1"/>
-          </p:nvPr>
-        </p:nvSpPr>
-        <p:spPr/>
-        <p:txBody>
-          <a:bodyPr/>
-          <a:lstStyle/>
-          <a:p>
-            <a:pPr marL="0" indent="0" algn="just">
-              <a:buNone/>
-            </a:pPr>
-            <a:r>
-              <a:rPr lang="en-US" sz="2000" dirty="0">
-                <a:latin typeface="Times New Roman" panose="02020603050405020304" pitchFamily="18" charset="0"/>
-                <a:cs typeface="Times New Roman" panose="02020603050405020304" pitchFamily="18" charset="0"/>
-              </a:rPr>
-              <a:t>Traditional smart home automation systems rely heavily on Passive Infrared (PIR) sensors, which detect motion through thermal changes. However, these sensors often fail to detect stationary individuals and are vulnerable to false triggers from non-human heat sources, reducing reliability. While computer vision (CV)-based gesture recognition offers intuitive control, its continuous operation is energy-intensive and unsuitable for low-power devices like Raspberry Pi. Moreover, current systems often overlook accessibility, offering limited support for users with disabilities or visual impairments. The lack of customizable and inclusive interfaces further hampers user engagement. Hence, there is a pressing need for a smart home solution that is energy-efficient, accurate, and user-centric. This drives the development of a hybrid CV and sensor-based system that ensures reliable detection, intuitive gesture control, and inclusive access for all users.</a:t>
-            </a:r>
-          </a:p>
-        </p:txBody>
-      </p:sp>
-      <p:sp>
-        <p:nvSpPr>
-          <p:cNvPr id="5" name="Footer Placeholder 4"/>
-          <p:cNvSpPr>
-            <a:spLocks noGrp="1"/>
-          </p:cNvSpPr>
-          <p:nvPr>
-            <p:ph type="ftr" sz="quarter" idx="11"/>
-          </p:nvPr>
-        </p:nvSpPr>
-        <p:spPr/>
-        <p:txBody>
-          <a:bodyPr/>
-          <a:lstStyle/>
-          <a:p>
-            <a:pPr>
-              <a:defRPr/>
-            </a:pPr>
-            <a:r>
-              <a:rPr lang="en-US"/>
-              <a:t>Department of Artificial Intelligence and Data Science</a:t>
-            </a:r>
-          </a:p>
-        </p:txBody>
-      </p:sp>
-      <p:sp>
-        <p:nvSpPr>
-          <p:cNvPr id="6" name="Slide Number Placeholder 5"/>
-          <p:cNvSpPr>
-            <a:spLocks noGrp="1"/>
-          </p:cNvSpPr>
-          <p:nvPr>
-            <p:ph type="sldNum" sz="quarter" idx="12"/>
-          </p:nvPr>
-        </p:nvSpPr>
-        <p:spPr/>
-        <p:txBody>
-          <a:bodyPr/>
-          <a:lstStyle/>
-          <a:p>
-            <a:pPr>
-              <a:defRPr/>
-            </a:pPr>
-            <a:fld id="{BDC2143B-610F-499C-A392-DFFBE135A7B2}" type="slidenum">
-              <a:rPr lang="en-US" altLang="en-US"/>
-              <a:t>3</a:t>
-            </a:fld>
-            <a:endParaRPr lang="en-US" altLang="en-US"/>
-          </a:p>
-        </p:txBody>
-      </p:sp>
-    </p:spTree>
-  </p:cSld>
-  <p:clrMapOvr>
-    <a:masterClrMapping/>
   </p:clrMapOvr>
 </p:sld>
 </file>
@@ -7404,6 +8441,766 @@
 <file path=ppt/slides/slide5.xml><?xml version="1.0" encoding="utf-8"?>
 <p:sld xmlns:a="http://schemas.openxmlformats.org/drawingml/2006/main" xmlns:r="http://schemas.openxmlformats.org/officeDocument/2006/relationships" xmlns:p="http://schemas.openxmlformats.org/presentationml/2006/main">
   <p:cSld>
+    <p:spTree>
+      <p:nvGrpSpPr>
+        <p:cNvPr id="1" name="">
+          <a:extLst>
+            <a:ext uri="{FF2B5EF4-FFF2-40B4-BE49-F238E27FC236}">
+              <a16:creationId xmlns:a16="http://schemas.microsoft.com/office/drawing/2014/main" id="{82E43E0D-F261-E561-E185-3E1ED8AD2EBA}"/>
+            </a:ext>
+          </a:extLst>
+        </p:cNvPr>
+        <p:cNvGrpSpPr/>
+        <p:nvPr/>
+      </p:nvGrpSpPr>
+      <p:grpSpPr>
+        <a:xfrm>
+          <a:off x="0" y="0"/>
+          <a:ext cx="0" cy="0"/>
+          <a:chOff x="0" y="0"/>
+          <a:chExt cx="0" cy="0"/>
+        </a:xfrm>
+      </p:grpSpPr>
+      <p:sp>
+        <p:nvSpPr>
+          <p:cNvPr id="2" name="Title 1">
+            <a:extLst>
+              <a:ext uri="{FF2B5EF4-FFF2-40B4-BE49-F238E27FC236}">
+                <a16:creationId xmlns:a16="http://schemas.microsoft.com/office/drawing/2014/main" id="{54B31F97-CABA-A7D9-327D-5ED807A7BA04}"/>
+              </a:ext>
+            </a:extLst>
+          </p:cNvPr>
+          <p:cNvSpPr>
+            <a:spLocks noGrp="1"/>
+          </p:cNvSpPr>
+          <p:nvPr>
+            <p:ph type="title"/>
+          </p:nvPr>
+        </p:nvSpPr>
+        <p:spPr/>
+        <p:txBody>
+          <a:bodyPr/>
+          <a:lstStyle/>
+          <a:p>
+            <a:r>
+              <a:rPr lang="en-IN" dirty="0">
+                <a:solidFill>
+                  <a:srgbClr val="FF0000"/>
+                </a:solidFill>
+              </a:rPr>
+              <a:t>Literature Survey</a:t>
+            </a:r>
+            <a:endParaRPr lang="en-US" dirty="0">
+              <a:solidFill>
+                <a:srgbClr val="FF0000"/>
+              </a:solidFill>
+            </a:endParaRPr>
+          </a:p>
+        </p:txBody>
+      </p:sp>
+      <p:sp>
+        <p:nvSpPr>
+          <p:cNvPr id="5" name="Footer Placeholder 4">
+            <a:extLst>
+              <a:ext uri="{FF2B5EF4-FFF2-40B4-BE49-F238E27FC236}">
+                <a16:creationId xmlns:a16="http://schemas.microsoft.com/office/drawing/2014/main" id="{C2402E96-6929-4ED9-3196-19528B719852}"/>
+              </a:ext>
+            </a:extLst>
+          </p:cNvPr>
+          <p:cNvSpPr>
+            <a:spLocks noGrp="1"/>
+          </p:cNvSpPr>
+          <p:nvPr>
+            <p:ph type="ftr" sz="quarter" idx="11"/>
+          </p:nvPr>
+        </p:nvSpPr>
+        <p:spPr/>
+        <p:txBody>
+          <a:bodyPr/>
+          <a:lstStyle/>
+          <a:p>
+            <a:pPr>
+              <a:defRPr/>
+            </a:pPr>
+            <a:r>
+              <a:rPr lang="en-US"/>
+              <a:t>Department of Artificial Intelligence and Data Science</a:t>
+            </a:r>
+          </a:p>
+        </p:txBody>
+      </p:sp>
+      <p:sp>
+        <p:nvSpPr>
+          <p:cNvPr id="6" name="Slide Number Placeholder 5">
+            <a:extLst>
+              <a:ext uri="{FF2B5EF4-FFF2-40B4-BE49-F238E27FC236}">
+                <a16:creationId xmlns:a16="http://schemas.microsoft.com/office/drawing/2014/main" id="{4D792817-B173-A5A6-2135-89F728163E39}"/>
+              </a:ext>
+            </a:extLst>
+          </p:cNvPr>
+          <p:cNvSpPr>
+            <a:spLocks noGrp="1"/>
+          </p:cNvSpPr>
+          <p:nvPr>
+            <p:ph type="sldNum" sz="quarter" idx="12"/>
+          </p:nvPr>
+        </p:nvSpPr>
+        <p:spPr/>
+        <p:txBody>
+          <a:bodyPr/>
+          <a:lstStyle/>
+          <a:p>
+            <a:pPr>
+              <a:defRPr/>
+            </a:pPr>
+            <a:fld id="{BDC2143B-610F-499C-A392-DFFBE135A7B2}" type="slidenum">
+              <a:rPr lang="en-US" altLang="en-US"/>
+              <a:t>5</a:t>
+            </a:fld>
+            <a:endParaRPr lang="en-US" altLang="en-US"/>
+          </a:p>
+        </p:txBody>
+      </p:sp>
+      <p:graphicFrame>
+        <p:nvGraphicFramePr>
+          <p:cNvPr id="4" name="Content Placeholder 3">
+            <a:extLst>
+              <a:ext uri="{FF2B5EF4-FFF2-40B4-BE49-F238E27FC236}">
+                <a16:creationId xmlns:a16="http://schemas.microsoft.com/office/drawing/2014/main" id="{A9267387-C3F1-C538-E5EF-E247D96A0D68}"/>
+              </a:ext>
+            </a:extLst>
+          </p:cNvPr>
+          <p:cNvGraphicFramePr>
+            <a:graphicFrameLocks noGrp="1"/>
+          </p:cNvGraphicFramePr>
+          <p:nvPr>
+            <p:ph idx="1"/>
+            <p:extLst>
+              <p:ext uri="{D42A27DB-BD31-4B8C-83A1-F6EECF244321}">
+                <p14:modId xmlns:p14="http://schemas.microsoft.com/office/powerpoint/2010/main" val="2232144465"/>
+              </p:ext>
+            </p:extLst>
+          </p:nvPr>
+        </p:nvGraphicFramePr>
+        <p:xfrm>
+          <a:off x="849086" y="1739265"/>
+          <a:ext cx="10767525" cy="4591196"/>
+        </p:xfrm>
+        <a:graphic>
+          <a:graphicData uri="http://schemas.openxmlformats.org/drawingml/2006/table">
+            <a:tbl>
+              <a:tblPr>
+                <a:tableStyleId>{8799B23B-EC83-4686-B30A-512413B5E67A}</a:tableStyleId>
+              </a:tblPr>
+              <a:tblGrid>
+                <a:gridCol w="2153505">
+                  <a:extLst>
+                    <a:ext uri="{9D8B030D-6E8A-4147-A177-3AD203B41FA5}">
+                      <a16:colId xmlns:a16="http://schemas.microsoft.com/office/drawing/2014/main" val="4160402632"/>
+                    </a:ext>
+                  </a:extLst>
+                </a:gridCol>
+                <a:gridCol w="2153505">
+                  <a:extLst>
+                    <a:ext uri="{9D8B030D-6E8A-4147-A177-3AD203B41FA5}">
+                      <a16:colId xmlns:a16="http://schemas.microsoft.com/office/drawing/2014/main" val="3749762947"/>
+                    </a:ext>
+                  </a:extLst>
+                </a:gridCol>
+                <a:gridCol w="2153505">
+                  <a:extLst>
+                    <a:ext uri="{9D8B030D-6E8A-4147-A177-3AD203B41FA5}">
+                      <a16:colId xmlns:a16="http://schemas.microsoft.com/office/drawing/2014/main" val="2781662595"/>
+                    </a:ext>
+                  </a:extLst>
+                </a:gridCol>
+                <a:gridCol w="2153505">
+                  <a:extLst>
+                    <a:ext uri="{9D8B030D-6E8A-4147-A177-3AD203B41FA5}">
+                      <a16:colId xmlns:a16="http://schemas.microsoft.com/office/drawing/2014/main" val="304507355"/>
+                    </a:ext>
+                  </a:extLst>
+                </a:gridCol>
+                <a:gridCol w="2153505">
+                  <a:extLst>
+                    <a:ext uri="{9D8B030D-6E8A-4147-A177-3AD203B41FA5}">
+                      <a16:colId xmlns:a16="http://schemas.microsoft.com/office/drawing/2014/main" val="2878041481"/>
+                    </a:ext>
+                  </a:extLst>
+                </a:gridCol>
+              </a:tblGrid>
+              <a:tr h="216490">
+                <a:tc>
+                  <a:txBody>
+                    <a:bodyPr/>
+                    <a:lstStyle/>
+                    <a:p>
+                      <a:r>
+                        <a:rPr lang="en-IN" sz="1200" b="1"/>
+                        <a:t>Author(s)</a:t>
+                      </a:r>
+                      <a:endParaRPr lang="en-IN" sz="1200">
+                        <a:latin typeface="Times New Roman" panose="02020603050405020304" pitchFamily="18" charset="0"/>
+                        <a:cs typeface="Times New Roman" panose="02020603050405020304" pitchFamily="18" charset="0"/>
+                      </a:endParaRPr>
+                    </a:p>
+                  </a:txBody>
+                  <a:tcPr marL="33867" marR="33867" marT="16933" marB="16933" anchor="ctr"/>
+                </a:tc>
+                <a:tc>
+                  <a:txBody>
+                    <a:bodyPr/>
+                    <a:lstStyle/>
+                    <a:p>
+                      <a:r>
+                        <a:rPr lang="en-IN" sz="1200" b="1"/>
+                        <a:t>Paper Title</a:t>
+                      </a:r>
+                      <a:endParaRPr lang="en-IN" sz="1200">
+                        <a:latin typeface="Times New Roman" panose="02020603050405020304" pitchFamily="18" charset="0"/>
+                        <a:cs typeface="Times New Roman" panose="02020603050405020304" pitchFamily="18" charset="0"/>
+                      </a:endParaRPr>
+                    </a:p>
+                  </a:txBody>
+                  <a:tcPr marL="33867" marR="33867" marT="16933" marB="16933" anchor="ctr"/>
+                </a:tc>
+                <a:tc>
+                  <a:txBody>
+                    <a:bodyPr/>
+                    <a:lstStyle/>
+                    <a:p>
+                      <a:r>
+                        <a:rPr lang="en-IN" sz="1200" b="1"/>
+                        <a:t>Journal/Publisher</a:t>
+                      </a:r>
+                      <a:endParaRPr lang="en-IN" sz="1200">
+                        <a:latin typeface="Times New Roman" panose="02020603050405020304" pitchFamily="18" charset="0"/>
+                        <a:cs typeface="Times New Roman" panose="02020603050405020304" pitchFamily="18" charset="0"/>
+                      </a:endParaRPr>
+                    </a:p>
+                  </a:txBody>
+                  <a:tcPr marL="33867" marR="33867" marT="16933" marB="16933" anchor="ctr"/>
+                </a:tc>
+                <a:tc>
+                  <a:txBody>
+                    <a:bodyPr/>
+                    <a:lstStyle/>
+                    <a:p>
+                      <a:r>
+                        <a:rPr lang="en-IN" sz="1200" b="1"/>
+                        <a:t>Year/Volume</a:t>
+                      </a:r>
+                      <a:endParaRPr lang="en-IN" sz="1200">
+                        <a:latin typeface="Times New Roman" panose="02020603050405020304" pitchFamily="18" charset="0"/>
+                        <a:cs typeface="Times New Roman" panose="02020603050405020304" pitchFamily="18" charset="0"/>
+                      </a:endParaRPr>
+                    </a:p>
+                  </a:txBody>
+                  <a:tcPr marL="33867" marR="33867" marT="16933" marB="16933" anchor="ctr"/>
+                </a:tc>
+                <a:tc>
+                  <a:txBody>
+                    <a:bodyPr/>
+                    <a:lstStyle/>
+                    <a:p>
+                      <a:r>
+                        <a:rPr lang="en-IN" sz="1200" b="1"/>
+                        <a:t>Description</a:t>
+                      </a:r>
+                      <a:endParaRPr lang="en-IN" sz="1200">
+                        <a:latin typeface="Times New Roman" panose="02020603050405020304" pitchFamily="18" charset="0"/>
+                        <a:cs typeface="Times New Roman" panose="02020603050405020304" pitchFamily="18" charset="0"/>
+                      </a:endParaRPr>
+                    </a:p>
+                  </a:txBody>
+                  <a:tcPr marL="33867" marR="33867" marT="16933" marB="16933" anchor="ctr"/>
+                </a:tc>
+                <a:extLst>
+                  <a:ext uri="{0D108BD9-81ED-4DB2-BD59-A6C34878D82A}">
+                    <a16:rowId xmlns:a16="http://schemas.microsoft.com/office/drawing/2014/main" val="446782756"/>
+                  </a:ext>
+                </a:extLst>
+              </a:tr>
+              <a:tr h="947146">
+                <a:tc>
+                  <a:txBody>
+                    <a:bodyPr/>
+                    <a:lstStyle/>
+                    <a:p>
+                      <a:r>
+                        <a:rPr lang="en-IN" sz="1200"/>
+                        <a:t>Rahman et al.</a:t>
+                      </a:r>
+                      <a:endParaRPr lang="en-IN" sz="1200">
+                        <a:latin typeface="Times New Roman" panose="02020603050405020304" pitchFamily="18" charset="0"/>
+                        <a:cs typeface="Times New Roman" panose="02020603050405020304" pitchFamily="18" charset="0"/>
+                      </a:endParaRPr>
+                    </a:p>
+                  </a:txBody>
+                  <a:tcPr marL="33867" marR="33867" marT="16933" marB="16933" anchor="ctr"/>
+                </a:tc>
+                <a:tc>
+                  <a:txBody>
+                    <a:bodyPr/>
+                    <a:lstStyle/>
+                    <a:p>
+                      <a:r>
+                        <a:rPr lang="en-US" sz="1200"/>
+                        <a:t>Occupancy Detection in Smart Homes Using PIR Sensors: A Low-Power Approach</a:t>
+                      </a:r>
+                      <a:endParaRPr lang="en-US" sz="1200">
+                        <a:latin typeface="Times New Roman" panose="02020603050405020304" pitchFamily="18" charset="0"/>
+                        <a:cs typeface="Times New Roman" panose="02020603050405020304" pitchFamily="18" charset="0"/>
+                      </a:endParaRPr>
+                    </a:p>
+                  </a:txBody>
+                  <a:tcPr marL="33867" marR="33867" marT="16933" marB="16933" anchor="ctr"/>
+                </a:tc>
+                <a:tc>
+                  <a:txBody>
+                    <a:bodyPr/>
+                    <a:lstStyle/>
+                    <a:p>
+                      <a:r>
+                        <a:rPr lang="en-IN" sz="1200"/>
+                        <a:t>IEEE Sensors Journal</a:t>
+                      </a:r>
+                      <a:endParaRPr lang="en-IN" sz="1200">
+                        <a:latin typeface="Times New Roman" panose="02020603050405020304" pitchFamily="18" charset="0"/>
+                        <a:cs typeface="Times New Roman" panose="02020603050405020304" pitchFamily="18" charset="0"/>
+                      </a:endParaRPr>
+                    </a:p>
+                  </a:txBody>
+                  <a:tcPr marL="33867" marR="33867" marT="16933" marB="16933" anchor="ctr"/>
+                </a:tc>
+                <a:tc>
+                  <a:txBody>
+                    <a:bodyPr/>
+                    <a:lstStyle/>
+                    <a:p>
+                      <a:r>
+                        <a:rPr lang="en-IN" sz="1200"/>
+                        <a:t>2020, Vol. 20(5)</a:t>
+                      </a:r>
+                      <a:endParaRPr lang="en-IN" sz="1200">
+                        <a:latin typeface="Times New Roman" panose="02020603050405020304" pitchFamily="18" charset="0"/>
+                        <a:cs typeface="Times New Roman" panose="02020603050405020304" pitchFamily="18" charset="0"/>
+                      </a:endParaRPr>
+                    </a:p>
+                  </a:txBody>
+                  <a:tcPr marL="33867" marR="33867" marT="16933" marB="16933" anchor="ctr"/>
+                </a:tc>
+                <a:tc>
+                  <a:txBody>
+                    <a:bodyPr/>
+                    <a:lstStyle/>
+                    <a:p>
+                      <a:r>
+                        <a:rPr lang="en-US" sz="1200"/>
+                        <a:t>Proposed a low-power PIR-based occupancy detection system for energy-saving in smart homes.</a:t>
+                      </a:r>
+                      <a:endParaRPr lang="en-US" sz="1200">
+                        <a:latin typeface="Times New Roman" panose="02020603050405020304" pitchFamily="18" charset="0"/>
+                        <a:cs typeface="Times New Roman" panose="02020603050405020304" pitchFamily="18" charset="0"/>
+                      </a:endParaRPr>
+                    </a:p>
+                  </a:txBody>
+                  <a:tcPr marL="33867" marR="33867" marT="16933" marB="16933" anchor="ctr"/>
+                </a:tc>
+                <a:extLst>
+                  <a:ext uri="{0D108BD9-81ED-4DB2-BD59-A6C34878D82A}">
+                    <a16:rowId xmlns:a16="http://schemas.microsoft.com/office/drawing/2014/main" val="2452020432"/>
+                  </a:ext>
+                </a:extLst>
+              </a:tr>
+              <a:tr h="947146">
+                <a:tc>
+                  <a:txBody>
+                    <a:bodyPr/>
+                    <a:lstStyle/>
+                    <a:p>
+                      <a:r>
+                        <a:rPr lang="en-IN" sz="1200"/>
+                        <a:t>Wang &amp; Chen</a:t>
+                      </a:r>
+                      <a:endParaRPr lang="en-IN" sz="1200">
+                        <a:latin typeface="Times New Roman" panose="02020603050405020304" pitchFamily="18" charset="0"/>
+                        <a:cs typeface="Times New Roman" panose="02020603050405020304" pitchFamily="18" charset="0"/>
+                      </a:endParaRPr>
+                    </a:p>
+                  </a:txBody>
+                  <a:tcPr marL="33867" marR="33867" marT="16933" marB="16933" anchor="ctr"/>
+                </a:tc>
+                <a:tc>
+                  <a:txBody>
+                    <a:bodyPr/>
+                    <a:lstStyle/>
+                    <a:p>
+                      <a:r>
+                        <a:rPr lang="en-US" sz="1200"/>
+                        <a:t>Comparative Study of PIR and Microwave Radar Sensors</a:t>
+                      </a:r>
+                      <a:endParaRPr lang="en-US" sz="1200">
+                        <a:latin typeface="Times New Roman" panose="02020603050405020304" pitchFamily="18" charset="0"/>
+                        <a:cs typeface="Times New Roman" panose="02020603050405020304" pitchFamily="18" charset="0"/>
+                      </a:endParaRPr>
+                    </a:p>
+                  </a:txBody>
+                  <a:tcPr marL="33867" marR="33867" marT="16933" marB="16933" anchor="ctr"/>
+                </a:tc>
+                <a:tc>
+                  <a:txBody>
+                    <a:bodyPr/>
+                    <a:lstStyle/>
+                    <a:p>
+                      <a:r>
+                        <a:rPr lang="en-IN" sz="1200"/>
+                        <a:t>Journal of Intelligent Systems</a:t>
+                      </a:r>
+                      <a:endParaRPr lang="en-IN" sz="1200">
+                        <a:latin typeface="Times New Roman" panose="02020603050405020304" pitchFamily="18" charset="0"/>
+                        <a:cs typeface="Times New Roman" panose="02020603050405020304" pitchFamily="18" charset="0"/>
+                      </a:endParaRPr>
+                    </a:p>
+                  </a:txBody>
+                  <a:tcPr marL="33867" marR="33867" marT="16933" marB="16933" anchor="ctr"/>
+                </a:tc>
+                <a:tc>
+                  <a:txBody>
+                    <a:bodyPr/>
+                    <a:lstStyle/>
+                    <a:p>
+                      <a:r>
+                        <a:rPr lang="en-IN" sz="1200"/>
+                        <a:t>2021, Vol. 30(4)</a:t>
+                      </a:r>
+                      <a:endParaRPr lang="en-IN" sz="1200">
+                        <a:latin typeface="Times New Roman" panose="02020603050405020304" pitchFamily="18" charset="0"/>
+                        <a:cs typeface="Times New Roman" panose="02020603050405020304" pitchFamily="18" charset="0"/>
+                      </a:endParaRPr>
+                    </a:p>
+                  </a:txBody>
+                  <a:tcPr marL="33867" marR="33867" marT="16933" marB="16933" anchor="ctr"/>
+                </a:tc>
+                <a:tc>
+                  <a:txBody>
+                    <a:bodyPr/>
+                    <a:lstStyle/>
+                    <a:p>
+                      <a:r>
+                        <a:rPr lang="en-US" sz="1200"/>
+                        <a:t>Compared PIR and microwave sensors, showing microwave sensors are better for complex scenarios.</a:t>
+                      </a:r>
+                      <a:endParaRPr lang="en-US" sz="1200">
+                        <a:latin typeface="Times New Roman" panose="02020603050405020304" pitchFamily="18" charset="0"/>
+                        <a:cs typeface="Times New Roman" panose="02020603050405020304" pitchFamily="18" charset="0"/>
+                      </a:endParaRPr>
+                    </a:p>
+                  </a:txBody>
+                  <a:tcPr marL="33867" marR="33867" marT="16933" marB="16933" anchor="ctr"/>
+                </a:tc>
+                <a:extLst>
+                  <a:ext uri="{0D108BD9-81ED-4DB2-BD59-A6C34878D82A}">
+                    <a16:rowId xmlns:a16="http://schemas.microsoft.com/office/drawing/2014/main" val="99638604"/>
+                  </a:ext>
+                </a:extLst>
+              </a:tr>
+              <a:tr h="764482">
+                <a:tc>
+                  <a:txBody>
+                    <a:bodyPr/>
+                    <a:lstStyle/>
+                    <a:p>
+                      <a:r>
+                        <a:rPr lang="en-IN" sz="1200"/>
+                        <a:t>Kim et al.</a:t>
+                      </a:r>
+                      <a:endParaRPr lang="en-IN" sz="1200">
+                        <a:latin typeface="Times New Roman" panose="02020603050405020304" pitchFamily="18" charset="0"/>
+                        <a:cs typeface="Times New Roman" panose="02020603050405020304" pitchFamily="18" charset="0"/>
+                      </a:endParaRPr>
+                    </a:p>
+                  </a:txBody>
+                  <a:tcPr marL="33867" marR="33867" marT="16933" marB="16933" anchor="ctr"/>
+                </a:tc>
+                <a:tc>
+                  <a:txBody>
+                    <a:bodyPr/>
+                    <a:lstStyle/>
+                    <a:p>
+                      <a:r>
+                        <a:rPr lang="en-US" sz="1200"/>
+                        <a:t>Multi-PIR Sensor Networks for Improved Motion Detection</a:t>
+                      </a:r>
+                      <a:endParaRPr lang="en-US" sz="1200">
+                        <a:latin typeface="Times New Roman" panose="02020603050405020304" pitchFamily="18" charset="0"/>
+                        <a:cs typeface="Times New Roman" panose="02020603050405020304" pitchFamily="18" charset="0"/>
+                      </a:endParaRPr>
+                    </a:p>
+                  </a:txBody>
+                  <a:tcPr marL="33867" marR="33867" marT="16933" marB="16933" anchor="ctr"/>
+                </a:tc>
+                <a:tc>
+                  <a:txBody>
+                    <a:bodyPr/>
+                    <a:lstStyle/>
+                    <a:p>
+                      <a:r>
+                        <a:rPr lang="en-IN" sz="1200"/>
+                        <a:t>Sensors</a:t>
+                      </a:r>
+                      <a:endParaRPr lang="en-IN" sz="1200">
+                        <a:latin typeface="Times New Roman" panose="02020603050405020304" pitchFamily="18" charset="0"/>
+                        <a:cs typeface="Times New Roman" panose="02020603050405020304" pitchFamily="18" charset="0"/>
+                      </a:endParaRPr>
+                    </a:p>
+                  </a:txBody>
+                  <a:tcPr marL="33867" marR="33867" marT="16933" marB="16933" anchor="ctr"/>
+                </a:tc>
+                <a:tc>
+                  <a:txBody>
+                    <a:bodyPr/>
+                    <a:lstStyle/>
+                    <a:p>
+                      <a:r>
+                        <a:rPr lang="en-IN" sz="1200" dirty="0"/>
+                        <a:t>2019, Vol. 19(12)</a:t>
+                      </a:r>
+                      <a:endParaRPr lang="en-IN" sz="1200" dirty="0">
+                        <a:latin typeface="Times New Roman" panose="02020603050405020304" pitchFamily="18" charset="0"/>
+                        <a:cs typeface="Times New Roman" panose="02020603050405020304" pitchFamily="18" charset="0"/>
+                      </a:endParaRPr>
+                    </a:p>
+                  </a:txBody>
+                  <a:tcPr marL="33867" marR="33867" marT="16933" marB="16933" anchor="ctr"/>
+                </a:tc>
+                <a:tc>
+                  <a:txBody>
+                    <a:bodyPr/>
+                    <a:lstStyle/>
+                    <a:p>
+                      <a:r>
+                        <a:rPr lang="en-US" sz="1200"/>
+                        <a:t>Introduced a networked PIR approach to improve motion tracking and reduce blind zones.</a:t>
+                      </a:r>
+                      <a:endParaRPr lang="en-US" sz="1200">
+                        <a:latin typeface="Times New Roman" panose="02020603050405020304" pitchFamily="18" charset="0"/>
+                        <a:cs typeface="Times New Roman" panose="02020603050405020304" pitchFamily="18" charset="0"/>
+                      </a:endParaRPr>
+                    </a:p>
+                  </a:txBody>
+                  <a:tcPr marL="33867" marR="33867" marT="16933" marB="16933" anchor="ctr"/>
+                </a:tc>
+                <a:extLst>
+                  <a:ext uri="{0D108BD9-81ED-4DB2-BD59-A6C34878D82A}">
+                    <a16:rowId xmlns:a16="http://schemas.microsoft.com/office/drawing/2014/main" val="2577448037"/>
+                  </a:ext>
+                </a:extLst>
+              </a:tr>
+              <a:tr h="764482">
+                <a:tc>
+                  <a:txBody>
+                    <a:bodyPr/>
+                    <a:lstStyle/>
+                    <a:p>
+                      <a:r>
+                        <a:rPr lang="en-IN" sz="1200"/>
+                        <a:t>Zhang et al.</a:t>
+                      </a:r>
+                      <a:endParaRPr lang="en-IN" sz="1200">
+                        <a:latin typeface="Times New Roman" panose="02020603050405020304" pitchFamily="18" charset="0"/>
+                        <a:cs typeface="Times New Roman" panose="02020603050405020304" pitchFamily="18" charset="0"/>
+                      </a:endParaRPr>
+                    </a:p>
+                  </a:txBody>
+                  <a:tcPr marL="33867" marR="33867" marT="16933" marB="16933" anchor="ctr"/>
+                </a:tc>
+                <a:tc>
+                  <a:txBody>
+                    <a:bodyPr/>
+                    <a:lstStyle/>
+                    <a:p>
+                      <a:r>
+                        <a:rPr lang="en-US" sz="1200"/>
+                        <a:t>AI-Powered PIR Sensors: Integrating Machine Learning</a:t>
+                      </a:r>
+                      <a:endParaRPr lang="en-US" sz="1200">
+                        <a:latin typeface="Times New Roman" panose="02020603050405020304" pitchFamily="18" charset="0"/>
+                        <a:cs typeface="Times New Roman" panose="02020603050405020304" pitchFamily="18" charset="0"/>
+                      </a:endParaRPr>
+                    </a:p>
+                  </a:txBody>
+                  <a:tcPr marL="33867" marR="33867" marT="16933" marB="16933" anchor="ctr"/>
+                </a:tc>
+                <a:tc>
+                  <a:txBody>
+                    <a:bodyPr/>
+                    <a:lstStyle/>
+                    <a:p>
+                      <a:r>
+                        <a:rPr lang="en-US" sz="1200"/>
+                        <a:t>IEEE Transactions on Smart Systems</a:t>
+                      </a:r>
+                      <a:endParaRPr lang="en-US" sz="1200">
+                        <a:latin typeface="Times New Roman" panose="02020603050405020304" pitchFamily="18" charset="0"/>
+                        <a:cs typeface="Times New Roman" panose="02020603050405020304" pitchFamily="18" charset="0"/>
+                      </a:endParaRPr>
+                    </a:p>
+                  </a:txBody>
+                  <a:tcPr marL="33867" marR="33867" marT="16933" marB="16933" anchor="ctr"/>
+                </a:tc>
+                <a:tc>
+                  <a:txBody>
+                    <a:bodyPr/>
+                    <a:lstStyle/>
+                    <a:p>
+                      <a:r>
+                        <a:rPr lang="en-IN" sz="1200"/>
+                        <a:t>2022, Vol. 15(3)</a:t>
+                      </a:r>
+                      <a:endParaRPr lang="en-IN" sz="1200">
+                        <a:latin typeface="Times New Roman" panose="02020603050405020304" pitchFamily="18" charset="0"/>
+                        <a:cs typeface="Times New Roman" panose="02020603050405020304" pitchFamily="18" charset="0"/>
+                      </a:endParaRPr>
+                    </a:p>
+                  </a:txBody>
+                  <a:tcPr marL="33867" marR="33867" marT="16933" marB="16933" anchor="ctr"/>
+                </a:tc>
+                <a:tc>
+                  <a:txBody>
+                    <a:bodyPr/>
+                    <a:lstStyle/>
+                    <a:p>
+                      <a:r>
+                        <a:rPr lang="en-US" sz="1200"/>
+                        <a:t>Enhanced PIR sensor accuracy using AI to reduce false alarms in automation systems.</a:t>
+                      </a:r>
+                      <a:endParaRPr lang="en-US" sz="1200">
+                        <a:latin typeface="Times New Roman" panose="02020603050405020304" pitchFamily="18" charset="0"/>
+                        <a:cs typeface="Times New Roman" panose="02020603050405020304" pitchFamily="18" charset="0"/>
+                      </a:endParaRPr>
+                    </a:p>
+                  </a:txBody>
+                  <a:tcPr marL="33867" marR="33867" marT="16933" marB="16933" anchor="ctr"/>
+                </a:tc>
+                <a:extLst>
+                  <a:ext uri="{0D108BD9-81ED-4DB2-BD59-A6C34878D82A}">
+                    <a16:rowId xmlns:a16="http://schemas.microsoft.com/office/drawing/2014/main" val="1568712529"/>
+                  </a:ext>
+                </a:extLst>
+              </a:tr>
+              <a:tr h="947146">
+                <a:tc>
+                  <a:txBody>
+                    <a:bodyPr/>
+                    <a:lstStyle/>
+                    <a:p>
+                      <a:r>
+                        <a:rPr lang="en-IN" sz="1200"/>
+                        <a:t>Singh et al.</a:t>
+                      </a:r>
+                      <a:endParaRPr lang="en-IN" sz="1200">
+                        <a:latin typeface="Times New Roman" panose="02020603050405020304" pitchFamily="18" charset="0"/>
+                        <a:cs typeface="Times New Roman" panose="02020603050405020304" pitchFamily="18" charset="0"/>
+                      </a:endParaRPr>
+                    </a:p>
+                  </a:txBody>
+                  <a:tcPr marL="33867" marR="33867" marT="16933" marB="16933" anchor="ctr"/>
+                </a:tc>
+                <a:tc>
+                  <a:txBody>
+                    <a:bodyPr/>
+                    <a:lstStyle/>
+                    <a:p>
+                      <a:r>
+                        <a:rPr lang="en-US" sz="1200"/>
+                        <a:t>Sensor Fusion for Human Activity Recognition</a:t>
+                      </a:r>
+                      <a:endParaRPr lang="en-US" sz="1200">
+                        <a:latin typeface="Times New Roman" panose="02020603050405020304" pitchFamily="18" charset="0"/>
+                        <a:cs typeface="Times New Roman" panose="02020603050405020304" pitchFamily="18" charset="0"/>
+                      </a:endParaRPr>
+                    </a:p>
+                  </a:txBody>
+                  <a:tcPr marL="33867" marR="33867" marT="16933" marB="16933" anchor="ctr"/>
+                </a:tc>
+                <a:tc>
+                  <a:txBody>
+                    <a:bodyPr/>
+                    <a:lstStyle/>
+                    <a:p>
+                      <a:r>
+                        <a:rPr lang="en-IN" sz="1200"/>
+                        <a:t>Journal of Ambient Intelligence and Smart Environments</a:t>
+                      </a:r>
+                      <a:endParaRPr lang="en-IN" sz="1200">
+                        <a:latin typeface="Times New Roman" panose="02020603050405020304" pitchFamily="18" charset="0"/>
+                        <a:cs typeface="Times New Roman" panose="02020603050405020304" pitchFamily="18" charset="0"/>
+                      </a:endParaRPr>
+                    </a:p>
+                  </a:txBody>
+                  <a:tcPr marL="33867" marR="33867" marT="16933" marB="16933" anchor="ctr"/>
+                </a:tc>
+                <a:tc>
+                  <a:txBody>
+                    <a:bodyPr/>
+                    <a:lstStyle/>
+                    <a:p>
+                      <a:r>
+                        <a:rPr lang="en-IN" sz="1200"/>
+                        <a:t>2021, Vol. 13(2)</a:t>
+                      </a:r>
+                      <a:endParaRPr lang="en-IN" sz="1200">
+                        <a:latin typeface="Times New Roman" panose="02020603050405020304" pitchFamily="18" charset="0"/>
+                        <a:cs typeface="Times New Roman" panose="02020603050405020304" pitchFamily="18" charset="0"/>
+                      </a:endParaRPr>
+                    </a:p>
+                  </a:txBody>
+                  <a:tcPr marL="33867" marR="33867" marT="16933" marB="16933" anchor="ctr"/>
+                </a:tc>
+                <a:tc>
+                  <a:txBody>
+                    <a:bodyPr/>
+                    <a:lstStyle/>
+                    <a:p>
+                      <a:r>
+                        <a:rPr lang="en-US" sz="1200" dirty="0"/>
+                        <a:t>Combined PIR with CV for human activity recognition, improving accuracy and context-awareness.</a:t>
+                      </a:r>
+                      <a:endParaRPr lang="en-US" sz="1200" dirty="0">
+                        <a:latin typeface="Times New Roman" panose="02020603050405020304" pitchFamily="18" charset="0"/>
+                        <a:cs typeface="Times New Roman" panose="02020603050405020304" pitchFamily="18" charset="0"/>
+                      </a:endParaRPr>
+                    </a:p>
+                  </a:txBody>
+                  <a:tcPr marL="33867" marR="33867" marT="16933" marB="16933" anchor="ctr"/>
+                </a:tc>
+                <a:extLst>
+                  <a:ext uri="{0D108BD9-81ED-4DB2-BD59-A6C34878D82A}">
+                    <a16:rowId xmlns:a16="http://schemas.microsoft.com/office/drawing/2014/main" val="2879359531"/>
+                  </a:ext>
+                </a:extLst>
+              </a:tr>
+            </a:tbl>
+          </a:graphicData>
+        </a:graphic>
+      </p:graphicFrame>
+    </p:spTree>
+    <p:extLst>
+      <p:ext uri="{BB962C8B-B14F-4D97-AF65-F5344CB8AC3E}">
+        <p14:creationId xmlns:p14="http://schemas.microsoft.com/office/powerpoint/2010/main" val="1088884321"/>
+      </p:ext>
+    </p:extLst>
+  </p:cSld>
+  <p:clrMapOvr>
+    <a:masterClrMapping/>
+  </p:clrMapOvr>
+</p:sld>
+</file>
+
+<file path=ppt/slides/slide6.xml><?xml version="1.0" encoding="utf-8"?>
+<p:sld xmlns:a="http://schemas.openxmlformats.org/drawingml/2006/main" xmlns:r="http://schemas.openxmlformats.org/officeDocument/2006/relationships" xmlns:p="http://schemas.openxmlformats.org/presentationml/2006/main">
+  <p:cSld>
     <p:bg>
       <p:bgPr>
         <a:blipFill dpi="0" rotWithShape="0">
@@ -7963,7 +9760,7 @@
           <a:p>
             <a:fld id="{5AB9ECBD-B4DD-40D5-8D24-9ECCDBB1583E}" type="slidenum">
               <a:rPr lang="en-IN" smtClean="0"/>
-              <a:t>5</a:t>
+              <a:t>6</a:t>
             </a:fld>
             <a:endParaRPr lang="en-IN"/>
           </a:p>
@@ -7982,7 +9779,7 @@
 </p:sld>
 </file>
 
-<file path=ppt/slides/slide6.xml><?xml version="1.0" encoding="utf-8"?>
+<file path=ppt/slides/slide7.xml><?xml version="1.0" encoding="utf-8"?>
 <p:sld xmlns:a="http://schemas.openxmlformats.org/drawingml/2006/main" xmlns:r="http://schemas.openxmlformats.org/officeDocument/2006/relationships" xmlns:p="http://schemas.openxmlformats.org/presentationml/2006/main">
   <p:cSld>
     <p:bg>
@@ -8414,7 +10211,7 @@
           <a:p>
             <a:fld id="{5AB9ECBD-B4DD-40D5-8D24-9ECCDBB1583E}" type="slidenum">
               <a:rPr lang="en-IN" smtClean="0"/>
-              <a:t>6</a:t>
+              <a:t>7</a:t>
             </a:fld>
             <a:endParaRPr lang="en-IN"/>
           </a:p>
@@ -8849,7 +10646,7 @@
 </p:sld>
 </file>
 
-<file path=ppt/slides/slide7.xml><?xml version="1.0" encoding="utf-8"?>
+<file path=ppt/slides/slide8.xml><?xml version="1.0" encoding="utf-8"?>
 <p:sld xmlns:a="http://schemas.openxmlformats.org/drawingml/2006/main" xmlns:r="http://schemas.openxmlformats.org/officeDocument/2006/relationships" xmlns:p="http://schemas.openxmlformats.org/presentationml/2006/main">
   <p:cSld>
     <p:spTree>
@@ -9119,7 +10916,7 @@
             </a:pPr>
             <a:fld id="{BDC2143B-610F-499C-A392-DFFBE135A7B2}" type="slidenum">
               <a:rPr lang="en-US" altLang="en-US" smtClean="0"/>
-              <a:t>7</a:t>
+              <a:t>8</a:t>
             </a:fld>
             <a:endParaRPr lang="en-US" altLang="en-US"/>
           </a:p>
@@ -9133,7 +10930,7 @@
 </p:sld>
 </file>
 
-<file path=ppt/slides/slide8.xml><?xml version="1.0" encoding="utf-8"?>
+<file path=ppt/slides/slide9.xml><?xml version="1.0" encoding="utf-8"?>
 <p:sld xmlns:a="http://schemas.openxmlformats.org/drawingml/2006/main" xmlns:r="http://schemas.openxmlformats.org/officeDocument/2006/relationships" xmlns:p="http://schemas.openxmlformats.org/presentationml/2006/main">
   <p:cSld>
     <p:bg>
@@ -9248,7 +11045,7 @@
           <a:p>
             <a:fld id="{5AB9ECBD-B4DD-40D5-8D24-9ECCDBB1583E}" type="slidenum">
               <a:rPr lang="en-IN" smtClean="0"/>
-              <a:t>8</a:t>
+              <a:t>9</a:t>
             </a:fld>
             <a:endParaRPr lang="en-IN"/>
           </a:p>
@@ -9612,130 +11409,6 @@
   </p:cSld>
   <p:clrMapOvr>
     <a:overrideClrMapping bg1="lt1" tx1="dk1" bg2="lt2" tx2="dk2" accent1="accent1" accent2="accent2" accent3="accent3" accent4="accent4" accent5="accent5" accent6="accent6" hlink="hlink" folHlink="folHlink"/>
-  </p:clrMapOvr>
-</p:sld>
-</file>
-
-<file path=ppt/slides/slide9.xml><?xml version="1.0" encoding="utf-8"?>
-<p:sld xmlns:a="http://schemas.openxmlformats.org/drawingml/2006/main" xmlns:r="http://schemas.openxmlformats.org/officeDocument/2006/relationships" xmlns:p="http://schemas.openxmlformats.org/presentationml/2006/main">
-  <p:cSld>
-    <p:spTree>
-      <p:nvGrpSpPr>
-        <p:cNvPr id="1" name=""/>
-        <p:cNvGrpSpPr/>
-        <p:nvPr/>
-      </p:nvGrpSpPr>
-      <p:grpSpPr>
-        <a:xfrm>
-          <a:off x="0" y="0"/>
-          <a:ext cx="0" cy="0"/>
-          <a:chOff x="0" y="0"/>
-          <a:chExt cx="0" cy="0"/>
-        </a:xfrm>
-      </p:grpSpPr>
-      <p:sp>
-        <p:nvSpPr>
-          <p:cNvPr id="2" name="Title 1"/>
-          <p:cNvSpPr>
-            <a:spLocks noGrp="1"/>
-          </p:cNvSpPr>
-          <p:nvPr>
-            <p:ph type="title"/>
-          </p:nvPr>
-        </p:nvSpPr>
-        <p:spPr/>
-        <p:txBody>
-          <a:bodyPr/>
-          <a:lstStyle/>
-          <a:p>
-            <a:r>
-              <a:rPr lang="en-US"/>
-              <a:t>ARCHITECTURE DIAGRAM</a:t>
-            </a:r>
-          </a:p>
-        </p:txBody>
-      </p:sp>
-      <p:pic>
-        <p:nvPicPr>
-          <p:cNvPr id="7" name="Content Placeholder 6" descr="Screenshot 2024-11-09 at 7.04.42 AM"/>
-          <p:cNvPicPr>
-            <a:picLocks noGrp="1" noChangeAspect="1"/>
-          </p:cNvPicPr>
-          <p:nvPr>
-            <p:ph idx="1"/>
-          </p:nvPr>
-        </p:nvPicPr>
-        <p:blipFill>
-          <a:blip r:embed="rId2"/>
-          <a:stretch>
-            <a:fillRect/>
-          </a:stretch>
-        </p:blipFill>
-        <p:spPr>
-          <a:xfrm>
-            <a:off x="2703195" y="1752600"/>
-            <a:ext cx="6035040" cy="4398645"/>
-          </a:xfrm>
-          <a:prstGeom prst="rect">
-            <a:avLst/>
-          </a:prstGeom>
-        </p:spPr>
-      </p:pic>
-      <p:sp>
-        <p:nvSpPr>
-          <p:cNvPr id="5" name="Footer Placeholder 4"/>
-          <p:cNvSpPr>
-            <a:spLocks noGrp="1"/>
-          </p:cNvSpPr>
-          <p:nvPr>
-            <p:ph type="ftr" sz="quarter" idx="11"/>
-          </p:nvPr>
-        </p:nvSpPr>
-        <p:spPr/>
-        <p:txBody>
-          <a:bodyPr/>
-          <a:lstStyle/>
-          <a:p>
-            <a:pPr>
-              <a:defRPr/>
-            </a:pPr>
-            <a:r>
-              <a:rPr lang="en-US"/>
-              <a:t>Department of Artificial Intelligence and Data Science</a:t>
-            </a:r>
-          </a:p>
-        </p:txBody>
-      </p:sp>
-      <p:sp>
-        <p:nvSpPr>
-          <p:cNvPr id="6" name="Slide Number Placeholder 5"/>
-          <p:cNvSpPr>
-            <a:spLocks noGrp="1"/>
-          </p:cNvSpPr>
-          <p:nvPr>
-            <p:ph type="sldNum" sz="quarter" idx="12"/>
-          </p:nvPr>
-        </p:nvSpPr>
-        <p:spPr/>
-        <p:txBody>
-          <a:bodyPr/>
-          <a:lstStyle/>
-          <a:p>
-            <a:pPr>
-              <a:defRPr/>
-            </a:pPr>
-            <a:fld id="{BDC2143B-610F-499C-A392-DFFBE135A7B2}" type="slidenum">
-              <a:rPr lang="en-US" altLang="en-US"/>
-              <a:t>9</a:t>
-            </a:fld>
-            <a:endParaRPr lang="en-US" altLang="en-US"/>
-          </a:p>
-        </p:txBody>
-      </p:sp>
-    </p:spTree>
-  </p:cSld>
-  <p:clrMapOvr>
-    <a:masterClrMapping/>
   </p:clrMapOvr>
 </p:sld>
 </file>
@@ -10927,4 +12600,47 @@
     </a:folHlink>
   </a:clrScheme>
 </a:themeOverride>
+</file>
+
+<file path=ppt/theme/themeOverride6.xml><?xml version="1.0" encoding="utf-8"?>
+<a:themeOverride xmlns:a="http://schemas.openxmlformats.org/drawingml/2006/main">
+  <a:clrScheme name="Profile 9">
+    <a:dk1>
+      <a:srgbClr val="000000"/>
+    </a:dk1>
+    <a:lt1>
+      <a:srgbClr val="FFFFFF"/>
+    </a:lt1>
+    <a:dk2>
+      <a:srgbClr val="000000"/>
+    </a:dk2>
+    <a:lt2>
+      <a:srgbClr val="DDDDDD"/>
+    </a:lt2>
+    <a:accent1>
+      <a:srgbClr val="A3B2C1"/>
+    </a:accent1>
+    <a:accent2>
+      <a:srgbClr val="CC0000"/>
+    </a:accent2>
+    <a:accent3>
+      <a:srgbClr val="FFFFFF"/>
+    </a:accent3>
+    <a:accent4>
+      <a:srgbClr val="000000"/>
+    </a:accent4>
+    <a:accent5>
+      <a:srgbClr val="CED5DD"/>
+    </a:accent5>
+    <a:accent6>
+      <a:srgbClr val="B90000"/>
+    </a:accent6>
+    <a:hlink>
+      <a:srgbClr val="336699"/>
+    </a:hlink>
+    <a:folHlink>
+      <a:srgbClr val="003366"/>
+    </a:folHlink>
+  </a:clrScheme>
+</a:themeOverride>
 </file>